--- a/monitoring_hard_drop/figs_src/diagrams-wide.pptx
+++ b/monitoring_hard_drop/figs_src/diagrams-wide.pptx
@@ -7,6 +7,10 @@
   <p:sldIdLst>
     <p:sldId id="256" r:id="rId2"/>
     <p:sldId id="257" r:id="rId3"/>
+    <p:sldId id="258" r:id="rId4"/>
+    <p:sldId id="259" r:id="rId5"/>
+    <p:sldId id="260" r:id="rId6"/>
+    <p:sldId id="261" r:id="rId7"/>
   </p:sldIdLst>
   <p:sldSz cx="5303838" cy="10058400"/>
   <p:notesSz cx="4845050" cy="9601200"/>
@@ -289,7 +293,7 @@
           <a:p>
             <a:fld id="{D9DE92D4-3454-4E80-9822-1258D18FA6E8}" type="datetimeFigureOut">
               <a:rPr lang="en-US" smtClean="0"/>
-              <a:t>2/20/2015</a:t>
+              <a:t>2/21/2015</a:t>
             </a:fld>
             <a:endParaRPr lang="en-US"/>
           </a:p>
@@ -459,7 +463,7 @@
           <a:p>
             <a:fld id="{D9DE92D4-3454-4E80-9822-1258D18FA6E8}" type="datetimeFigureOut">
               <a:rPr lang="en-US" smtClean="0"/>
-              <a:t>2/20/2015</a:t>
+              <a:t>2/21/2015</a:t>
             </a:fld>
             <a:endParaRPr lang="en-US"/>
           </a:p>
@@ -639,7 +643,7 @@
           <a:p>
             <a:fld id="{D9DE92D4-3454-4E80-9822-1258D18FA6E8}" type="datetimeFigureOut">
               <a:rPr lang="en-US" smtClean="0"/>
-              <a:t>2/20/2015</a:t>
+              <a:t>2/21/2015</a:t>
             </a:fld>
             <a:endParaRPr lang="en-US"/>
           </a:p>
@@ -809,7 +813,7 @@
           <a:p>
             <a:fld id="{D9DE92D4-3454-4E80-9822-1258D18FA6E8}" type="datetimeFigureOut">
               <a:rPr lang="en-US" smtClean="0"/>
-              <a:t>2/20/2015</a:t>
+              <a:t>2/21/2015</a:t>
             </a:fld>
             <a:endParaRPr lang="en-US"/>
           </a:p>
@@ -1055,7 +1059,7 @@
           <a:p>
             <a:fld id="{D9DE92D4-3454-4E80-9822-1258D18FA6E8}" type="datetimeFigureOut">
               <a:rPr lang="en-US" smtClean="0"/>
-              <a:t>2/20/2015</a:t>
+              <a:t>2/21/2015</a:t>
             </a:fld>
             <a:endParaRPr lang="en-US"/>
           </a:p>
@@ -1343,7 +1347,7 @@
           <a:p>
             <a:fld id="{D9DE92D4-3454-4E80-9822-1258D18FA6E8}" type="datetimeFigureOut">
               <a:rPr lang="en-US" smtClean="0"/>
-              <a:t>2/20/2015</a:t>
+              <a:t>2/21/2015</a:t>
             </a:fld>
             <a:endParaRPr lang="en-US"/>
           </a:p>
@@ -1770,7 +1774,7 @@
           <a:p>
             <a:fld id="{D9DE92D4-3454-4E80-9822-1258D18FA6E8}" type="datetimeFigureOut">
               <a:rPr lang="en-US" smtClean="0"/>
-              <a:t>2/20/2015</a:t>
+              <a:t>2/21/2015</a:t>
             </a:fld>
             <a:endParaRPr lang="en-US"/>
           </a:p>
@@ -1888,7 +1892,7 @@
           <a:p>
             <a:fld id="{D9DE92D4-3454-4E80-9822-1258D18FA6E8}" type="datetimeFigureOut">
               <a:rPr lang="en-US" smtClean="0"/>
-              <a:t>2/20/2015</a:t>
+              <a:t>2/21/2015</a:t>
             </a:fld>
             <a:endParaRPr lang="en-US"/>
           </a:p>
@@ -1983,7 +1987,7 @@
           <a:p>
             <a:fld id="{D9DE92D4-3454-4E80-9822-1258D18FA6E8}" type="datetimeFigureOut">
               <a:rPr lang="en-US" smtClean="0"/>
-              <a:t>2/20/2015</a:t>
+              <a:t>2/21/2015</a:t>
             </a:fld>
             <a:endParaRPr lang="en-US"/>
           </a:p>
@@ -2260,7 +2264,7 @@
           <a:p>
             <a:fld id="{D9DE92D4-3454-4E80-9822-1258D18FA6E8}" type="datetimeFigureOut">
               <a:rPr lang="en-US" smtClean="0"/>
-              <a:t>2/20/2015</a:t>
+              <a:t>2/21/2015</a:t>
             </a:fld>
             <a:endParaRPr lang="en-US"/>
           </a:p>
@@ -2513,7 +2517,7 @@
           <a:p>
             <a:fld id="{D9DE92D4-3454-4E80-9822-1258D18FA6E8}" type="datetimeFigureOut">
               <a:rPr lang="en-US" smtClean="0"/>
-              <a:t>2/20/2015</a:t>
+              <a:t>2/21/2015</a:t>
             </a:fld>
             <a:endParaRPr lang="en-US"/>
           </a:p>
@@ -2726,7 +2730,7 @@
           <a:p>
             <a:fld id="{D9DE92D4-3454-4E80-9822-1258D18FA6E8}" type="datetimeFigureOut">
               <a:rPr lang="en-US" smtClean="0"/>
-              <a:t>2/20/2015</a:t>
+              <a:t>2/21/2015</a:t>
             </a:fld>
             <a:endParaRPr lang="en-US"/>
           </a:p>
@@ -4592,6 +4596,6667 @@
     <p:extLst>
       <p:ext uri="{BB962C8B-B14F-4D97-AF65-F5344CB8AC3E}">
         <p14:creationId xmlns:p14="http://schemas.microsoft.com/office/powerpoint/2010/main" val="2968332201"/>
+      </p:ext>
+    </p:extLst>
+  </p:cSld>
+  <p:clrMapOvr>
+    <a:masterClrMapping/>
+  </p:clrMapOvr>
+</p:sld>
+</file>
+
+<file path=ppt/slides/slide3.xml><?xml version="1.0" encoding="utf-8"?>
+<p:sld xmlns:a="http://schemas.openxmlformats.org/drawingml/2006/main" xmlns:r="http://schemas.openxmlformats.org/officeDocument/2006/relationships" xmlns:p="http://schemas.openxmlformats.org/presentationml/2006/main">
+  <p:cSld>
+    <p:spTree>
+      <p:nvGrpSpPr>
+        <p:cNvPr id="1" name=""/>
+        <p:cNvGrpSpPr/>
+        <p:nvPr/>
+      </p:nvGrpSpPr>
+      <p:grpSpPr>
+        <a:xfrm>
+          <a:off x="0" y="0"/>
+          <a:ext cx="0" cy="0"/>
+          <a:chOff x="0" y="0"/>
+          <a:chExt cx="0" cy="0"/>
+        </a:xfrm>
+      </p:grpSpPr>
+      <p:sp>
+        <p:nvSpPr>
+          <p:cNvPr id="2" name="TextBox 1"/>
+          <p:cNvSpPr txBox="1"/>
+          <p:nvPr/>
+        </p:nvSpPr>
+        <p:spPr>
+          <a:xfrm>
+            <a:off x="4312526" y="170126"/>
+            <a:ext cx="706959" cy="338554"/>
+          </a:xfrm>
+          <a:prstGeom prst="rect">
+            <a:avLst/>
+          </a:prstGeom>
+          <a:noFill/>
+          <a:ln w="12700">
+            <a:noFill/>
+          </a:ln>
+        </p:spPr>
+        <p:txBody>
+          <a:bodyPr wrap="square" rtlCol="0">
+            <a:spAutoFit/>
+          </a:bodyPr>
+          <a:lstStyle/>
+          <a:p>
+            <a:r>
+              <a:rPr lang="en-US" sz="800" dirty="0" smtClean="0">
+                <a:latin typeface="Arial" pitchFamily="34" charset="0"/>
+                <a:cs typeface="Arial" pitchFamily="34" charset="0"/>
+              </a:rPr>
+              <a:t>drop decision</a:t>
+            </a:r>
+            <a:endParaRPr lang="en-US" sz="800" dirty="0">
+              <a:latin typeface="Arial" pitchFamily="34" charset="0"/>
+              <a:cs typeface="Arial" pitchFamily="34" charset="0"/>
+            </a:endParaRPr>
+          </a:p>
+        </p:txBody>
+      </p:sp>
+      <p:sp>
+        <p:nvSpPr>
+          <p:cNvPr id="3" name="Rectangle 2"/>
+          <p:cNvSpPr/>
+          <p:nvPr/>
+        </p:nvSpPr>
+        <p:spPr>
+          <a:xfrm>
+            <a:off x="1098019" y="247861"/>
+            <a:ext cx="850899" cy="514620"/>
+          </a:xfrm>
+          <a:prstGeom prst="rect">
+            <a:avLst/>
+          </a:prstGeom>
+          <a:solidFill>
+            <a:srgbClr val="FFFFCC"/>
+          </a:solidFill>
+          <a:ln w="12700">
+            <a:solidFill>
+              <a:schemeClr val="tx1"/>
+            </a:solidFill>
+          </a:ln>
+        </p:spPr>
+        <p:style>
+          <a:lnRef idx="2">
+            <a:schemeClr val="accent1">
+              <a:shade val="50000"/>
+            </a:schemeClr>
+          </a:lnRef>
+          <a:fillRef idx="1">
+            <a:schemeClr val="accent1"/>
+          </a:fillRef>
+          <a:effectRef idx="0">
+            <a:schemeClr val="accent1"/>
+          </a:effectRef>
+          <a:fontRef idx="minor">
+            <a:schemeClr val="lt1"/>
+          </a:fontRef>
+        </p:style>
+        <p:txBody>
+          <a:bodyPr rtlCol="0" anchor="ctr"/>
+          <a:lstStyle/>
+          <a:p>
+            <a:pPr algn="ctr"/>
+            <a:r>
+              <a:rPr lang="en-US" sz="800" dirty="0" smtClean="0">
+                <a:solidFill>
+                  <a:sysClr val="windowText" lastClr="000000"/>
+                </a:solidFill>
+                <a:latin typeface="Arial" pitchFamily="34" charset="0"/>
+                <a:cs typeface="Arial" pitchFamily="34" charset="0"/>
+              </a:rPr>
+              <a:t>Watchdog Timer</a:t>
+            </a:r>
+            <a:endParaRPr lang="en-US" sz="800" dirty="0">
+              <a:solidFill>
+                <a:sysClr val="windowText" lastClr="000000"/>
+              </a:solidFill>
+              <a:latin typeface="Arial" pitchFamily="34" charset="0"/>
+              <a:cs typeface="Arial" pitchFamily="34" charset="0"/>
+            </a:endParaRPr>
+          </a:p>
+        </p:txBody>
+      </p:sp>
+      <p:sp>
+        <p:nvSpPr>
+          <p:cNvPr id="5" name="TextBox 4"/>
+          <p:cNvSpPr txBox="1"/>
+          <p:nvPr/>
+        </p:nvSpPr>
+        <p:spPr>
+          <a:xfrm>
+            <a:off x="399519" y="338554"/>
+            <a:ext cx="689275" cy="338554"/>
+          </a:xfrm>
+          <a:prstGeom prst="rect">
+            <a:avLst/>
+          </a:prstGeom>
+          <a:noFill/>
+          <a:ln w="12700">
+            <a:noFill/>
+          </a:ln>
+        </p:spPr>
+        <p:txBody>
+          <a:bodyPr wrap="square" rtlCol="0">
+            <a:spAutoFit/>
+          </a:bodyPr>
+          <a:lstStyle/>
+          <a:p>
+            <a:r>
+              <a:rPr lang="en-US" sz="800" dirty="0" smtClean="0">
+                <a:latin typeface="Arial" pitchFamily="34" charset="0"/>
+                <a:cs typeface="Arial" pitchFamily="34" charset="0"/>
+              </a:rPr>
+              <a:t>start sub-task</a:t>
+            </a:r>
+            <a:endParaRPr lang="en-US" sz="800" dirty="0">
+              <a:latin typeface="Arial" pitchFamily="34" charset="0"/>
+              <a:cs typeface="Arial" pitchFamily="34" charset="0"/>
+            </a:endParaRPr>
+          </a:p>
+        </p:txBody>
+      </p:sp>
+      <p:sp>
+        <p:nvSpPr>
+          <p:cNvPr id="7" name="TextBox 6"/>
+          <p:cNvSpPr txBox="1"/>
+          <p:nvPr/>
+        </p:nvSpPr>
+        <p:spPr>
+          <a:xfrm>
+            <a:off x="399519" y="0"/>
+            <a:ext cx="689274" cy="338554"/>
+          </a:xfrm>
+          <a:prstGeom prst="rect">
+            <a:avLst/>
+          </a:prstGeom>
+          <a:noFill/>
+          <a:ln w="12700">
+            <a:noFill/>
+          </a:ln>
+        </p:spPr>
+        <p:txBody>
+          <a:bodyPr wrap="square" rtlCol="0">
+            <a:spAutoFit/>
+          </a:bodyPr>
+          <a:lstStyle/>
+          <a:p>
+            <a:r>
+              <a:rPr lang="en-US" sz="800" dirty="0" smtClean="0">
+                <a:latin typeface="Arial" pitchFamily="34" charset="0"/>
+                <a:cs typeface="Arial" pitchFamily="34" charset="0"/>
+              </a:rPr>
+              <a:t>sub-task WCET</a:t>
+            </a:r>
+            <a:endParaRPr lang="en-US" sz="800" dirty="0">
+              <a:latin typeface="Arial" pitchFamily="34" charset="0"/>
+              <a:cs typeface="Arial" pitchFamily="34" charset="0"/>
+            </a:endParaRPr>
+          </a:p>
+        </p:txBody>
+      </p:sp>
+      <p:sp>
+        <p:nvSpPr>
+          <p:cNvPr id="8" name="Rectangle 7"/>
+          <p:cNvSpPr/>
+          <p:nvPr/>
+        </p:nvSpPr>
+        <p:spPr>
+          <a:xfrm>
+            <a:off x="2745733" y="247860"/>
+            <a:ext cx="990600" cy="514622"/>
+          </a:xfrm>
+          <a:prstGeom prst="rect">
+            <a:avLst/>
+          </a:prstGeom>
+          <a:solidFill>
+            <a:srgbClr val="FFFFCC"/>
+          </a:solidFill>
+          <a:ln w="12700">
+            <a:solidFill>
+              <a:schemeClr val="tx1"/>
+            </a:solidFill>
+          </a:ln>
+        </p:spPr>
+        <p:style>
+          <a:lnRef idx="2">
+            <a:schemeClr val="accent1">
+              <a:shade val="50000"/>
+            </a:schemeClr>
+          </a:lnRef>
+          <a:fillRef idx="1">
+            <a:schemeClr val="accent1"/>
+          </a:fillRef>
+          <a:effectRef idx="0">
+            <a:schemeClr val="accent1"/>
+          </a:effectRef>
+          <a:fontRef idx="minor">
+            <a:schemeClr val="lt1"/>
+          </a:fontRef>
+        </p:style>
+        <p:txBody>
+          <a:bodyPr rtlCol="0" anchor="ctr"/>
+          <a:lstStyle/>
+          <a:p>
+            <a:pPr algn="ctr"/>
+            <a:r>
+              <a:rPr lang="en-US" sz="800" dirty="0" smtClean="0">
+                <a:solidFill>
+                  <a:sysClr val="windowText" lastClr="000000"/>
+                </a:solidFill>
+                <a:latin typeface="Arial" pitchFamily="34" charset="0"/>
+                <a:cs typeface="Arial" pitchFamily="34" charset="0"/>
+              </a:rPr>
+              <a:t>Dynamic</a:t>
+            </a:r>
+          </a:p>
+          <a:p>
+            <a:pPr algn="ctr"/>
+            <a:r>
+              <a:rPr lang="en-US" sz="800" dirty="0" smtClean="0">
+                <a:solidFill>
+                  <a:sysClr val="windowText" lastClr="000000"/>
+                </a:solidFill>
+                <a:latin typeface="Arial" pitchFamily="34" charset="0"/>
+                <a:cs typeface="Arial" pitchFamily="34" charset="0"/>
+              </a:rPr>
+              <a:t>Slack</a:t>
+            </a:r>
+            <a:endParaRPr lang="en-US" sz="800" dirty="0">
+              <a:solidFill>
+                <a:sysClr val="windowText" lastClr="000000"/>
+              </a:solidFill>
+              <a:latin typeface="Arial" pitchFamily="34" charset="0"/>
+              <a:cs typeface="Arial" pitchFamily="34" charset="0"/>
+            </a:endParaRPr>
+          </a:p>
+        </p:txBody>
+      </p:sp>
+      <p:cxnSp>
+        <p:nvCxnSpPr>
+          <p:cNvPr id="9" name="Straight Arrow Connector 8"/>
+          <p:cNvCxnSpPr/>
+          <p:nvPr/>
+        </p:nvCxnSpPr>
+        <p:spPr>
+          <a:xfrm flipV="1">
+            <a:off x="1948918" y="507830"/>
+            <a:ext cx="796815" cy="1"/>
+          </a:xfrm>
+          <a:prstGeom prst="straightConnector1">
+            <a:avLst/>
+          </a:prstGeom>
+          <a:ln w="12700">
+            <a:solidFill>
+              <a:schemeClr val="tx1"/>
+            </a:solidFill>
+            <a:tailEnd type="triangle" w="med" len="med"/>
+          </a:ln>
+        </p:spPr>
+        <p:style>
+          <a:lnRef idx="1">
+            <a:schemeClr val="accent1"/>
+          </a:lnRef>
+          <a:fillRef idx="0">
+            <a:schemeClr val="accent1"/>
+          </a:fillRef>
+          <a:effectRef idx="0">
+            <a:schemeClr val="accent1"/>
+          </a:effectRef>
+          <a:fontRef idx="minor">
+            <a:schemeClr val="tx1"/>
+          </a:fontRef>
+        </p:style>
+      </p:cxnSp>
+      <p:sp>
+        <p:nvSpPr>
+          <p:cNvPr id="10" name="TextBox 9"/>
+          <p:cNvSpPr txBox="1"/>
+          <p:nvPr/>
+        </p:nvSpPr>
+        <p:spPr>
+          <a:xfrm>
+            <a:off x="1948917" y="169277"/>
+            <a:ext cx="796815" cy="338554"/>
+          </a:xfrm>
+          <a:prstGeom prst="rect">
+            <a:avLst/>
+          </a:prstGeom>
+          <a:noFill/>
+          <a:ln w="12700">
+            <a:noFill/>
+          </a:ln>
+        </p:spPr>
+        <p:txBody>
+          <a:bodyPr wrap="square" rtlCol="0">
+            <a:spAutoFit/>
+          </a:bodyPr>
+          <a:lstStyle/>
+          <a:p>
+            <a:r>
+              <a:rPr lang="en-US" sz="800" dirty="0" smtClean="0">
+                <a:latin typeface="Arial" pitchFamily="34" charset="0"/>
+                <a:cs typeface="Arial" pitchFamily="34" charset="0"/>
+              </a:rPr>
+              <a:t>remaining time</a:t>
+            </a:r>
+            <a:endParaRPr lang="en-US" sz="800" dirty="0">
+              <a:latin typeface="Arial" pitchFamily="34" charset="0"/>
+              <a:cs typeface="Arial" pitchFamily="34" charset="0"/>
+            </a:endParaRPr>
+          </a:p>
+        </p:txBody>
+      </p:sp>
+      <p:cxnSp>
+        <p:nvCxnSpPr>
+          <p:cNvPr id="11" name="Straight Arrow Connector 10"/>
+          <p:cNvCxnSpPr/>
+          <p:nvPr/>
+        </p:nvCxnSpPr>
+        <p:spPr>
+          <a:xfrm>
+            <a:off x="2440932" y="677108"/>
+            <a:ext cx="304800" cy="0"/>
+          </a:xfrm>
+          <a:prstGeom prst="straightConnector1">
+            <a:avLst/>
+          </a:prstGeom>
+          <a:ln w="12700">
+            <a:solidFill>
+              <a:schemeClr val="tx1"/>
+            </a:solidFill>
+            <a:tailEnd type="triangle"/>
+          </a:ln>
+        </p:spPr>
+        <p:style>
+          <a:lnRef idx="1">
+            <a:schemeClr val="accent1"/>
+          </a:lnRef>
+          <a:fillRef idx="0">
+            <a:schemeClr val="accent1"/>
+          </a:fillRef>
+          <a:effectRef idx="0">
+            <a:schemeClr val="accent1"/>
+          </a:effectRef>
+          <a:fontRef idx="minor">
+            <a:schemeClr val="tx1"/>
+          </a:fontRef>
+        </p:style>
+      </p:cxnSp>
+      <p:cxnSp>
+        <p:nvCxnSpPr>
+          <p:cNvPr id="12" name="Straight Connector 11"/>
+          <p:cNvCxnSpPr/>
+          <p:nvPr/>
+        </p:nvCxnSpPr>
+        <p:spPr>
+          <a:xfrm>
+            <a:off x="2440933" y="677108"/>
+            <a:ext cx="0" cy="313356"/>
+          </a:xfrm>
+          <a:prstGeom prst="line">
+            <a:avLst/>
+          </a:prstGeom>
+          <a:ln w="12700">
+            <a:solidFill>
+              <a:schemeClr val="tx1"/>
+            </a:solidFill>
+          </a:ln>
+        </p:spPr>
+        <p:style>
+          <a:lnRef idx="1">
+            <a:schemeClr val="accent1"/>
+          </a:lnRef>
+          <a:fillRef idx="0">
+            <a:schemeClr val="accent1"/>
+          </a:fillRef>
+          <a:effectRef idx="0">
+            <a:schemeClr val="accent1"/>
+          </a:effectRef>
+          <a:fontRef idx="minor">
+            <a:schemeClr val="tx1"/>
+          </a:fontRef>
+        </p:style>
+      </p:cxnSp>
+      <p:cxnSp>
+        <p:nvCxnSpPr>
+          <p:cNvPr id="13" name="Straight Connector 12"/>
+          <p:cNvCxnSpPr/>
+          <p:nvPr/>
+        </p:nvCxnSpPr>
+        <p:spPr>
+          <a:xfrm flipH="1">
+            <a:off x="394065" y="990464"/>
+            <a:ext cx="2046869" cy="0"/>
+          </a:xfrm>
+          <a:prstGeom prst="line">
+            <a:avLst/>
+          </a:prstGeom>
+          <a:ln w="12700">
+            <a:solidFill>
+              <a:schemeClr val="tx1"/>
+            </a:solidFill>
+          </a:ln>
+        </p:spPr>
+        <p:style>
+          <a:lnRef idx="1">
+            <a:schemeClr val="accent1"/>
+          </a:lnRef>
+          <a:fillRef idx="0">
+            <a:schemeClr val="accent1"/>
+          </a:fillRef>
+          <a:effectRef idx="0">
+            <a:schemeClr val="accent1"/>
+          </a:effectRef>
+          <a:fontRef idx="minor">
+            <a:schemeClr val="tx1"/>
+          </a:fontRef>
+        </p:style>
+      </p:cxnSp>
+      <p:sp>
+        <p:nvSpPr>
+          <p:cNvPr id="14" name="TextBox 13"/>
+          <p:cNvSpPr txBox="1"/>
+          <p:nvPr/>
+        </p:nvSpPr>
+        <p:spPr>
+          <a:xfrm>
+            <a:off x="399519" y="775020"/>
+            <a:ext cx="1000342" cy="215444"/>
+          </a:xfrm>
+          <a:prstGeom prst="rect">
+            <a:avLst/>
+          </a:prstGeom>
+          <a:noFill/>
+          <a:ln w="12700">
+            <a:noFill/>
+          </a:ln>
+        </p:spPr>
+        <p:txBody>
+          <a:bodyPr wrap="square" rtlCol="0">
+            <a:spAutoFit/>
+          </a:bodyPr>
+          <a:lstStyle/>
+          <a:p>
+            <a:r>
+              <a:rPr lang="en-US" sz="800" dirty="0" smtClean="0">
+                <a:latin typeface="Arial" pitchFamily="34" charset="0"/>
+                <a:cs typeface="Arial" pitchFamily="34" charset="0"/>
+              </a:rPr>
+              <a:t>end sub-task</a:t>
+            </a:r>
+            <a:endParaRPr lang="en-US" sz="800" dirty="0">
+              <a:latin typeface="Arial" pitchFamily="34" charset="0"/>
+              <a:cs typeface="Arial" pitchFamily="34" charset="0"/>
+            </a:endParaRPr>
+          </a:p>
+        </p:txBody>
+      </p:sp>
+      <p:cxnSp>
+        <p:nvCxnSpPr>
+          <p:cNvPr id="15" name="Straight Arrow Connector 14"/>
+          <p:cNvCxnSpPr>
+            <a:stCxn id="8" idx="3"/>
+            <a:endCxn id="17" idx="2"/>
+          </p:cNvCxnSpPr>
+          <p:nvPr/>
+        </p:nvCxnSpPr>
+        <p:spPr>
+          <a:xfrm>
+            <a:off x="3736333" y="505171"/>
+            <a:ext cx="226431" cy="3509"/>
+          </a:xfrm>
+          <a:prstGeom prst="straightConnector1">
+            <a:avLst/>
+          </a:prstGeom>
+          <a:ln w="12700">
+            <a:solidFill>
+              <a:schemeClr val="tx1"/>
+            </a:solidFill>
+            <a:tailEnd type="triangle"/>
+          </a:ln>
+        </p:spPr>
+        <p:style>
+          <a:lnRef idx="1">
+            <a:schemeClr val="accent1"/>
+          </a:lnRef>
+          <a:fillRef idx="0">
+            <a:schemeClr val="accent1"/>
+          </a:fillRef>
+          <a:effectRef idx="0">
+            <a:schemeClr val="accent1"/>
+          </a:effectRef>
+          <a:fontRef idx="minor">
+            <a:schemeClr val="tx1"/>
+          </a:fontRef>
+        </p:style>
+      </p:cxnSp>
+      <p:sp>
+        <p:nvSpPr>
+          <p:cNvPr id="16" name="Rectangle 15"/>
+          <p:cNvSpPr/>
+          <p:nvPr/>
+        </p:nvSpPr>
+        <p:spPr>
+          <a:xfrm>
+            <a:off x="2745733" y="858492"/>
+            <a:ext cx="988431" cy="257115"/>
+          </a:xfrm>
+          <a:prstGeom prst="rect">
+            <a:avLst/>
+          </a:prstGeom>
+          <a:solidFill>
+            <a:srgbClr val="FFFFCC"/>
+          </a:solidFill>
+          <a:ln w="12700">
+            <a:solidFill>
+              <a:schemeClr val="tx1"/>
+            </a:solidFill>
+          </a:ln>
+        </p:spPr>
+        <p:style>
+          <a:lnRef idx="2">
+            <a:schemeClr val="accent1">
+              <a:shade val="50000"/>
+            </a:schemeClr>
+          </a:lnRef>
+          <a:fillRef idx="1">
+            <a:schemeClr val="accent1"/>
+          </a:fillRef>
+          <a:effectRef idx="0">
+            <a:schemeClr val="accent1"/>
+          </a:effectRef>
+          <a:fontRef idx="minor">
+            <a:schemeClr val="lt1"/>
+          </a:fontRef>
+        </p:style>
+        <p:txBody>
+          <a:bodyPr rtlCol="0" anchor="ctr"/>
+          <a:lstStyle/>
+          <a:p>
+            <a:pPr algn="ctr"/>
+            <a:r>
+              <a:rPr lang="en-US" sz="800" dirty="0" smtClean="0">
+                <a:solidFill>
+                  <a:sysClr val="windowText" lastClr="000000"/>
+                </a:solidFill>
+                <a:latin typeface="Arial" pitchFamily="34" charset="0"/>
+                <a:cs typeface="Arial" pitchFamily="34" charset="0"/>
+              </a:rPr>
+              <a:t>Monitoring WCET</a:t>
+            </a:r>
+            <a:endParaRPr lang="en-US" sz="800" dirty="0">
+              <a:solidFill>
+                <a:sysClr val="windowText" lastClr="000000"/>
+              </a:solidFill>
+              <a:latin typeface="Arial" pitchFamily="34" charset="0"/>
+              <a:cs typeface="Arial" pitchFamily="34" charset="0"/>
+            </a:endParaRPr>
+          </a:p>
+        </p:txBody>
+      </p:sp>
+      <p:sp>
+        <p:nvSpPr>
+          <p:cNvPr id="17" name="Oval 16"/>
+          <p:cNvSpPr/>
+          <p:nvPr/>
+        </p:nvSpPr>
+        <p:spPr>
+          <a:xfrm>
+            <a:off x="3962764" y="328603"/>
+            <a:ext cx="358881" cy="360153"/>
+          </a:xfrm>
+          <a:prstGeom prst="ellipse">
+            <a:avLst/>
+          </a:prstGeom>
+          <a:solidFill>
+            <a:srgbClr val="FFFFCC"/>
+          </a:solidFill>
+          <a:ln w="12700">
+            <a:solidFill>
+              <a:schemeClr val="tx1"/>
+            </a:solidFill>
+          </a:ln>
+        </p:spPr>
+        <p:style>
+          <a:lnRef idx="2">
+            <a:schemeClr val="accent1">
+              <a:shade val="50000"/>
+            </a:schemeClr>
+          </a:lnRef>
+          <a:fillRef idx="1">
+            <a:schemeClr val="accent1"/>
+          </a:fillRef>
+          <a:effectRef idx="0">
+            <a:schemeClr val="accent1"/>
+          </a:effectRef>
+          <a:fontRef idx="minor">
+            <a:schemeClr val="lt1"/>
+          </a:fontRef>
+        </p:style>
+        <p:txBody>
+          <a:bodyPr rtlCol="0" anchor="ctr"/>
+          <a:lstStyle/>
+          <a:p>
+            <a:pPr algn="ctr"/>
+            <a:r>
+              <a:rPr lang="en-US" sz="800" b="1" dirty="0" smtClean="0">
+                <a:solidFill>
+                  <a:schemeClr val="tx1"/>
+                </a:solidFill>
+                <a:latin typeface="Arial" pitchFamily="34" charset="0"/>
+                <a:cs typeface="Arial" pitchFamily="34" charset="0"/>
+              </a:rPr>
+              <a:t>&gt;</a:t>
+            </a:r>
+            <a:endParaRPr lang="en-US" sz="800" b="1" dirty="0">
+              <a:solidFill>
+                <a:schemeClr val="tx1"/>
+              </a:solidFill>
+              <a:latin typeface="Arial" pitchFamily="34" charset="0"/>
+              <a:cs typeface="Arial" pitchFamily="34" charset="0"/>
+            </a:endParaRPr>
+          </a:p>
+        </p:txBody>
+      </p:sp>
+      <p:cxnSp>
+        <p:nvCxnSpPr>
+          <p:cNvPr id="18" name="Straight Connector 17"/>
+          <p:cNvCxnSpPr/>
+          <p:nvPr/>
+        </p:nvCxnSpPr>
+        <p:spPr>
+          <a:xfrm flipH="1" flipV="1">
+            <a:off x="3737946" y="948428"/>
+            <a:ext cx="404258" cy="196"/>
+          </a:xfrm>
+          <a:prstGeom prst="line">
+            <a:avLst/>
+          </a:prstGeom>
+          <a:ln w="12700">
+            <a:solidFill>
+              <a:schemeClr val="tx1"/>
+            </a:solidFill>
+          </a:ln>
+        </p:spPr>
+        <p:style>
+          <a:lnRef idx="1">
+            <a:schemeClr val="accent1"/>
+          </a:lnRef>
+          <a:fillRef idx="0">
+            <a:schemeClr val="accent1"/>
+          </a:fillRef>
+          <a:effectRef idx="0">
+            <a:schemeClr val="accent1"/>
+          </a:effectRef>
+          <a:fontRef idx="minor">
+            <a:schemeClr val="tx1"/>
+          </a:fontRef>
+        </p:style>
+      </p:cxnSp>
+      <p:cxnSp>
+        <p:nvCxnSpPr>
+          <p:cNvPr id="19" name="Straight Arrow Connector 18"/>
+          <p:cNvCxnSpPr>
+            <a:endCxn id="17" idx="4"/>
+          </p:cNvCxnSpPr>
+          <p:nvPr/>
+        </p:nvCxnSpPr>
+        <p:spPr>
+          <a:xfrm flipV="1">
+            <a:off x="4142205" y="688756"/>
+            <a:ext cx="0" cy="259868"/>
+          </a:xfrm>
+          <a:prstGeom prst="straightConnector1">
+            <a:avLst/>
+          </a:prstGeom>
+          <a:ln w="12700">
+            <a:solidFill>
+              <a:schemeClr val="tx1"/>
+            </a:solidFill>
+            <a:tailEnd type="triangle"/>
+          </a:ln>
+        </p:spPr>
+        <p:style>
+          <a:lnRef idx="1">
+            <a:schemeClr val="accent1"/>
+          </a:lnRef>
+          <a:fillRef idx="0">
+            <a:schemeClr val="accent1"/>
+          </a:fillRef>
+          <a:effectRef idx="0">
+            <a:schemeClr val="accent1"/>
+          </a:effectRef>
+          <a:fontRef idx="minor">
+            <a:schemeClr val="tx1"/>
+          </a:fontRef>
+        </p:style>
+      </p:cxnSp>
+      <p:cxnSp>
+        <p:nvCxnSpPr>
+          <p:cNvPr id="20" name="Straight Arrow Connector 19"/>
+          <p:cNvCxnSpPr>
+            <a:stCxn id="17" idx="6"/>
+          </p:cNvCxnSpPr>
+          <p:nvPr/>
+        </p:nvCxnSpPr>
+        <p:spPr>
+          <a:xfrm>
+            <a:off x="4321645" y="508680"/>
+            <a:ext cx="569244" cy="0"/>
+          </a:xfrm>
+          <a:prstGeom prst="straightConnector1">
+            <a:avLst/>
+          </a:prstGeom>
+          <a:ln w="12700">
+            <a:solidFill>
+              <a:schemeClr val="tx1"/>
+            </a:solidFill>
+            <a:tailEnd type="triangle"/>
+          </a:ln>
+        </p:spPr>
+        <p:style>
+          <a:lnRef idx="1">
+            <a:schemeClr val="accent1"/>
+          </a:lnRef>
+          <a:fillRef idx="0">
+            <a:schemeClr val="accent1"/>
+          </a:fillRef>
+          <a:effectRef idx="0">
+            <a:schemeClr val="accent1"/>
+          </a:effectRef>
+          <a:fontRef idx="minor">
+            <a:schemeClr val="tx1"/>
+          </a:fontRef>
+        </p:style>
+      </p:cxnSp>
+      <p:cxnSp>
+        <p:nvCxnSpPr>
+          <p:cNvPr id="21" name="Straight Arrow Connector 20"/>
+          <p:cNvCxnSpPr/>
+          <p:nvPr/>
+        </p:nvCxnSpPr>
+        <p:spPr>
+          <a:xfrm flipH="1">
+            <a:off x="3734164" y="1024628"/>
+            <a:ext cx="1156725" cy="0"/>
+          </a:xfrm>
+          <a:prstGeom prst="straightConnector1">
+            <a:avLst/>
+          </a:prstGeom>
+          <a:ln w="12700">
+            <a:solidFill>
+              <a:schemeClr val="tx1"/>
+            </a:solidFill>
+            <a:tailEnd type="triangle"/>
+          </a:ln>
+        </p:spPr>
+        <p:style>
+          <a:lnRef idx="1">
+            <a:schemeClr val="accent1"/>
+          </a:lnRef>
+          <a:fillRef idx="0">
+            <a:schemeClr val="accent1"/>
+          </a:fillRef>
+          <a:effectRef idx="0">
+            <a:schemeClr val="accent1"/>
+          </a:effectRef>
+          <a:fontRef idx="minor">
+            <a:schemeClr val="tx1"/>
+          </a:fontRef>
+        </p:style>
+      </p:cxnSp>
+      <p:cxnSp>
+        <p:nvCxnSpPr>
+          <p:cNvPr id="22" name="Straight Arrow Connector 21"/>
+          <p:cNvCxnSpPr>
+            <a:endCxn id="8" idx="0"/>
+          </p:cNvCxnSpPr>
+          <p:nvPr/>
+        </p:nvCxnSpPr>
+        <p:spPr>
+          <a:xfrm>
+            <a:off x="3241033" y="47636"/>
+            <a:ext cx="0" cy="200224"/>
+          </a:xfrm>
+          <a:prstGeom prst="straightConnector1">
+            <a:avLst/>
+          </a:prstGeom>
+          <a:ln w="12700">
+            <a:solidFill>
+              <a:schemeClr val="tx1"/>
+            </a:solidFill>
+            <a:tailEnd type="triangle"/>
+          </a:ln>
+        </p:spPr>
+        <p:style>
+          <a:lnRef idx="1">
+            <a:schemeClr val="accent1"/>
+          </a:lnRef>
+          <a:fillRef idx="0">
+            <a:schemeClr val="accent1"/>
+          </a:fillRef>
+          <a:effectRef idx="0">
+            <a:schemeClr val="accent1"/>
+          </a:effectRef>
+          <a:fontRef idx="minor">
+            <a:schemeClr val="tx1"/>
+          </a:fontRef>
+        </p:style>
+      </p:cxnSp>
+      <p:sp>
+        <p:nvSpPr>
+          <p:cNvPr id="23" name="TextBox 22"/>
+          <p:cNvSpPr txBox="1"/>
+          <p:nvPr/>
+        </p:nvSpPr>
+        <p:spPr>
+          <a:xfrm>
+            <a:off x="2766442" y="32416"/>
+            <a:ext cx="474591" cy="215444"/>
+          </a:xfrm>
+          <a:prstGeom prst="rect">
+            <a:avLst/>
+          </a:prstGeom>
+          <a:noFill/>
+          <a:ln w="12700">
+            <a:noFill/>
+          </a:ln>
+        </p:spPr>
+        <p:txBody>
+          <a:bodyPr wrap="square" rtlCol="0">
+            <a:spAutoFit/>
+          </a:bodyPr>
+          <a:lstStyle/>
+          <a:p>
+            <a:pPr algn="r"/>
+            <a:r>
+              <a:rPr lang="en-US" sz="800" dirty="0" smtClean="0">
+                <a:latin typeface="Arial" pitchFamily="34" charset="0"/>
+                <a:cs typeface="Arial" pitchFamily="34" charset="0"/>
+              </a:rPr>
+              <a:t>stall</a:t>
+            </a:r>
+            <a:endParaRPr lang="en-US" sz="800" dirty="0">
+              <a:latin typeface="Arial" pitchFamily="34" charset="0"/>
+              <a:cs typeface="Arial" pitchFamily="34" charset="0"/>
+            </a:endParaRPr>
+          </a:p>
+        </p:txBody>
+      </p:sp>
+      <p:sp>
+        <p:nvSpPr>
+          <p:cNvPr id="24" name="Rectangle 23"/>
+          <p:cNvSpPr/>
+          <p:nvPr/>
+        </p:nvSpPr>
+        <p:spPr>
+          <a:xfrm>
+            <a:off x="51859" y="59949"/>
+            <a:ext cx="342206" cy="1083051"/>
+          </a:xfrm>
+          <a:prstGeom prst="rect">
+            <a:avLst/>
+          </a:prstGeom>
+          <a:solidFill>
+            <a:srgbClr val="66CCFF"/>
+          </a:solidFill>
+          <a:ln w="12700">
+            <a:solidFill>
+              <a:schemeClr val="tx1"/>
+            </a:solidFill>
+          </a:ln>
+        </p:spPr>
+        <p:style>
+          <a:lnRef idx="2">
+            <a:schemeClr val="accent1">
+              <a:shade val="50000"/>
+            </a:schemeClr>
+          </a:lnRef>
+          <a:fillRef idx="1">
+            <a:schemeClr val="accent1"/>
+          </a:fillRef>
+          <a:effectRef idx="0">
+            <a:schemeClr val="accent1"/>
+          </a:effectRef>
+          <a:fontRef idx="minor">
+            <a:schemeClr val="lt1"/>
+          </a:fontRef>
+        </p:style>
+        <p:txBody>
+          <a:bodyPr vert="vert270" rtlCol="0" anchor="ctr"/>
+          <a:lstStyle/>
+          <a:p>
+            <a:pPr algn="ctr"/>
+            <a:r>
+              <a:rPr lang="en-US" sz="800" dirty="0" smtClean="0">
+                <a:solidFill>
+                  <a:sysClr val="windowText" lastClr="000000"/>
+                </a:solidFill>
+                <a:latin typeface="Arial" pitchFamily="34" charset="0"/>
+                <a:cs typeface="Arial" pitchFamily="34" charset="0"/>
+              </a:rPr>
+              <a:t>Main Core</a:t>
+            </a:r>
+            <a:endParaRPr lang="en-US" sz="800" dirty="0">
+              <a:solidFill>
+                <a:sysClr val="windowText" lastClr="000000"/>
+              </a:solidFill>
+              <a:latin typeface="Arial" pitchFamily="34" charset="0"/>
+              <a:cs typeface="Arial" pitchFamily="34" charset="0"/>
+            </a:endParaRPr>
+          </a:p>
+        </p:txBody>
+      </p:sp>
+      <p:sp>
+        <p:nvSpPr>
+          <p:cNvPr id="25" name="Rectangle 24"/>
+          <p:cNvSpPr/>
+          <p:nvPr/>
+        </p:nvSpPr>
+        <p:spPr>
+          <a:xfrm>
+            <a:off x="4890889" y="58287"/>
+            <a:ext cx="342206" cy="1084714"/>
+          </a:xfrm>
+          <a:prstGeom prst="rect">
+            <a:avLst/>
+          </a:prstGeom>
+          <a:solidFill>
+            <a:srgbClr val="66CCFF"/>
+          </a:solidFill>
+          <a:ln w="12700">
+            <a:solidFill>
+              <a:schemeClr val="tx1"/>
+            </a:solidFill>
+          </a:ln>
+        </p:spPr>
+        <p:style>
+          <a:lnRef idx="2">
+            <a:schemeClr val="accent1">
+              <a:shade val="50000"/>
+            </a:schemeClr>
+          </a:lnRef>
+          <a:fillRef idx="1">
+            <a:schemeClr val="accent1"/>
+          </a:fillRef>
+          <a:effectRef idx="0">
+            <a:schemeClr val="accent1"/>
+          </a:effectRef>
+          <a:fontRef idx="minor">
+            <a:schemeClr val="lt1"/>
+          </a:fontRef>
+        </p:style>
+        <p:txBody>
+          <a:bodyPr vert="vert270" rtlCol="0" anchor="ctr"/>
+          <a:lstStyle/>
+          <a:p>
+            <a:pPr algn="ctr"/>
+            <a:r>
+              <a:rPr lang="en-US" sz="800" dirty="0" smtClean="0">
+                <a:solidFill>
+                  <a:sysClr val="windowText" lastClr="000000"/>
+                </a:solidFill>
+                <a:latin typeface="Arial" pitchFamily="34" charset="0"/>
+                <a:cs typeface="Arial" pitchFamily="34" charset="0"/>
+              </a:rPr>
+              <a:t>Monitoring Core</a:t>
+            </a:r>
+            <a:endParaRPr lang="en-US" sz="800" dirty="0">
+              <a:solidFill>
+                <a:sysClr val="windowText" lastClr="000000"/>
+              </a:solidFill>
+              <a:latin typeface="Arial" pitchFamily="34" charset="0"/>
+              <a:cs typeface="Arial" pitchFamily="34" charset="0"/>
+            </a:endParaRPr>
+          </a:p>
+        </p:txBody>
+      </p:sp>
+      <p:cxnSp>
+        <p:nvCxnSpPr>
+          <p:cNvPr id="27" name="Straight Arrow Connector 26"/>
+          <p:cNvCxnSpPr/>
+          <p:nvPr/>
+        </p:nvCxnSpPr>
+        <p:spPr>
+          <a:xfrm>
+            <a:off x="399519" y="677108"/>
+            <a:ext cx="698500" cy="0"/>
+          </a:xfrm>
+          <a:prstGeom prst="straightConnector1">
+            <a:avLst/>
+          </a:prstGeom>
+          <a:ln w="12700">
+            <a:solidFill>
+              <a:schemeClr val="tx1"/>
+            </a:solidFill>
+            <a:tailEnd type="triangle"/>
+          </a:ln>
+        </p:spPr>
+        <p:style>
+          <a:lnRef idx="1">
+            <a:schemeClr val="accent1"/>
+          </a:lnRef>
+          <a:fillRef idx="0">
+            <a:schemeClr val="accent1"/>
+          </a:fillRef>
+          <a:effectRef idx="0">
+            <a:schemeClr val="accent1"/>
+          </a:effectRef>
+          <a:fontRef idx="minor">
+            <a:schemeClr val="tx1"/>
+          </a:fontRef>
+        </p:style>
+      </p:cxnSp>
+      <p:cxnSp>
+        <p:nvCxnSpPr>
+          <p:cNvPr id="29" name="Straight Arrow Connector 28"/>
+          <p:cNvCxnSpPr/>
+          <p:nvPr/>
+        </p:nvCxnSpPr>
+        <p:spPr>
+          <a:xfrm>
+            <a:off x="399519" y="338554"/>
+            <a:ext cx="698500" cy="0"/>
+          </a:xfrm>
+          <a:prstGeom prst="straightConnector1">
+            <a:avLst/>
+          </a:prstGeom>
+          <a:ln w="12700">
+            <a:solidFill>
+              <a:schemeClr val="tx1"/>
+            </a:solidFill>
+            <a:tailEnd type="triangle"/>
+          </a:ln>
+        </p:spPr>
+        <p:style>
+          <a:lnRef idx="1">
+            <a:schemeClr val="accent1"/>
+          </a:lnRef>
+          <a:fillRef idx="0">
+            <a:schemeClr val="accent1"/>
+          </a:fillRef>
+          <a:effectRef idx="0">
+            <a:schemeClr val="accent1"/>
+          </a:effectRef>
+          <a:fontRef idx="minor">
+            <a:schemeClr val="tx1"/>
+          </a:fontRef>
+        </p:style>
+      </p:cxnSp>
+    </p:spTree>
+    <p:extLst>
+      <p:ext uri="{BB962C8B-B14F-4D97-AF65-F5344CB8AC3E}">
+        <p14:creationId xmlns:p14="http://schemas.microsoft.com/office/powerpoint/2010/main" val="3822974747"/>
+      </p:ext>
+    </p:extLst>
+  </p:cSld>
+  <p:clrMapOvr>
+    <a:masterClrMapping/>
+  </p:clrMapOvr>
+</p:sld>
+</file>
+
+<file path=ppt/slides/slide4.xml><?xml version="1.0" encoding="utf-8"?>
+<p:sld xmlns:a="http://schemas.openxmlformats.org/drawingml/2006/main" xmlns:r="http://schemas.openxmlformats.org/officeDocument/2006/relationships" xmlns:p="http://schemas.openxmlformats.org/presentationml/2006/main">
+  <p:cSld>
+    <p:spTree>
+      <p:nvGrpSpPr>
+        <p:cNvPr id="1" name=""/>
+        <p:cNvGrpSpPr/>
+        <p:nvPr/>
+      </p:nvGrpSpPr>
+      <p:grpSpPr>
+        <a:xfrm>
+          <a:off x="0" y="0"/>
+          <a:ext cx="0" cy="0"/>
+          <a:chOff x="0" y="0"/>
+          <a:chExt cx="0" cy="0"/>
+        </a:xfrm>
+      </p:grpSpPr>
+      <p:sp>
+        <p:nvSpPr>
+          <p:cNvPr id="2" name="TextBox 1"/>
+          <p:cNvSpPr txBox="1"/>
+          <p:nvPr/>
+        </p:nvSpPr>
+        <p:spPr>
+          <a:xfrm>
+            <a:off x="2775159" y="566166"/>
+            <a:ext cx="876129" cy="338554"/>
+          </a:xfrm>
+          <a:prstGeom prst="rect">
+            <a:avLst/>
+          </a:prstGeom>
+          <a:noFill/>
+        </p:spPr>
+        <p:txBody>
+          <a:bodyPr wrap="square" rtlCol="0">
+            <a:spAutoFit/>
+          </a:bodyPr>
+          <a:lstStyle/>
+          <a:p>
+            <a:r>
+              <a:rPr lang="en-US" sz="800" dirty="0" smtClean="0">
+                <a:latin typeface="Arial" pitchFamily="34" charset="0"/>
+                <a:cs typeface="Arial" pitchFamily="34" charset="0"/>
+              </a:rPr>
+              <a:t>Metadata Address</a:t>
+            </a:r>
+          </a:p>
+        </p:txBody>
+      </p:sp>
+      <p:cxnSp>
+        <p:nvCxnSpPr>
+          <p:cNvPr id="3" name="Straight Arrow Connector 2"/>
+          <p:cNvCxnSpPr/>
+          <p:nvPr/>
+        </p:nvCxnSpPr>
+        <p:spPr>
+          <a:xfrm>
+            <a:off x="2146905" y="684560"/>
+            <a:ext cx="155855" cy="0"/>
+          </a:xfrm>
+          <a:prstGeom prst="straightConnector1">
+            <a:avLst/>
+          </a:prstGeom>
+          <a:ln w="12700">
+            <a:solidFill>
+              <a:schemeClr val="tx1"/>
+            </a:solidFill>
+            <a:headEnd w="sm" len="sm"/>
+            <a:tailEnd type="triangle" w="med" len="med"/>
+          </a:ln>
+        </p:spPr>
+        <p:style>
+          <a:lnRef idx="1">
+            <a:schemeClr val="accent1"/>
+          </a:lnRef>
+          <a:fillRef idx="0">
+            <a:schemeClr val="accent1"/>
+          </a:fillRef>
+          <a:effectRef idx="0">
+            <a:schemeClr val="accent1"/>
+          </a:effectRef>
+          <a:fontRef idx="minor">
+            <a:schemeClr val="tx1"/>
+          </a:fontRef>
+        </p:style>
+      </p:cxnSp>
+      <p:grpSp>
+        <p:nvGrpSpPr>
+          <p:cNvPr id="4" name="Group 3"/>
+          <p:cNvGrpSpPr/>
+          <p:nvPr/>
+        </p:nvGrpSpPr>
+        <p:grpSpPr>
+          <a:xfrm>
+            <a:off x="899319" y="76635"/>
+            <a:ext cx="1182701" cy="809869"/>
+            <a:chOff x="3547294" y="1600200"/>
+            <a:chExt cx="1182701" cy="809869"/>
+          </a:xfrm>
+        </p:grpSpPr>
+        <p:sp>
+          <p:nvSpPr>
+            <p:cNvPr id="5" name="TextBox 4"/>
+            <p:cNvSpPr txBox="1"/>
+            <p:nvPr/>
+          </p:nvSpPr>
+          <p:spPr>
+            <a:xfrm rot="5400000">
+              <a:off x="4317549" y="1676401"/>
+              <a:ext cx="254445" cy="215444"/>
+            </a:xfrm>
+            <a:prstGeom prst="rect">
+              <a:avLst/>
+            </a:prstGeom>
+            <a:noFill/>
+          </p:spPr>
+          <p:txBody>
+            <a:bodyPr wrap="square" rtlCol="0">
+              <a:spAutoFit/>
+            </a:bodyPr>
+            <a:lstStyle/>
+            <a:p>
+              <a:r>
+                <a:rPr lang="en-US" sz="800" dirty="0" smtClean="0">
+                  <a:latin typeface="Arial" pitchFamily="34" charset="0"/>
+                  <a:cs typeface="Arial" pitchFamily="34" charset="0"/>
+                </a:rPr>
+                <a:t>…</a:t>
+              </a:r>
+            </a:p>
+          </p:txBody>
+        </p:sp>
+        <p:sp>
+          <p:nvSpPr>
+            <p:cNvPr id="6" name="Trapezoid 5"/>
+            <p:cNvSpPr/>
+            <p:nvPr/>
+          </p:nvSpPr>
+          <p:spPr>
+            <a:xfrm rot="5400000">
+              <a:off x="4264124" y="1908076"/>
+              <a:ext cx="773748" cy="157995"/>
+            </a:xfrm>
+            <a:prstGeom prst="trapezoid">
+              <a:avLst>
+                <a:gd name="adj" fmla="val 58611"/>
+              </a:avLst>
+            </a:prstGeom>
+            <a:solidFill>
+              <a:srgbClr val="FFFFCC"/>
+            </a:solidFill>
+            <a:ln w="12700">
+              <a:solidFill>
+                <a:schemeClr val="tx1"/>
+              </a:solidFill>
+            </a:ln>
+          </p:spPr>
+          <p:style>
+            <a:lnRef idx="2">
+              <a:schemeClr val="accent1">
+                <a:shade val="50000"/>
+              </a:schemeClr>
+            </a:lnRef>
+            <a:fillRef idx="1">
+              <a:schemeClr val="accent1"/>
+            </a:fillRef>
+            <a:effectRef idx="0">
+              <a:schemeClr val="accent1"/>
+            </a:effectRef>
+            <a:fontRef idx="minor">
+              <a:schemeClr val="lt1"/>
+            </a:fontRef>
+          </p:style>
+          <p:txBody>
+            <a:bodyPr vert="vert270" rtlCol="0" anchor="ctr"/>
+            <a:lstStyle/>
+            <a:p>
+              <a:pPr algn="ctr"/>
+              <a:r>
+                <a:rPr lang="en-US" sz="800" dirty="0" smtClean="0">
+                  <a:solidFill>
+                    <a:sysClr val="windowText" lastClr="000000"/>
+                  </a:solidFill>
+                  <a:latin typeface="Arial" pitchFamily="34" charset="0"/>
+                  <a:cs typeface="Arial" pitchFamily="34" charset="0"/>
+                </a:rPr>
+                <a:t>      </a:t>
+              </a:r>
+              <a:endParaRPr lang="en-US" sz="800" dirty="0">
+                <a:solidFill>
+                  <a:sysClr val="windowText" lastClr="000000"/>
+                </a:solidFill>
+                <a:latin typeface="Arial" pitchFamily="34" charset="0"/>
+                <a:cs typeface="Arial" pitchFamily="34" charset="0"/>
+              </a:endParaRPr>
+            </a:p>
+          </p:txBody>
+        </p:sp>
+        <p:cxnSp>
+          <p:nvCxnSpPr>
+            <p:cNvPr id="7" name="Straight Arrow Connector 6"/>
+            <p:cNvCxnSpPr/>
+            <p:nvPr/>
+          </p:nvCxnSpPr>
+          <p:spPr>
+            <a:xfrm>
+              <a:off x="4368800" y="1676400"/>
+              <a:ext cx="203200" cy="0"/>
+            </a:xfrm>
+            <a:prstGeom prst="straightConnector1">
+              <a:avLst/>
+            </a:prstGeom>
+            <a:ln w="12700">
+              <a:solidFill>
+                <a:schemeClr val="tx1"/>
+              </a:solidFill>
+              <a:headEnd w="sm" len="sm"/>
+              <a:tailEnd type="triangle" w="med" len="med"/>
+            </a:ln>
+          </p:spPr>
+          <p:style>
+            <a:lnRef idx="1">
+              <a:schemeClr val="accent1"/>
+            </a:lnRef>
+            <a:fillRef idx="0">
+              <a:schemeClr val="accent1"/>
+            </a:fillRef>
+            <a:effectRef idx="0">
+              <a:schemeClr val="accent1"/>
+            </a:effectRef>
+            <a:fontRef idx="minor">
+              <a:schemeClr val="tx1"/>
+            </a:fontRef>
+          </p:style>
+        </p:cxnSp>
+        <p:cxnSp>
+          <p:nvCxnSpPr>
+            <p:cNvPr id="8" name="Straight Arrow Connector 7"/>
+            <p:cNvCxnSpPr/>
+            <p:nvPr/>
+          </p:nvCxnSpPr>
+          <p:spPr>
+            <a:xfrm>
+              <a:off x="4368800" y="1885049"/>
+              <a:ext cx="203200" cy="0"/>
+            </a:xfrm>
+            <a:prstGeom prst="straightConnector1">
+              <a:avLst/>
+            </a:prstGeom>
+            <a:ln w="12700">
+              <a:solidFill>
+                <a:schemeClr val="tx1"/>
+              </a:solidFill>
+              <a:headEnd w="sm" len="sm"/>
+              <a:tailEnd type="triangle" w="med" len="med"/>
+            </a:ln>
+          </p:spPr>
+          <p:style>
+            <a:lnRef idx="1">
+              <a:schemeClr val="accent1"/>
+            </a:lnRef>
+            <a:fillRef idx="0">
+              <a:schemeClr val="accent1"/>
+            </a:fillRef>
+            <a:effectRef idx="0">
+              <a:schemeClr val="accent1"/>
+            </a:effectRef>
+            <a:fontRef idx="minor">
+              <a:schemeClr val="tx1"/>
+            </a:fontRef>
+          </p:style>
+        </p:cxnSp>
+        <p:sp>
+          <p:nvSpPr>
+            <p:cNvPr id="9" name="TextBox 8"/>
+            <p:cNvSpPr txBox="1"/>
+            <p:nvPr/>
+          </p:nvSpPr>
+          <p:spPr>
+            <a:xfrm>
+              <a:off x="3547294" y="1673815"/>
+              <a:ext cx="821506" cy="215444"/>
+            </a:xfrm>
+            <a:prstGeom prst="rect">
+              <a:avLst/>
+            </a:prstGeom>
+            <a:noFill/>
+          </p:spPr>
+          <p:txBody>
+            <a:bodyPr wrap="square" rtlCol="0">
+              <a:spAutoFit/>
+            </a:bodyPr>
+            <a:lstStyle/>
+            <a:p>
+              <a:pPr algn="r"/>
+              <a:r>
+                <a:rPr lang="en-US" sz="800" dirty="0" smtClean="0">
+                  <a:latin typeface="Arial" pitchFamily="34" charset="0"/>
+                  <a:cs typeface="Arial" pitchFamily="34" charset="0"/>
+                </a:rPr>
+                <a:t>FIFO entries</a:t>
+              </a:r>
+            </a:p>
+          </p:txBody>
+        </p:sp>
+        <p:cxnSp>
+          <p:nvCxnSpPr>
+            <p:cNvPr id="10" name="Straight Arrow Connector 9"/>
+            <p:cNvCxnSpPr/>
+            <p:nvPr/>
+          </p:nvCxnSpPr>
+          <p:spPr>
+            <a:xfrm>
+              <a:off x="4373725" y="2093698"/>
+              <a:ext cx="205179" cy="0"/>
+            </a:xfrm>
+            <a:prstGeom prst="straightConnector1">
+              <a:avLst/>
+            </a:prstGeom>
+            <a:ln w="12700">
+              <a:solidFill>
+                <a:schemeClr val="tx1"/>
+              </a:solidFill>
+              <a:headEnd w="sm" len="sm"/>
+              <a:tailEnd type="triangle" w="med" len="med"/>
+            </a:ln>
+          </p:spPr>
+          <p:style>
+            <a:lnRef idx="1">
+              <a:schemeClr val="accent1"/>
+            </a:lnRef>
+            <a:fillRef idx="0">
+              <a:schemeClr val="accent1"/>
+            </a:fillRef>
+            <a:effectRef idx="0">
+              <a:schemeClr val="accent1"/>
+            </a:effectRef>
+            <a:fontRef idx="minor">
+              <a:schemeClr val="tx1"/>
+            </a:fontRef>
+          </p:style>
+        </p:cxnSp>
+        <p:cxnSp>
+          <p:nvCxnSpPr>
+            <p:cNvPr id="11" name="Straight Arrow Connector 10"/>
+            <p:cNvCxnSpPr/>
+            <p:nvPr/>
+          </p:nvCxnSpPr>
+          <p:spPr>
+            <a:xfrm>
+              <a:off x="4373725" y="2302347"/>
+              <a:ext cx="198275" cy="0"/>
+            </a:xfrm>
+            <a:prstGeom prst="straightConnector1">
+              <a:avLst/>
+            </a:prstGeom>
+            <a:ln w="12700">
+              <a:solidFill>
+                <a:schemeClr val="tx1"/>
+              </a:solidFill>
+              <a:headEnd w="sm" len="sm"/>
+              <a:tailEnd type="triangle" w="med" len="med"/>
+            </a:ln>
+          </p:spPr>
+          <p:style>
+            <a:lnRef idx="1">
+              <a:schemeClr val="accent1"/>
+            </a:lnRef>
+            <a:fillRef idx="0">
+              <a:schemeClr val="accent1"/>
+            </a:fillRef>
+            <a:effectRef idx="0">
+              <a:schemeClr val="accent1"/>
+            </a:effectRef>
+            <a:fontRef idx="minor">
+              <a:schemeClr val="tx1"/>
+            </a:fontRef>
+          </p:style>
+        </p:cxnSp>
+        <p:sp>
+          <p:nvSpPr>
+            <p:cNvPr id="12" name="TextBox 11"/>
+            <p:cNvSpPr txBox="1"/>
+            <p:nvPr/>
+          </p:nvSpPr>
+          <p:spPr>
+            <a:xfrm>
+              <a:off x="3547294" y="1985976"/>
+              <a:ext cx="830215" cy="215444"/>
+            </a:xfrm>
+            <a:prstGeom prst="rect">
+              <a:avLst/>
+            </a:prstGeom>
+            <a:noFill/>
+          </p:spPr>
+          <p:txBody>
+            <a:bodyPr wrap="square" rtlCol="0">
+              <a:spAutoFit/>
+            </a:bodyPr>
+            <a:lstStyle/>
+            <a:p>
+              <a:pPr algn="r"/>
+              <a:r>
+                <a:rPr lang="en-US" sz="800" dirty="0" smtClean="0">
+                  <a:latin typeface="Arial" pitchFamily="34" charset="0"/>
+                  <a:cs typeface="Arial" pitchFamily="34" charset="0"/>
+                </a:rPr>
+                <a:t>Previous </a:t>
+              </a:r>
+              <a:r>
+                <a:rPr lang="en-US" sz="800" dirty="0" err="1" smtClean="0">
+                  <a:latin typeface="Arial" pitchFamily="34" charset="0"/>
+                  <a:cs typeface="Arial" pitchFamily="34" charset="0"/>
+                </a:rPr>
+                <a:t>addr</a:t>
+              </a:r>
+              <a:endParaRPr lang="en-US" sz="800" dirty="0" smtClean="0">
+                <a:latin typeface="Arial" pitchFamily="34" charset="0"/>
+                <a:cs typeface="Arial" pitchFamily="34" charset="0"/>
+              </a:endParaRPr>
+            </a:p>
+          </p:txBody>
+        </p:sp>
+        <p:sp>
+          <p:nvSpPr>
+            <p:cNvPr id="13" name="TextBox 12"/>
+            <p:cNvSpPr txBox="1"/>
+            <p:nvPr/>
+          </p:nvSpPr>
+          <p:spPr>
+            <a:xfrm>
+              <a:off x="3652482" y="2194625"/>
+              <a:ext cx="721243" cy="215444"/>
+            </a:xfrm>
+            <a:prstGeom prst="rect">
+              <a:avLst/>
+            </a:prstGeom>
+            <a:noFill/>
+          </p:spPr>
+          <p:txBody>
+            <a:bodyPr wrap="square" rtlCol="0">
+              <a:spAutoFit/>
+            </a:bodyPr>
+            <a:lstStyle/>
+            <a:p>
+              <a:pPr algn="r"/>
+              <a:r>
+                <a:rPr lang="en-US" sz="800" dirty="0" smtClean="0">
+                  <a:latin typeface="Arial" pitchFamily="34" charset="0"/>
+                  <a:cs typeface="Arial" pitchFamily="34" charset="0"/>
+                </a:rPr>
+                <a:t>Constant 0</a:t>
+              </a:r>
+            </a:p>
+          </p:txBody>
+        </p:sp>
+      </p:grpSp>
+      <p:cxnSp>
+        <p:nvCxnSpPr>
+          <p:cNvPr id="14" name="Straight Arrow Connector 13"/>
+          <p:cNvCxnSpPr/>
+          <p:nvPr/>
+        </p:nvCxnSpPr>
+        <p:spPr>
+          <a:xfrm>
+            <a:off x="2146906" y="1075165"/>
+            <a:ext cx="163739" cy="0"/>
+          </a:xfrm>
+          <a:prstGeom prst="straightConnector1">
+            <a:avLst/>
+          </a:prstGeom>
+          <a:ln w="12700">
+            <a:solidFill>
+              <a:schemeClr val="tx1"/>
+            </a:solidFill>
+            <a:headEnd w="sm" len="sm"/>
+            <a:tailEnd type="triangle" w="med" len="med"/>
+          </a:ln>
+        </p:spPr>
+        <p:style>
+          <a:lnRef idx="1">
+            <a:schemeClr val="accent1"/>
+          </a:lnRef>
+          <a:fillRef idx="0">
+            <a:schemeClr val="accent1"/>
+          </a:fillRef>
+          <a:effectRef idx="0">
+            <a:schemeClr val="accent1"/>
+          </a:effectRef>
+          <a:fontRef idx="minor">
+            <a:schemeClr val="tx1"/>
+          </a:fontRef>
+        </p:style>
+      </p:cxnSp>
+      <p:cxnSp>
+        <p:nvCxnSpPr>
+          <p:cNvPr id="15" name="Straight Arrow Connector 14"/>
+          <p:cNvCxnSpPr/>
+          <p:nvPr/>
+        </p:nvCxnSpPr>
+        <p:spPr>
+          <a:xfrm>
+            <a:off x="3356949" y="1391700"/>
+            <a:ext cx="249440" cy="0"/>
+          </a:xfrm>
+          <a:prstGeom prst="straightConnector1">
+            <a:avLst/>
+          </a:prstGeom>
+          <a:ln w="12700">
+            <a:solidFill>
+              <a:schemeClr val="tx1"/>
+            </a:solidFill>
+            <a:headEnd w="sm" len="sm"/>
+            <a:tailEnd type="triangle" w="med" len="med"/>
+          </a:ln>
+        </p:spPr>
+        <p:style>
+          <a:lnRef idx="1">
+            <a:schemeClr val="accent1"/>
+          </a:lnRef>
+          <a:fillRef idx="0">
+            <a:schemeClr val="accent1"/>
+          </a:fillRef>
+          <a:effectRef idx="0">
+            <a:schemeClr val="accent1"/>
+          </a:effectRef>
+          <a:fontRef idx="minor">
+            <a:schemeClr val="tx1"/>
+          </a:fontRef>
+        </p:style>
+      </p:cxnSp>
+      <p:grpSp>
+        <p:nvGrpSpPr>
+          <p:cNvPr id="16" name="Group 15"/>
+          <p:cNvGrpSpPr/>
+          <p:nvPr/>
+        </p:nvGrpSpPr>
+        <p:grpSpPr>
+          <a:xfrm>
+            <a:off x="899319" y="942731"/>
+            <a:ext cx="1188481" cy="809869"/>
+            <a:chOff x="3541514" y="1600200"/>
+            <a:chExt cx="1188481" cy="809869"/>
+          </a:xfrm>
+        </p:grpSpPr>
+        <p:sp>
+          <p:nvSpPr>
+            <p:cNvPr id="17" name="TextBox 16"/>
+            <p:cNvSpPr txBox="1"/>
+            <p:nvPr/>
+          </p:nvSpPr>
+          <p:spPr>
+            <a:xfrm rot="5400000">
+              <a:off x="4317549" y="1676401"/>
+              <a:ext cx="254445" cy="215444"/>
+            </a:xfrm>
+            <a:prstGeom prst="rect">
+              <a:avLst/>
+            </a:prstGeom>
+            <a:noFill/>
+          </p:spPr>
+          <p:txBody>
+            <a:bodyPr wrap="square" rtlCol="0">
+              <a:spAutoFit/>
+            </a:bodyPr>
+            <a:lstStyle/>
+            <a:p>
+              <a:r>
+                <a:rPr lang="en-US" sz="800" dirty="0" smtClean="0">
+                  <a:latin typeface="Arial" pitchFamily="34" charset="0"/>
+                  <a:cs typeface="Arial" pitchFamily="34" charset="0"/>
+                </a:rPr>
+                <a:t>…</a:t>
+              </a:r>
+            </a:p>
+          </p:txBody>
+        </p:sp>
+        <p:sp>
+          <p:nvSpPr>
+            <p:cNvPr id="18" name="Trapezoid 17"/>
+            <p:cNvSpPr/>
+            <p:nvPr/>
+          </p:nvSpPr>
+          <p:spPr>
+            <a:xfrm rot="5400000">
+              <a:off x="4264124" y="1908076"/>
+              <a:ext cx="773748" cy="157995"/>
+            </a:xfrm>
+            <a:prstGeom prst="trapezoid">
+              <a:avLst>
+                <a:gd name="adj" fmla="val 58611"/>
+              </a:avLst>
+            </a:prstGeom>
+            <a:solidFill>
+              <a:srgbClr val="FFFFCC"/>
+            </a:solidFill>
+            <a:ln w="12700">
+              <a:solidFill>
+                <a:schemeClr val="tx1"/>
+              </a:solidFill>
+            </a:ln>
+          </p:spPr>
+          <p:style>
+            <a:lnRef idx="2">
+              <a:schemeClr val="accent1">
+                <a:shade val="50000"/>
+              </a:schemeClr>
+            </a:lnRef>
+            <a:fillRef idx="1">
+              <a:schemeClr val="accent1"/>
+            </a:fillRef>
+            <a:effectRef idx="0">
+              <a:schemeClr val="accent1"/>
+            </a:effectRef>
+            <a:fontRef idx="minor">
+              <a:schemeClr val="lt1"/>
+            </a:fontRef>
+          </p:style>
+          <p:txBody>
+            <a:bodyPr vert="vert270" rtlCol="0" anchor="ctr"/>
+            <a:lstStyle/>
+            <a:p>
+              <a:pPr algn="ctr"/>
+              <a:r>
+                <a:rPr lang="en-US" sz="800" dirty="0" smtClean="0">
+                  <a:solidFill>
+                    <a:sysClr val="windowText" lastClr="000000"/>
+                  </a:solidFill>
+                  <a:latin typeface="Arial" pitchFamily="34" charset="0"/>
+                  <a:cs typeface="Arial" pitchFamily="34" charset="0"/>
+                </a:rPr>
+                <a:t>      </a:t>
+              </a:r>
+              <a:endParaRPr lang="en-US" sz="800" dirty="0">
+                <a:solidFill>
+                  <a:sysClr val="windowText" lastClr="000000"/>
+                </a:solidFill>
+                <a:latin typeface="Arial" pitchFamily="34" charset="0"/>
+                <a:cs typeface="Arial" pitchFamily="34" charset="0"/>
+              </a:endParaRPr>
+            </a:p>
+          </p:txBody>
+        </p:sp>
+        <p:cxnSp>
+          <p:nvCxnSpPr>
+            <p:cNvPr id="19" name="Straight Arrow Connector 18"/>
+            <p:cNvCxnSpPr/>
+            <p:nvPr/>
+          </p:nvCxnSpPr>
+          <p:spPr>
+            <a:xfrm>
+              <a:off x="4368800" y="1676400"/>
+              <a:ext cx="203200" cy="0"/>
+            </a:xfrm>
+            <a:prstGeom prst="straightConnector1">
+              <a:avLst/>
+            </a:prstGeom>
+            <a:ln w="12700">
+              <a:solidFill>
+                <a:schemeClr val="tx1"/>
+              </a:solidFill>
+              <a:headEnd w="sm" len="sm"/>
+              <a:tailEnd type="triangle" w="med" len="med"/>
+            </a:ln>
+          </p:spPr>
+          <p:style>
+            <a:lnRef idx="1">
+              <a:schemeClr val="accent1"/>
+            </a:lnRef>
+            <a:fillRef idx="0">
+              <a:schemeClr val="accent1"/>
+            </a:fillRef>
+            <a:effectRef idx="0">
+              <a:schemeClr val="accent1"/>
+            </a:effectRef>
+            <a:fontRef idx="minor">
+              <a:schemeClr val="tx1"/>
+            </a:fontRef>
+          </p:style>
+        </p:cxnSp>
+        <p:cxnSp>
+          <p:nvCxnSpPr>
+            <p:cNvPr id="20" name="Straight Arrow Connector 19"/>
+            <p:cNvCxnSpPr/>
+            <p:nvPr/>
+          </p:nvCxnSpPr>
+          <p:spPr>
+            <a:xfrm>
+              <a:off x="4368800" y="1885049"/>
+              <a:ext cx="203200" cy="0"/>
+            </a:xfrm>
+            <a:prstGeom prst="straightConnector1">
+              <a:avLst/>
+            </a:prstGeom>
+            <a:ln w="12700">
+              <a:solidFill>
+                <a:schemeClr val="tx1"/>
+              </a:solidFill>
+              <a:headEnd w="sm" len="sm"/>
+              <a:tailEnd type="triangle" w="med" len="med"/>
+            </a:ln>
+          </p:spPr>
+          <p:style>
+            <a:lnRef idx="1">
+              <a:schemeClr val="accent1"/>
+            </a:lnRef>
+            <a:fillRef idx="0">
+              <a:schemeClr val="accent1"/>
+            </a:fillRef>
+            <a:effectRef idx="0">
+              <a:schemeClr val="accent1"/>
+            </a:effectRef>
+            <a:fontRef idx="minor">
+              <a:schemeClr val="tx1"/>
+            </a:fontRef>
+          </p:style>
+        </p:cxnSp>
+        <p:sp>
+          <p:nvSpPr>
+            <p:cNvPr id="21" name="TextBox 20"/>
+            <p:cNvSpPr txBox="1"/>
+            <p:nvPr/>
+          </p:nvSpPr>
+          <p:spPr>
+            <a:xfrm>
+              <a:off x="3541514" y="1673815"/>
+              <a:ext cx="827286" cy="215444"/>
+            </a:xfrm>
+            <a:prstGeom prst="rect">
+              <a:avLst/>
+            </a:prstGeom>
+            <a:noFill/>
+          </p:spPr>
+          <p:txBody>
+            <a:bodyPr wrap="square" rtlCol="0">
+              <a:spAutoFit/>
+            </a:bodyPr>
+            <a:lstStyle/>
+            <a:p>
+              <a:pPr algn="r"/>
+              <a:r>
+                <a:rPr lang="en-US" sz="800" dirty="0" smtClean="0">
+                  <a:latin typeface="Arial" pitchFamily="34" charset="0"/>
+                  <a:cs typeface="Arial" pitchFamily="34" charset="0"/>
+                </a:rPr>
+                <a:t>FIFO entries</a:t>
+              </a:r>
+            </a:p>
+          </p:txBody>
+        </p:sp>
+        <p:cxnSp>
+          <p:nvCxnSpPr>
+            <p:cNvPr id="22" name="Straight Arrow Connector 21"/>
+            <p:cNvCxnSpPr/>
+            <p:nvPr/>
+          </p:nvCxnSpPr>
+          <p:spPr>
+            <a:xfrm>
+              <a:off x="4373725" y="2093698"/>
+              <a:ext cx="205179" cy="0"/>
+            </a:xfrm>
+            <a:prstGeom prst="straightConnector1">
+              <a:avLst/>
+            </a:prstGeom>
+            <a:ln w="12700">
+              <a:solidFill>
+                <a:schemeClr val="tx1"/>
+              </a:solidFill>
+              <a:headEnd w="sm" len="sm"/>
+              <a:tailEnd type="triangle" w="med" len="med"/>
+            </a:ln>
+          </p:spPr>
+          <p:style>
+            <a:lnRef idx="1">
+              <a:schemeClr val="accent1"/>
+            </a:lnRef>
+            <a:fillRef idx="0">
+              <a:schemeClr val="accent1"/>
+            </a:fillRef>
+            <a:effectRef idx="0">
+              <a:schemeClr val="accent1"/>
+            </a:effectRef>
+            <a:fontRef idx="minor">
+              <a:schemeClr val="tx1"/>
+            </a:fontRef>
+          </p:style>
+        </p:cxnSp>
+        <p:cxnSp>
+          <p:nvCxnSpPr>
+            <p:cNvPr id="23" name="Straight Arrow Connector 22"/>
+            <p:cNvCxnSpPr/>
+            <p:nvPr/>
+          </p:nvCxnSpPr>
+          <p:spPr>
+            <a:xfrm>
+              <a:off x="4373725" y="2302347"/>
+              <a:ext cx="198275" cy="0"/>
+            </a:xfrm>
+            <a:prstGeom prst="straightConnector1">
+              <a:avLst/>
+            </a:prstGeom>
+            <a:ln w="12700">
+              <a:solidFill>
+                <a:schemeClr val="tx1"/>
+              </a:solidFill>
+              <a:headEnd w="sm" len="sm"/>
+              <a:tailEnd type="triangle" w="med" len="med"/>
+            </a:ln>
+          </p:spPr>
+          <p:style>
+            <a:lnRef idx="1">
+              <a:schemeClr val="accent1"/>
+            </a:lnRef>
+            <a:fillRef idx="0">
+              <a:schemeClr val="accent1"/>
+            </a:fillRef>
+            <a:effectRef idx="0">
+              <a:schemeClr val="accent1"/>
+            </a:effectRef>
+            <a:fontRef idx="minor">
+              <a:schemeClr val="tx1"/>
+            </a:fontRef>
+          </p:style>
+        </p:cxnSp>
+        <p:sp>
+          <p:nvSpPr>
+            <p:cNvPr id="24" name="TextBox 23"/>
+            <p:cNvSpPr txBox="1"/>
+            <p:nvPr/>
+          </p:nvSpPr>
+          <p:spPr>
+            <a:xfrm>
+              <a:off x="3541514" y="1985976"/>
+              <a:ext cx="835995" cy="215444"/>
+            </a:xfrm>
+            <a:prstGeom prst="rect">
+              <a:avLst/>
+            </a:prstGeom>
+            <a:noFill/>
+          </p:spPr>
+          <p:txBody>
+            <a:bodyPr wrap="square" rtlCol="0">
+              <a:spAutoFit/>
+            </a:bodyPr>
+            <a:lstStyle/>
+            <a:p>
+              <a:pPr algn="r"/>
+              <a:r>
+                <a:rPr lang="en-US" sz="800" dirty="0" smtClean="0">
+                  <a:latin typeface="Arial" pitchFamily="34" charset="0"/>
+                  <a:cs typeface="Arial" pitchFamily="34" charset="0"/>
+                </a:rPr>
+                <a:t>Previous </a:t>
+              </a:r>
+              <a:r>
+                <a:rPr lang="en-US" sz="800" dirty="0" err="1" smtClean="0">
+                  <a:latin typeface="Arial" pitchFamily="34" charset="0"/>
+                  <a:cs typeface="Arial" pitchFamily="34" charset="0"/>
+                </a:rPr>
+                <a:t>addr</a:t>
+              </a:r>
+              <a:endParaRPr lang="en-US" sz="800" dirty="0" smtClean="0">
+                <a:latin typeface="Arial" pitchFamily="34" charset="0"/>
+                <a:cs typeface="Arial" pitchFamily="34" charset="0"/>
+              </a:endParaRPr>
+            </a:p>
+          </p:txBody>
+        </p:sp>
+        <p:sp>
+          <p:nvSpPr>
+            <p:cNvPr id="25" name="TextBox 24"/>
+            <p:cNvSpPr txBox="1"/>
+            <p:nvPr/>
+          </p:nvSpPr>
+          <p:spPr>
+            <a:xfrm>
+              <a:off x="3646702" y="2194625"/>
+              <a:ext cx="727023" cy="215444"/>
+            </a:xfrm>
+            <a:prstGeom prst="rect">
+              <a:avLst/>
+            </a:prstGeom>
+            <a:noFill/>
+          </p:spPr>
+          <p:txBody>
+            <a:bodyPr wrap="square" rtlCol="0">
+              <a:spAutoFit/>
+            </a:bodyPr>
+            <a:lstStyle/>
+            <a:p>
+              <a:pPr algn="r"/>
+              <a:r>
+                <a:rPr lang="en-US" sz="800" dirty="0" smtClean="0">
+                  <a:latin typeface="Arial" pitchFamily="34" charset="0"/>
+                  <a:cs typeface="Arial" pitchFamily="34" charset="0"/>
+                </a:rPr>
+                <a:t>Constant 1</a:t>
+              </a:r>
+            </a:p>
+          </p:txBody>
+        </p:sp>
+      </p:grpSp>
+      <p:grpSp>
+        <p:nvGrpSpPr>
+          <p:cNvPr id="26" name="Group 25"/>
+          <p:cNvGrpSpPr/>
+          <p:nvPr/>
+        </p:nvGrpSpPr>
+        <p:grpSpPr>
+          <a:xfrm>
+            <a:off x="2290140" y="575900"/>
+            <a:ext cx="555058" cy="585529"/>
+            <a:chOff x="1687649" y="697380"/>
+            <a:chExt cx="555058" cy="585529"/>
+          </a:xfrm>
+        </p:grpSpPr>
+        <p:grpSp>
+          <p:nvGrpSpPr>
+            <p:cNvPr id="27" name="Group 26"/>
+            <p:cNvGrpSpPr/>
+            <p:nvPr/>
+          </p:nvGrpSpPr>
+          <p:grpSpPr>
+            <a:xfrm>
+              <a:off x="1687649" y="697380"/>
+              <a:ext cx="495217" cy="585529"/>
+              <a:chOff x="1569499" y="3233317"/>
+              <a:chExt cx="458497" cy="614235"/>
+            </a:xfrm>
+          </p:grpSpPr>
+          <p:sp>
+            <p:nvSpPr>
+              <p:cNvPr id="29" name="Trapezoid 28"/>
+              <p:cNvSpPr/>
+              <p:nvPr/>
+            </p:nvSpPr>
+            <p:spPr>
+              <a:xfrm rot="5400000">
+                <a:off x="1501412" y="3320968"/>
+                <a:ext cx="614235" cy="438933"/>
+              </a:xfrm>
+              <a:prstGeom prst="trapezoid">
+                <a:avLst>
+                  <a:gd name="adj" fmla="val 32198"/>
+                </a:avLst>
+              </a:prstGeom>
+              <a:solidFill>
+                <a:srgbClr val="FFFFCC"/>
+              </a:solidFill>
+              <a:ln w="12700">
+                <a:solidFill>
+                  <a:schemeClr val="tx1"/>
+                </a:solidFill>
+              </a:ln>
+            </p:spPr>
+            <p:style>
+              <a:lnRef idx="2">
+                <a:schemeClr val="accent1">
+                  <a:shade val="50000"/>
+                </a:schemeClr>
+              </a:lnRef>
+              <a:fillRef idx="1">
+                <a:schemeClr val="accent1"/>
+              </a:fillRef>
+              <a:effectRef idx="0">
+                <a:schemeClr val="accent1"/>
+              </a:effectRef>
+              <a:fontRef idx="minor">
+                <a:schemeClr val="lt1"/>
+              </a:fontRef>
+            </p:style>
+            <p:txBody>
+              <a:bodyPr vert="vert270" rtlCol="0" anchor="ctr" anchorCtr="0"/>
+              <a:lstStyle/>
+              <a:p>
+                <a:pPr algn="ctr"/>
+                <a:endParaRPr lang="en-US" sz="800" dirty="0">
+                  <a:solidFill>
+                    <a:sysClr val="windowText" lastClr="000000"/>
+                  </a:solidFill>
+                  <a:latin typeface="Arial" pitchFamily="34" charset="0"/>
+                  <a:cs typeface="Arial" pitchFamily="34" charset="0"/>
+                </a:endParaRPr>
+              </a:p>
+            </p:txBody>
+          </p:sp>
+          <p:sp>
+            <p:nvSpPr>
+              <p:cNvPr id="30" name="Isosceles Triangle 29"/>
+              <p:cNvSpPr/>
+              <p:nvPr/>
+            </p:nvSpPr>
+            <p:spPr>
+              <a:xfrm rot="5400000">
+                <a:off x="1568302" y="3465547"/>
+                <a:ext cx="211562" cy="165279"/>
+              </a:xfrm>
+              <a:prstGeom prst="triangle">
+                <a:avLst/>
+              </a:prstGeom>
+              <a:solidFill>
+                <a:schemeClr val="bg1"/>
+              </a:solidFill>
+              <a:ln w="12700">
+                <a:solidFill>
+                  <a:schemeClr val="tx1"/>
+                </a:solidFill>
+              </a:ln>
+            </p:spPr>
+            <p:style>
+              <a:lnRef idx="2">
+                <a:schemeClr val="accent1">
+                  <a:shade val="50000"/>
+                </a:schemeClr>
+              </a:lnRef>
+              <a:fillRef idx="1">
+                <a:schemeClr val="accent1"/>
+              </a:fillRef>
+              <a:effectRef idx="0">
+                <a:schemeClr val="accent1"/>
+              </a:effectRef>
+              <a:fontRef idx="minor">
+                <a:schemeClr val="lt1"/>
+              </a:fontRef>
+            </p:style>
+            <p:txBody>
+              <a:bodyPr rtlCol="0" anchor="ctr"/>
+              <a:lstStyle/>
+              <a:p>
+                <a:pPr algn="ctr"/>
+                <a:endParaRPr lang="en-US" sz="800">
+                  <a:latin typeface="Arial" pitchFamily="34" charset="0"/>
+                  <a:cs typeface="Arial" pitchFamily="34" charset="0"/>
+                </a:endParaRPr>
+              </a:p>
+            </p:txBody>
+          </p:sp>
+          <p:sp>
+            <p:nvSpPr>
+              <p:cNvPr id="31" name="Isosceles Triangle 30"/>
+              <p:cNvSpPr/>
+              <p:nvPr/>
+            </p:nvSpPr>
+            <p:spPr>
+              <a:xfrm rot="5400000">
+                <a:off x="1545492" y="3466413"/>
+                <a:ext cx="211561" cy="163548"/>
+              </a:xfrm>
+              <a:prstGeom prst="triangle">
+                <a:avLst/>
+              </a:prstGeom>
+              <a:solidFill>
+                <a:schemeClr val="bg1"/>
+              </a:solidFill>
+              <a:ln w="12700">
+                <a:solidFill>
+                  <a:schemeClr val="bg1"/>
+                </a:solidFill>
+              </a:ln>
+            </p:spPr>
+            <p:style>
+              <a:lnRef idx="2">
+                <a:schemeClr val="accent1">
+                  <a:shade val="50000"/>
+                </a:schemeClr>
+              </a:lnRef>
+              <a:fillRef idx="1">
+                <a:schemeClr val="accent1"/>
+              </a:fillRef>
+              <a:effectRef idx="0">
+                <a:schemeClr val="accent1"/>
+              </a:effectRef>
+              <a:fontRef idx="minor">
+                <a:schemeClr val="lt1"/>
+              </a:fontRef>
+            </p:style>
+            <p:txBody>
+              <a:bodyPr rtlCol="0" anchor="ctr"/>
+              <a:lstStyle/>
+              <a:p>
+                <a:pPr algn="ctr"/>
+                <a:endParaRPr lang="en-US" sz="800">
+                  <a:latin typeface="Arial" pitchFamily="34" charset="0"/>
+                  <a:cs typeface="Arial" pitchFamily="34" charset="0"/>
+                </a:endParaRPr>
+              </a:p>
+            </p:txBody>
+          </p:sp>
+        </p:grpSp>
+        <p:sp>
+          <p:nvSpPr>
+            <p:cNvPr id="28" name="TextBox 27"/>
+            <p:cNvSpPr txBox="1"/>
+            <p:nvPr/>
+          </p:nvSpPr>
+          <p:spPr>
+            <a:xfrm>
+              <a:off x="1843806" y="877689"/>
+              <a:ext cx="398901" cy="215444"/>
+            </a:xfrm>
+            <a:prstGeom prst="rect">
+              <a:avLst/>
+            </a:prstGeom>
+            <a:noFill/>
+            <a:ln w="12700">
+              <a:noFill/>
+            </a:ln>
+          </p:spPr>
+          <p:txBody>
+            <a:bodyPr wrap="square" rtlCol="0">
+              <a:spAutoFit/>
+            </a:bodyPr>
+            <a:lstStyle/>
+            <a:p>
+              <a:r>
+                <a:rPr lang="en-US" sz="800" dirty="0" smtClean="0">
+                  <a:latin typeface="Arial" pitchFamily="34" charset="0"/>
+                  <a:cs typeface="Arial" pitchFamily="34" charset="0"/>
+                </a:rPr>
+                <a:t>ALU</a:t>
+              </a:r>
+            </a:p>
+          </p:txBody>
+        </p:sp>
+      </p:grpSp>
+      <p:cxnSp>
+        <p:nvCxnSpPr>
+          <p:cNvPr id="32" name="Straight Connector 31"/>
+          <p:cNvCxnSpPr/>
+          <p:nvPr/>
+        </p:nvCxnSpPr>
+        <p:spPr>
+          <a:xfrm flipH="1">
+            <a:off x="2087802" y="451628"/>
+            <a:ext cx="59103" cy="0"/>
+          </a:xfrm>
+          <a:prstGeom prst="line">
+            <a:avLst/>
+          </a:prstGeom>
+          <a:ln w="12700">
+            <a:solidFill>
+              <a:schemeClr val="tx1"/>
+            </a:solidFill>
+          </a:ln>
+        </p:spPr>
+        <p:style>
+          <a:lnRef idx="1">
+            <a:schemeClr val="accent1"/>
+          </a:lnRef>
+          <a:fillRef idx="0">
+            <a:schemeClr val="accent1"/>
+          </a:fillRef>
+          <a:effectRef idx="0">
+            <a:schemeClr val="accent1"/>
+          </a:effectRef>
+          <a:fontRef idx="minor">
+            <a:schemeClr val="tx1"/>
+          </a:fontRef>
+        </p:style>
+      </p:cxnSp>
+      <p:cxnSp>
+        <p:nvCxnSpPr>
+          <p:cNvPr id="33" name="Straight Connector 32"/>
+          <p:cNvCxnSpPr/>
+          <p:nvPr/>
+        </p:nvCxnSpPr>
+        <p:spPr>
+          <a:xfrm flipH="1">
+            <a:off x="2094133" y="1329604"/>
+            <a:ext cx="52772" cy="0"/>
+          </a:xfrm>
+          <a:prstGeom prst="line">
+            <a:avLst/>
+          </a:prstGeom>
+          <a:ln w="12700">
+            <a:solidFill>
+              <a:schemeClr val="tx1"/>
+            </a:solidFill>
+          </a:ln>
+        </p:spPr>
+        <p:style>
+          <a:lnRef idx="1">
+            <a:schemeClr val="accent1"/>
+          </a:lnRef>
+          <a:fillRef idx="0">
+            <a:schemeClr val="accent1"/>
+          </a:fillRef>
+          <a:effectRef idx="0">
+            <a:schemeClr val="accent1"/>
+          </a:effectRef>
+          <a:fontRef idx="minor">
+            <a:schemeClr val="tx1"/>
+          </a:fontRef>
+        </p:style>
+      </p:cxnSp>
+      <p:cxnSp>
+        <p:nvCxnSpPr>
+          <p:cNvPr id="34" name="Straight Connector 33"/>
+          <p:cNvCxnSpPr/>
+          <p:nvPr/>
+        </p:nvCxnSpPr>
+        <p:spPr>
+          <a:xfrm flipV="1">
+            <a:off x="2146906" y="451629"/>
+            <a:ext cx="0" cy="232931"/>
+          </a:xfrm>
+          <a:prstGeom prst="line">
+            <a:avLst/>
+          </a:prstGeom>
+          <a:ln w="12700">
+            <a:solidFill>
+              <a:schemeClr val="tx1"/>
+            </a:solidFill>
+          </a:ln>
+        </p:spPr>
+        <p:style>
+          <a:lnRef idx="1">
+            <a:schemeClr val="accent1"/>
+          </a:lnRef>
+          <a:fillRef idx="0">
+            <a:schemeClr val="accent1"/>
+          </a:fillRef>
+          <a:effectRef idx="0">
+            <a:schemeClr val="accent1"/>
+          </a:effectRef>
+          <a:fontRef idx="minor">
+            <a:schemeClr val="tx1"/>
+          </a:fontRef>
+        </p:style>
+      </p:cxnSp>
+      <p:cxnSp>
+        <p:nvCxnSpPr>
+          <p:cNvPr id="35" name="Straight Connector 34"/>
+          <p:cNvCxnSpPr/>
+          <p:nvPr/>
+        </p:nvCxnSpPr>
+        <p:spPr>
+          <a:xfrm flipH="1" flipV="1">
+            <a:off x="2146905" y="1075165"/>
+            <a:ext cx="1" cy="257333"/>
+          </a:xfrm>
+          <a:prstGeom prst="line">
+            <a:avLst/>
+          </a:prstGeom>
+          <a:ln w="12700">
+            <a:solidFill>
+              <a:schemeClr val="tx1"/>
+            </a:solidFill>
+          </a:ln>
+        </p:spPr>
+        <p:style>
+          <a:lnRef idx="1">
+            <a:schemeClr val="accent1"/>
+          </a:lnRef>
+          <a:fillRef idx="0">
+            <a:schemeClr val="accent1"/>
+          </a:fillRef>
+          <a:effectRef idx="0">
+            <a:schemeClr val="accent1"/>
+          </a:effectRef>
+          <a:fontRef idx="minor">
+            <a:schemeClr val="tx1"/>
+          </a:fontRef>
+        </p:style>
+      </p:cxnSp>
+      <p:cxnSp>
+        <p:nvCxnSpPr>
+          <p:cNvPr id="36" name="Straight Arrow Connector 35"/>
+          <p:cNvCxnSpPr/>
+          <p:nvPr/>
+        </p:nvCxnSpPr>
+        <p:spPr>
+          <a:xfrm>
+            <a:off x="2783080" y="866761"/>
+            <a:ext cx="823309" cy="0"/>
+          </a:xfrm>
+          <a:prstGeom prst="straightConnector1">
+            <a:avLst/>
+          </a:prstGeom>
+          <a:ln w="12700">
+            <a:solidFill>
+              <a:schemeClr val="tx1"/>
+            </a:solidFill>
+            <a:headEnd w="sm" len="sm"/>
+            <a:tailEnd type="triangle" w="med" len="med"/>
+          </a:ln>
+        </p:spPr>
+        <p:style>
+          <a:lnRef idx="1">
+            <a:schemeClr val="accent1"/>
+          </a:lnRef>
+          <a:fillRef idx="0">
+            <a:schemeClr val="accent1"/>
+          </a:fillRef>
+          <a:effectRef idx="0">
+            <a:schemeClr val="accent1"/>
+          </a:effectRef>
+          <a:fontRef idx="minor">
+            <a:schemeClr val="tx1"/>
+          </a:fontRef>
+        </p:style>
+      </p:cxnSp>
+      <p:sp>
+        <p:nvSpPr>
+          <p:cNvPr id="37" name="Rectangle 36"/>
+          <p:cNvSpPr/>
+          <p:nvPr/>
+        </p:nvSpPr>
+        <p:spPr>
+          <a:xfrm>
+            <a:off x="3606388" y="1173033"/>
+            <a:ext cx="798131" cy="454222"/>
+          </a:xfrm>
+          <a:prstGeom prst="rect">
+            <a:avLst/>
+          </a:prstGeom>
+          <a:solidFill>
+            <a:srgbClr val="FFFFCC"/>
+          </a:solidFill>
+          <a:ln w="12700">
+            <a:solidFill>
+              <a:schemeClr val="tx1"/>
+            </a:solidFill>
+          </a:ln>
+        </p:spPr>
+        <p:style>
+          <a:lnRef idx="2">
+            <a:schemeClr val="accent1">
+              <a:shade val="50000"/>
+            </a:schemeClr>
+          </a:lnRef>
+          <a:fillRef idx="1">
+            <a:schemeClr val="accent1"/>
+          </a:fillRef>
+          <a:effectRef idx="0">
+            <a:schemeClr val="accent1"/>
+          </a:effectRef>
+          <a:fontRef idx="minor">
+            <a:schemeClr val="lt1"/>
+          </a:fontRef>
+        </p:style>
+        <p:txBody>
+          <a:bodyPr rtlCol="0" anchor="ctr"/>
+          <a:lstStyle/>
+          <a:p>
+            <a:pPr algn="ctr"/>
+            <a:r>
+              <a:rPr lang="en-US" sz="800" dirty="0" smtClean="0">
+                <a:solidFill>
+                  <a:sysClr val="windowText" lastClr="000000"/>
+                </a:solidFill>
+                <a:latin typeface="Arial" pitchFamily="34" charset="0"/>
+                <a:cs typeface="Arial" pitchFamily="34" charset="0"/>
+              </a:rPr>
+              <a:t>Metadata </a:t>
+            </a:r>
+            <a:r>
+              <a:rPr lang="en-US" sz="800" smtClean="0">
+                <a:solidFill>
+                  <a:sysClr val="windowText" lastClr="000000"/>
+                </a:solidFill>
+                <a:latin typeface="Arial" pitchFamily="34" charset="0"/>
+                <a:cs typeface="Arial" pitchFamily="34" charset="0"/>
+              </a:rPr>
+              <a:t>Invalidation Table</a:t>
+            </a:r>
+            <a:endParaRPr lang="en-US" sz="800" dirty="0">
+              <a:solidFill>
+                <a:sysClr val="windowText" lastClr="000000"/>
+              </a:solidFill>
+              <a:latin typeface="Arial" pitchFamily="34" charset="0"/>
+              <a:cs typeface="Arial" pitchFamily="34" charset="0"/>
+            </a:endParaRPr>
+          </a:p>
+        </p:txBody>
+      </p:sp>
+      <p:cxnSp>
+        <p:nvCxnSpPr>
+          <p:cNvPr id="38" name="Straight Connector 37"/>
+          <p:cNvCxnSpPr/>
+          <p:nvPr/>
+        </p:nvCxnSpPr>
+        <p:spPr>
+          <a:xfrm flipV="1">
+            <a:off x="3356949" y="870383"/>
+            <a:ext cx="0" cy="523999"/>
+          </a:xfrm>
+          <a:prstGeom prst="line">
+            <a:avLst/>
+          </a:prstGeom>
+          <a:ln w="12700">
+            <a:solidFill>
+              <a:schemeClr val="tx1"/>
+            </a:solidFill>
+          </a:ln>
+        </p:spPr>
+        <p:style>
+          <a:lnRef idx="1">
+            <a:schemeClr val="accent1"/>
+          </a:lnRef>
+          <a:fillRef idx="0">
+            <a:schemeClr val="accent1"/>
+          </a:fillRef>
+          <a:effectRef idx="0">
+            <a:schemeClr val="accent1"/>
+          </a:effectRef>
+          <a:fontRef idx="minor">
+            <a:schemeClr val="tx1"/>
+          </a:fontRef>
+        </p:style>
+      </p:cxnSp>
+      <p:sp>
+        <p:nvSpPr>
+          <p:cNvPr id="39" name="Rectangle 38"/>
+          <p:cNvSpPr/>
+          <p:nvPr/>
+        </p:nvSpPr>
+        <p:spPr>
+          <a:xfrm>
+            <a:off x="3606389" y="636820"/>
+            <a:ext cx="798130" cy="454222"/>
+          </a:xfrm>
+          <a:prstGeom prst="rect">
+            <a:avLst/>
+          </a:prstGeom>
+          <a:solidFill>
+            <a:srgbClr val="FFFFCC"/>
+          </a:solidFill>
+          <a:ln w="12700">
+            <a:solidFill>
+              <a:schemeClr val="tx1"/>
+            </a:solidFill>
+          </a:ln>
+        </p:spPr>
+        <p:style>
+          <a:lnRef idx="2">
+            <a:schemeClr val="accent1">
+              <a:shade val="50000"/>
+            </a:schemeClr>
+          </a:lnRef>
+          <a:fillRef idx="1">
+            <a:schemeClr val="accent1"/>
+          </a:fillRef>
+          <a:effectRef idx="0">
+            <a:schemeClr val="accent1"/>
+          </a:effectRef>
+          <a:fontRef idx="minor">
+            <a:schemeClr val="lt1"/>
+          </a:fontRef>
+        </p:style>
+        <p:txBody>
+          <a:bodyPr rtlCol="0" anchor="ctr"/>
+          <a:lstStyle/>
+          <a:p>
+            <a:pPr algn="ctr"/>
+            <a:r>
+              <a:rPr lang="en-US" sz="800" dirty="0" smtClean="0">
+                <a:solidFill>
+                  <a:sysClr val="windowText" lastClr="000000"/>
+                </a:solidFill>
+                <a:latin typeface="Arial" pitchFamily="34" charset="0"/>
+                <a:cs typeface="Arial" pitchFamily="34" charset="0"/>
+              </a:rPr>
+              <a:t>Metadata Invalidation Scratchpad</a:t>
+            </a:r>
+            <a:endParaRPr lang="en-US" sz="800" dirty="0">
+              <a:solidFill>
+                <a:sysClr val="windowText" lastClr="000000"/>
+              </a:solidFill>
+              <a:latin typeface="Arial" pitchFamily="34" charset="0"/>
+              <a:cs typeface="Arial" pitchFamily="34" charset="0"/>
+            </a:endParaRPr>
+          </a:p>
+        </p:txBody>
+      </p:sp>
+    </p:spTree>
+    <p:extLst>
+      <p:ext uri="{BB962C8B-B14F-4D97-AF65-F5344CB8AC3E}">
+        <p14:creationId xmlns:p14="http://schemas.microsoft.com/office/powerpoint/2010/main" val="2558823188"/>
+      </p:ext>
+    </p:extLst>
+  </p:cSld>
+  <p:clrMapOvr>
+    <a:masterClrMapping/>
+  </p:clrMapOvr>
+</p:sld>
+</file>
+
+<file path=ppt/slides/slide5.xml><?xml version="1.0" encoding="utf-8"?>
+<p:sld xmlns:a="http://schemas.openxmlformats.org/drawingml/2006/main" xmlns:r="http://schemas.openxmlformats.org/officeDocument/2006/relationships" xmlns:p="http://schemas.openxmlformats.org/presentationml/2006/main">
+  <p:cSld>
+    <p:spTree>
+      <p:nvGrpSpPr>
+        <p:cNvPr id="1" name=""/>
+        <p:cNvGrpSpPr/>
+        <p:nvPr/>
+      </p:nvGrpSpPr>
+      <p:grpSpPr>
+        <a:xfrm>
+          <a:off x="0" y="0"/>
+          <a:ext cx="0" cy="0"/>
+          <a:chOff x="0" y="0"/>
+          <a:chExt cx="0" cy="0"/>
+        </a:xfrm>
+      </p:grpSpPr>
+      <p:sp>
+        <p:nvSpPr>
+          <p:cNvPr id="2" name="TextBox 1"/>
+          <p:cNvSpPr txBox="1"/>
+          <p:nvPr/>
+        </p:nvSpPr>
+        <p:spPr>
+          <a:xfrm>
+            <a:off x="2521323" y="374281"/>
+            <a:ext cx="508670" cy="215444"/>
+          </a:xfrm>
+          <a:prstGeom prst="rect">
+            <a:avLst/>
+          </a:prstGeom>
+          <a:noFill/>
+        </p:spPr>
+        <p:txBody>
+          <a:bodyPr wrap="square" rtlCol="0">
+            <a:spAutoFit/>
+          </a:bodyPr>
+          <a:lstStyle/>
+          <a:p>
+            <a:r>
+              <a:rPr lang="en-US" sz="800" dirty="0" err="1" smtClean="0">
+                <a:latin typeface="Arial" pitchFamily="34" charset="0"/>
+                <a:cs typeface="Arial" pitchFamily="34" charset="0"/>
+              </a:rPr>
+              <a:t>Addr</a:t>
+            </a:r>
+            <a:r>
+              <a:rPr lang="en-US" sz="800" dirty="0" smtClean="0">
+                <a:latin typeface="Arial" pitchFamily="34" charset="0"/>
+                <a:cs typeface="Arial" pitchFamily="34" charset="0"/>
+              </a:rPr>
+              <a:t> 0</a:t>
+            </a:r>
+          </a:p>
+        </p:txBody>
+      </p:sp>
+      <p:grpSp>
+        <p:nvGrpSpPr>
+          <p:cNvPr id="3" name="Group 2"/>
+          <p:cNvGrpSpPr/>
+          <p:nvPr/>
+        </p:nvGrpSpPr>
+        <p:grpSpPr>
+          <a:xfrm>
+            <a:off x="823119" y="53131"/>
+            <a:ext cx="1129033" cy="532774"/>
+            <a:chOff x="3600962" y="1597603"/>
+            <a:chExt cx="1129033" cy="532774"/>
+          </a:xfrm>
+        </p:grpSpPr>
+        <p:sp>
+          <p:nvSpPr>
+            <p:cNvPr id="4" name="TextBox 3"/>
+            <p:cNvSpPr txBox="1"/>
+            <p:nvPr/>
+          </p:nvSpPr>
+          <p:spPr>
+            <a:xfrm rot="5400000">
+              <a:off x="4337052" y="1617104"/>
+              <a:ext cx="254445" cy="215444"/>
+            </a:xfrm>
+            <a:prstGeom prst="rect">
+              <a:avLst/>
+            </a:prstGeom>
+            <a:noFill/>
+          </p:spPr>
+          <p:txBody>
+            <a:bodyPr wrap="square" rtlCol="0">
+              <a:spAutoFit/>
+            </a:bodyPr>
+            <a:lstStyle/>
+            <a:p>
+              <a:r>
+                <a:rPr lang="en-US" sz="800" dirty="0" smtClean="0">
+                  <a:latin typeface="Arial" pitchFamily="34" charset="0"/>
+                  <a:cs typeface="Arial" pitchFamily="34" charset="0"/>
+                </a:rPr>
+                <a:t>…</a:t>
+              </a:r>
+            </a:p>
+          </p:txBody>
+        </p:sp>
+        <p:sp>
+          <p:nvSpPr>
+            <p:cNvPr id="5" name="Trapezoid 4"/>
+            <p:cNvSpPr/>
+            <p:nvPr/>
+          </p:nvSpPr>
+          <p:spPr>
+            <a:xfrm rot="5400000">
+              <a:off x="4401364" y="1770836"/>
+              <a:ext cx="499267" cy="157995"/>
+            </a:xfrm>
+            <a:prstGeom prst="trapezoid">
+              <a:avLst>
+                <a:gd name="adj" fmla="val 58611"/>
+              </a:avLst>
+            </a:prstGeom>
+            <a:solidFill>
+              <a:srgbClr val="FFFFCC"/>
+            </a:solidFill>
+            <a:ln w="12700">
+              <a:solidFill>
+                <a:schemeClr val="tx1"/>
+              </a:solidFill>
+            </a:ln>
+          </p:spPr>
+          <p:style>
+            <a:lnRef idx="2">
+              <a:schemeClr val="accent1">
+                <a:shade val="50000"/>
+              </a:schemeClr>
+            </a:lnRef>
+            <a:fillRef idx="1">
+              <a:schemeClr val="accent1"/>
+            </a:fillRef>
+            <a:effectRef idx="0">
+              <a:schemeClr val="accent1"/>
+            </a:effectRef>
+            <a:fontRef idx="minor">
+              <a:schemeClr val="lt1"/>
+            </a:fontRef>
+          </p:style>
+          <p:txBody>
+            <a:bodyPr vert="vert270" rtlCol="0" anchor="ctr"/>
+            <a:lstStyle/>
+            <a:p>
+              <a:pPr algn="ctr"/>
+              <a:r>
+                <a:rPr lang="en-US" sz="800" dirty="0" smtClean="0">
+                  <a:solidFill>
+                    <a:sysClr val="windowText" lastClr="000000"/>
+                  </a:solidFill>
+                  <a:latin typeface="Arial" pitchFamily="34" charset="0"/>
+                  <a:cs typeface="Arial" pitchFamily="34" charset="0"/>
+                </a:rPr>
+                <a:t>      </a:t>
+              </a:r>
+              <a:endParaRPr lang="en-US" sz="800" dirty="0">
+                <a:solidFill>
+                  <a:sysClr val="windowText" lastClr="000000"/>
+                </a:solidFill>
+                <a:latin typeface="Arial" pitchFamily="34" charset="0"/>
+                <a:cs typeface="Arial" pitchFamily="34" charset="0"/>
+              </a:endParaRPr>
+            </a:p>
+          </p:txBody>
+        </p:sp>
+        <p:cxnSp>
+          <p:nvCxnSpPr>
+            <p:cNvPr id="6" name="Straight Arrow Connector 5"/>
+            <p:cNvCxnSpPr/>
+            <p:nvPr/>
+          </p:nvCxnSpPr>
+          <p:spPr>
+            <a:xfrm>
+              <a:off x="4368800" y="1676400"/>
+              <a:ext cx="203200" cy="0"/>
+            </a:xfrm>
+            <a:prstGeom prst="straightConnector1">
+              <a:avLst/>
+            </a:prstGeom>
+            <a:ln w="12700">
+              <a:solidFill>
+                <a:schemeClr val="tx1"/>
+              </a:solidFill>
+              <a:headEnd w="sm" len="sm"/>
+              <a:tailEnd type="triangle" w="med" len="med"/>
+            </a:ln>
+          </p:spPr>
+          <p:style>
+            <a:lnRef idx="1">
+              <a:schemeClr val="accent1"/>
+            </a:lnRef>
+            <a:fillRef idx="0">
+              <a:schemeClr val="accent1"/>
+            </a:fillRef>
+            <a:effectRef idx="0">
+              <a:schemeClr val="accent1"/>
+            </a:effectRef>
+            <a:fontRef idx="minor">
+              <a:schemeClr val="tx1"/>
+            </a:fontRef>
+          </p:style>
+        </p:cxnSp>
+        <p:cxnSp>
+          <p:nvCxnSpPr>
+            <p:cNvPr id="7" name="Straight Arrow Connector 6"/>
+            <p:cNvCxnSpPr/>
+            <p:nvPr/>
+          </p:nvCxnSpPr>
+          <p:spPr>
+            <a:xfrm>
+              <a:off x="4365429" y="1792225"/>
+              <a:ext cx="203200" cy="0"/>
+            </a:xfrm>
+            <a:prstGeom prst="straightConnector1">
+              <a:avLst/>
+            </a:prstGeom>
+            <a:ln w="12700">
+              <a:solidFill>
+                <a:schemeClr val="tx1"/>
+              </a:solidFill>
+              <a:headEnd w="sm" len="sm"/>
+              <a:tailEnd type="triangle" w="med" len="med"/>
+            </a:ln>
+          </p:spPr>
+          <p:style>
+            <a:lnRef idx="1">
+              <a:schemeClr val="accent1"/>
+            </a:lnRef>
+            <a:fillRef idx="0">
+              <a:schemeClr val="accent1"/>
+            </a:fillRef>
+            <a:effectRef idx="0">
+              <a:schemeClr val="accent1"/>
+            </a:effectRef>
+            <a:fontRef idx="minor">
+              <a:schemeClr val="tx1"/>
+            </a:fontRef>
+          </p:style>
+        </p:cxnSp>
+        <p:sp>
+          <p:nvSpPr>
+            <p:cNvPr id="8" name="TextBox 7"/>
+            <p:cNvSpPr txBox="1"/>
+            <p:nvPr/>
+          </p:nvSpPr>
+          <p:spPr>
+            <a:xfrm>
+              <a:off x="3600962" y="1615186"/>
+              <a:ext cx="817906" cy="215444"/>
+            </a:xfrm>
+            <a:prstGeom prst="rect">
+              <a:avLst/>
+            </a:prstGeom>
+            <a:noFill/>
+          </p:spPr>
+          <p:txBody>
+            <a:bodyPr wrap="square" rtlCol="0">
+              <a:spAutoFit/>
+            </a:bodyPr>
+            <a:lstStyle/>
+            <a:p>
+              <a:pPr algn="r"/>
+              <a:r>
+                <a:rPr lang="en-US" sz="800" dirty="0" smtClean="0">
+                  <a:latin typeface="Arial" pitchFamily="34" charset="0"/>
+                  <a:cs typeface="Arial" pitchFamily="34" charset="0"/>
+                </a:rPr>
+                <a:t>FIFO entries</a:t>
+              </a:r>
+            </a:p>
+          </p:txBody>
+        </p:sp>
+        <p:cxnSp>
+          <p:nvCxnSpPr>
+            <p:cNvPr id="9" name="Straight Arrow Connector 8"/>
+            <p:cNvCxnSpPr/>
+            <p:nvPr/>
+          </p:nvCxnSpPr>
+          <p:spPr>
+            <a:xfrm>
+              <a:off x="4363450" y="1907440"/>
+              <a:ext cx="205179" cy="0"/>
+            </a:xfrm>
+            <a:prstGeom prst="straightConnector1">
+              <a:avLst/>
+            </a:prstGeom>
+            <a:ln w="12700">
+              <a:solidFill>
+                <a:schemeClr val="tx1"/>
+              </a:solidFill>
+              <a:headEnd w="sm" len="sm"/>
+              <a:tailEnd type="triangle" w="med" len="med"/>
+            </a:ln>
+          </p:spPr>
+          <p:style>
+            <a:lnRef idx="1">
+              <a:schemeClr val="accent1"/>
+            </a:lnRef>
+            <a:fillRef idx="0">
+              <a:schemeClr val="accent1"/>
+            </a:fillRef>
+            <a:effectRef idx="0">
+              <a:schemeClr val="accent1"/>
+            </a:effectRef>
+            <a:fontRef idx="minor">
+              <a:schemeClr val="tx1"/>
+            </a:fontRef>
+          </p:style>
+        </p:cxnSp>
+        <p:cxnSp>
+          <p:nvCxnSpPr>
+            <p:cNvPr id="10" name="Straight Arrow Connector 9"/>
+            <p:cNvCxnSpPr/>
+            <p:nvPr/>
+          </p:nvCxnSpPr>
+          <p:spPr>
+            <a:xfrm>
+              <a:off x="4368800" y="2022655"/>
+              <a:ext cx="198275" cy="0"/>
+            </a:xfrm>
+            <a:prstGeom prst="straightConnector1">
+              <a:avLst/>
+            </a:prstGeom>
+            <a:ln w="12700">
+              <a:solidFill>
+                <a:schemeClr val="tx1"/>
+              </a:solidFill>
+              <a:headEnd w="sm" len="sm"/>
+              <a:tailEnd type="triangle" w="med" len="med"/>
+            </a:ln>
+          </p:spPr>
+          <p:style>
+            <a:lnRef idx="1">
+              <a:schemeClr val="accent1"/>
+            </a:lnRef>
+            <a:fillRef idx="0">
+              <a:schemeClr val="accent1"/>
+            </a:fillRef>
+            <a:effectRef idx="0">
+              <a:schemeClr val="accent1"/>
+            </a:effectRef>
+            <a:fontRef idx="minor">
+              <a:schemeClr val="tx1"/>
+            </a:fontRef>
+          </p:style>
+        </p:cxnSp>
+        <p:sp>
+          <p:nvSpPr>
+            <p:cNvPr id="11" name="TextBox 10"/>
+            <p:cNvSpPr txBox="1"/>
+            <p:nvPr/>
+          </p:nvSpPr>
+          <p:spPr>
+            <a:xfrm>
+              <a:off x="3600962" y="1792225"/>
+              <a:ext cx="817906" cy="215444"/>
+            </a:xfrm>
+            <a:prstGeom prst="rect">
+              <a:avLst/>
+            </a:prstGeom>
+            <a:noFill/>
+          </p:spPr>
+          <p:txBody>
+            <a:bodyPr wrap="square" rtlCol="0">
+              <a:spAutoFit/>
+            </a:bodyPr>
+            <a:lstStyle/>
+            <a:p>
+              <a:r>
+                <a:rPr lang="en-US" sz="800" dirty="0" smtClean="0">
+                  <a:latin typeface="Arial" pitchFamily="34" charset="0"/>
+                  <a:cs typeface="Arial" pitchFamily="34" charset="0"/>
+                </a:rPr>
+                <a:t>Previous </a:t>
+              </a:r>
+              <a:r>
+                <a:rPr lang="en-US" sz="800" dirty="0" err="1" smtClean="0">
+                  <a:latin typeface="Arial" pitchFamily="34" charset="0"/>
+                  <a:cs typeface="Arial" pitchFamily="34" charset="0"/>
+                </a:rPr>
+                <a:t>addr</a:t>
+              </a:r>
+              <a:endParaRPr lang="en-US" sz="800" dirty="0" smtClean="0">
+                <a:latin typeface="Arial" pitchFamily="34" charset="0"/>
+                <a:cs typeface="Arial" pitchFamily="34" charset="0"/>
+              </a:endParaRPr>
+            </a:p>
+          </p:txBody>
+        </p:sp>
+        <p:sp>
+          <p:nvSpPr>
+            <p:cNvPr id="12" name="TextBox 11"/>
+            <p:cNvSpPr txBox="1"/>
+            <p:nvPr/>
+          </p:nvSpPr>
+          <p:spPr>
+            <a:xfrm>
+              <a:off x="3669568" y="1914933"/>
+              <a:ext cx="749300" cy="215444"/>
+            </a:xfrm>
+            <a:prstGeom prst="rect">
+              <a:avLst/>
+            </a:prstGeom>
+            <a:noFill/>
+          </p:spPr>
+          <p:txBody>
+            <a:bodyPr wrap="square" rtlCol="0">
+              <a:spAutoFit/>
+            </a:bodyPr>
+            <a:lstStyle/>
+            <a:p>
+              <a:r>
+                <a:rPr lang="en-US" sz="800" dirty="0" smtClean="0">
+                  <a:latin typeface="Arial" pitchFamily="34" charset="0"/>
+                  <a:cs typeface="Arial" pitchFamily="34" charset="0"/>
+                </a:rPr>
+                <a:t>Constant 0</a:t>
+              </a:r>
+            </a:p>
+          </p:txBody>
+        </p:sp>
+      </p:grpSp>
+      <p:grpSp>
+        <p:nvGrpSpPr>
+          <p:cNvPr id="13" name="Group 12"/>
+          <p:cNvGrpSpPr/>
+          <p:nvPr/>
+        </p:nvGrpSpPr>
+        <p:grpSpPr>
+          <a:xfrm>
+            <a:off x="823119" y="593399"/>
+            <a:ext cx="1129033" cy="530177"/>
+            <a:chOff x="3600962" y="1600200"/>
+            <a:chExt cx="1129033" cy="530177"/>
+          </a:xfrm>
+        </p:grpSpPr>
+        <p:sp>
+          <p:nvSpPr>
+            <p:cNvPr id="14" name="TextBox 13"/>
+            <p:cNvSpPr txBox="1"/>
+            <p:nvPr/>
+          </p:nvSpPr>
+          <p:spPr>
+            <a:xfrm rot="5400000">
+              <a:off x="4337053" y="1622887"/>
+              <a:ext cx="254445" cy="215444"/>
+            </a:xfrm>
+            <a:prstGeom prst="rect">
+              <a:avLst/>
+            </a:prstGeom>
+            <a:noFill/>
+          </p:spPr>
+          <p:txBody>
+            <a:bodyPr wrap="square" rtlCol="0">
+              <a:spAutoFit/>
+            </a:bodyPr>
+            <a:lstStyle/>
+            <a:p>
+              <a:r>
+                <a:rPr lang="en-US" sz="800" dirty="0" smtClean="0">
+                  <a:latin typeface="Arial" pitchFamily="34" charset="0"/>
+                  <a:cs typeface="Arial" pitchFamily="34" charset="0"/>
+                </a:rPr>
+                <a:t>…</a:t>
+              </a:r>
+            </a:p>
+          </p:txBody>
+        </p:sp>
+        <p:sp>
+          <p:nvSpPr>
+            <p:cNvPr id="15" name="Trapezoid 14"/>
+            <p:cNvSpPr/>
+            <p:nvPr/>
+          </p:nvSpPr>
+          <p:spPr>
+            <a:xfrm rot="5400000">
+              <a:off x="4401364" y="1770836"/>
+              <a:ext cx="499267" cy="157995"/>
+            </a:xfrm>
+            <a:prstGeom prst="trapezoid">
+              <a:avLst>
+                <a:gd name="adj" fmla="val 58611"/>
+              </a:avLst>
+            </a:prstGeom>
+            <a:solidFill>
+              <a:srgbClr val="FFFFCC"/>
+            </a:solidFill>
+            <a:ln w="12700">
+              <a:solidFill>
+                <a:schemeClr val="tx1"/>
+              </a:solidFill>
+            </a:ln>
+          </p:spPr>
+          <p:style>
+            <a:lnRef idx="2">
+              <a:schemeClr val="accent1">
+                <a:shade val="50000"/>
+              </a:schemeClr>
+            </a:lnRef>
+            <a:fillRef idx="1">
+              <a:schemeClr val="accent1"/>
+            </a:fillRef>
+            <a:effectRef idx="0">
+              <a:schemeClr val="accent1"/>
+            </a:effectRef>
+            <a:fontRef idx="minor">
+              <a:schemeClr val="lt1"/>
+            </a:fontRef>
+          </p:style>
+          <p:txBody>
+            <a:bodyPr vert="vert270" rtlCol="0" anchor="ctr"/>
+            <a:lstStyle/>
+            <a:p>
+              <a:pPr algn="ctr"/>
+              <a:r>
+                <a:rPr lang="en-US" sz="800" dirty="0" smtClean="0">
+                  <a:solidFill>
+                    <a:sysClr val="windowText" lastClr="000000"/>
+                  </a:solidFill>
+                  <a:latin typeface="Arial" pitchFamily="34" charset="0"/>
+                  <a:cs typeface="Arial" pitchFamily="34" charset="0"/>
+                </a:rPr>
+                <a:t>      </a:t>
+              </a:r>
+              <a:endParaRPr lang="en-US" sz="800" dirty="0">
+                <a:solidFill>
+                  <a:sysClr val="windowText" lastClr="000000"/>
+                </a:solidFill>
+                <a:latin typeface="Arial" pitchFamily="34" charset="0"/>
+                <a:cs typeface="Arial" pitchFamily="34" charset="0"/>
+              </a:endParaRPr>
+            </a:p>
+          </p:txBody>
+        </p:sp>
+        <p:cxnSp>
+          <p:nvCxnSpPr>
+            <p:cNvPr id="16" name="Straight Arrow Connector 15"/>
+            <p:cNvCxnSpPr/>
+            <p:nvPr/>
+          </p:nvCxnSpPr>
+          <p:spPr>
+            <a:xfrm>
+              <a:off x="4368800" y="1676400"/>
+              <a:ext cx="203200" cy="0"/>
+            </a:xfrm>
+            <a:prstGeom prst="straightConnector1">
+              <a:avLst/>
+            </a:prstGeom>
+            <a:ln w="12700">
+              <a:solidFill>
+                <a:schemeClr val="tx1"/>
+              </a:solidFill>
+              <a:headEnd w="sm" len="sm"/>
+              <a:tailEnd type="triangle" w="med" len="med"/>
+            </a:ln>
+          </p:spPr>
+          <p:style>
+            <a:lnRef idx="1">
+              <a:schemeClr val="accent1"/>
+            </a:lnRef>
+            <a:fillRef idx="0">
+              <a:schemeClr val="accent1"/>
+            </a:fillRef>
+            <a:effectRef idx="0">
+              <a:schemeClr val="accent1"/>
+            </a:effectRef>
+            <a:fontRef idx="minor">
+              <a:schemeClr val="tx1"/>
+            </a:fontRef>
+          </p:style>
+        </p:cxnSp>
+        <p:cxnSp>
+          <p:nvCxnSpPr>
+            <p:cNvPr id="17" name="Straight Arrow Connector 16"/>
+            <p:cNvCxnSpPr/>
+            <p:nvPr/>
+          </p:nvCxnSpPr>
+          <p:spPr>
+            <a:xfrm>
+              <a:off x="4365429" y="1792225"/>
+              <a:ext cx="203200" cy="0"/>
+            </a:xfrm>
+            <a:prstGeom prst="straightConnector1">
+              <a:avLst/>
+            </a:prstGeom>
+            <a:ln w="12700">
+              <a:solidFill>
+                <a:schemeClr val="tx1"/>
+              </a:solidFill>
+              <a:headEnd w="sm" len="sm"/>
+              <a:tailEnd type="triangle" w="med" len="med"/>
+            </a:ln>
+          </p:spPr>
+          <p:style>
+            <a:lnRef idx="1">
+              <a:schemeClr val="accent1"/>
+            </a:lnRef>
+            <a:fillRef idx="0">
+              <a:schemeClr val="accent1"/>
+            </a:fillRef>
+            <a:effectRef idx="0">
+              <a:schemeClr val="accent1"/>
+            </a:effectRef>
+            <a:fontRef idx="minor">
+              <a:schemeClr val="tx1"/>
+            </a:fontRef>
+          </p:style>
+        </p:cxnSp>
+        <p:sp>
+          <p:nvSpPr>
+            <p:cNvPr id="18" name="TextBox 17"/>
+            <p:cNvSpPr txBox="1"/>
+            <p:nvPr/>
+          </p:nvSpPr>
+          <p:spPr>
+            <a:xfrm>
+              <a:off x="3636964" y="1615186"/>
+              <a:ext cx="781904" cy="215444"/>
+            </a:xfrm>
+            <a:prstGeom prst="rect">
+              <a:avLst/>
+            </a:prstGeom>
+            <a:noFill/>
+          </p:spPr>
+          <p:txBody>
+            <a:bodyPr wrap="square" rtlCol="0">
+              <a:spAutoFit/>
+            </a:bodyPr>
+            <a:lstStyle/>
+            <a:p>
+              <a:pPr algn="r"/>
+              <a:r>
+                <a:rPr lang="en-US" sz="800" dirty="0" smtClean="0">
+                  <a:latin typeface="Arial" pitchFamily="34" charset="0"/>
+                  <a:cs typeface="Arial" pitchFamily="34" charset="0"/>
+                </a:rPr>
+                <a:t>FIFO entries</a:t>
+              </a:r>
+            </a:p>
+          </p:txBody>
+        </p:sp>
+        <p:cxnSp>
+          <p:nvCxnSpPr>
+            <p:cNvPr id="19" name="Straight Arrow Connector 18"/>
+            <p:cNvCxnSpPr/>
+            <p:nvPr/>
+          </p:nvCxnSpPr>
+          <p:spPr>
+            <a:xfrm>
+              <a:off x="4363450" y="1907440"/>
+              <a:ext cx="205179" cy="0"/>
+            </a:xfrm>
+            <a:prstGeom prst="straightConnector1">
+              <a:avLst/>
+            </a:prstGeom>
+            <a:ln w="12700">
+              <a:solidFill>
+                <a:schemeClr val="tx1"/>
+              </a:solidFill>
+              <a:headEnd w="sm" len="sm"/>
+              <a:tailEnd type="triangle" w="med" len="med"/>
+            </a:ln>
+          </p:spPr>
+          <p:style>
+            <a:lnRef idx="1">
+              <a:schemeClr val="accent1"/>
+            </a:lnRef>
+            <a:fillRef idx="0">
+              <a:schemeClr val="accent1"/>
+            </a:fillRef>
+            <a:effectRef idx="0">
+              <a:schemeClr val="accent1"/>
+            </a:effectRef>
+            <a:fontRef idx="minor">
+              <a:schemeClr val="tx1"/>
+            </a:fontRef>
+          </p:style>
+        </p:cxnSp>
+        <p:cxnSp>
+          <p:nvCxnSpPr>
+            <p:cNvPr id="20" name="Straight Arrow Connector 19"/>
+            <p:cNvCxnSpPr/>
+            <p:nvPr/>
+          </p:nvCxnSpPr>
+          <p:spPr>
+            <a:xfrm>
+              <a:off x="4368800" y="2022655"/>
+              <a:ext cx="198275" cy="0"/>
+            </a:xfrm>
+            <a:prstGeom prst="straightConnector1">
+              <a:avLst/>
+            </a:prstGeom>
+            <a:ln w="12700">
+              <a:solidFill>
+                <a:schemeClr val="tx1"/>
+              </a:solidFill>
+              <a:headEnd w="sm" len="sm"/>
+              <a:tailEnd type="triangle" w="med" len="med"/>
+            </a:ln>
+          </p:spPr>
+          <p:style>
+            <a:lnRef idx="1">
+              <a:schemeClr val="accent1"/>
+            </a:lnRef>
+            <a:fillRef idx="0">
+              <a:schemeClr val="accent1"/>
+            </a:fillRef>
+            <a:effectRef idx="0">
+              <a:schemeClr val="accent1"/>
+            </a:effectRef>
+            <a:fontRef idx="minor">
+              <a:schemeClr val="tx1"/>
+            </a:fontRef>
+          </p:style>
+        </p:cxnSp>
+        <p:sp>
+          <p:nvSpPr>
+            <p:cNvPr id="21" name="TextBox 20"/>
+            <p:cNvSpPr txBox="1"/>
+            <p:nvPr/>
+          </p:nvSpPr>
+          <p:spPr>
+            <a:xfrm>
+              <a:off x="3600962" y="1792225"/>
+              <a:ext cx="817906" cy="215444"/>
+            </a:xfrm>
+            <a:prstGeom prst="rect">
+              <a:avLst/>
+            </a:prstGeom>
+            <a:noFill/>
+          </p:spPr>
+          <p:txBody>
+            <a:bodyPr wrap="square" rtlCol="0">
+              <a:spAutoFit/>
+            </a:bodyPr>
+            <a:lstStyle/>
+            <a:p>
+              <a:pPr algn="r"/>
+              <a:r>
+                <a:rPr lang="en-US" sz="800" dirty="0" smtClean="0">
+                  <a:latin typeface="Arial" pitchFamily="34" charset="0"/>
+                  <a:cs typeface="Arial" pitchFamily="34" charset="0"/>
+                </a:rPr>
+                <a:t>Previous </a:t>
+              </a:r>
+              <a:r>
+                <a:rPr lang="en-US" sz="800" dirty="0" err="1" smtClean="0">
+                  <a:latin typeface="Arial" pitchFamily="34" charset="0"/>
+                  <a:cs typeface="Arial" pitchFamily="34" charset="0"/>
+                </a:rPr>
+                <a:t>addr</a:t>
+              </a:r>
+              <a:endParaRPr lang="en-US" sz="800" dirty="0" smtClean="0">
+                <a:latin typeface="Arial" pitchFamily="34" charset="0"/>
+                <a:cs typeface="Arial" pitchFamily="34" charset="0"/>
+              </a:endParaRPr>
+            </a:p>
+          </p:txBody>
+        </p:sp>
+        <p:sp>
+          <p:nvSpPr>
+            <p:cNvPr id="22" name="TextBox 21"/>
+            <p:cNvSpPr txBox="1"/>
+            <p:nvPr/>
+          </p:nvSpPr>
+          <p:spPr>
+            <a:xfrm>
+              <a:off x="3739808" y="1914933"/>
+              <a:ext cx="679060" cy="215444"/>
+            </a:xfrm>
+            <a:prstGeom prst="rect">
+              <a:avLst/>
+            </a:prstGeom>
+            <a:noFill/>
+          </p:spPr>
+          <p:txBody>
+            <a:bodyPr wrap="square" rtlCol="0">
+              <a:spAutoFit/>
+            </a:bodyPr>
+            <a:lstStyle/>
+            <a:p>
+              <a:pPr algn="r"/>
+              <a:r>
+                <a:rPr lang="en-US" sz="800" dirty="0" smtClean="0">
+                  <a:latin typeface="Arial" pitchFamily="34" charset="0"/>
+                  <a:cs typeface="Arial" pitchFamily="34" charset="0"/>
+                </a:rPr>
+                <a:t>Constant 1</a:t>
+              </a:r>
+            </a:p>
+          </p:txBody>
+        </p:sp>
+      </p:grpSp>
+      <p:grpSp>
+        <p:nvGrpSpPr>
+          <p:cNvPr id="23" name="Group 22"/>
+          <p:cNvGrpSpPr/>
+          <p:nvPr/>
+        </p:nvGrpSpPr>
+        <p:grpSpPr>
+          <a:xfrm>
+            <a:off x="823119" y="1172932"/>
+            <a:ext cx="1129033" cy="534692"/>
+            <a:chOff x="3600962" y="1595685"/>
+            <a:chExt cx="1129033" cy="534692"/>
+          </a:xfrm>
+        </p:grpSpPr>
+        <p:sp>
+          <p:nvSpPr>
+            <p:cNvPr id="24" name="TextBox 23"/>
+            <p:cNvSpPr txBox="1"/>
+            <p:nvPr/>
+          </p:nvSpPr>
+          <p:spPr>
+            <a:xfrm rot="5400000">
+              <a:off x="4337055" y="1615186"/>
+              <a:ext cx="254445" cy="215444"/>
+            </a:xfrm>
+            <a:prstGeom prst="rect">
+              <a:avLst/>
+            </a:prstGeom>
+            <a:noFill/>
+          </p:spPr>
+          <p:txBody>
+            <a:bodyPr wrap="square" rtlCol="0">
+              <a:spAutoFit/>
+            </a:bodyPr>
+            <a:lstStyle/>
+            <a:p>
+              <a:r>
+                <a:rPr lang="en-US" sz="800" dirty="0" smtClean="0">
+                  <a:latin typeface="Arial" pitchFamily="34" charset="0"/>
+                  <a:cs typeface="Arial" pitchFamily="34" charset="0"/>
+                </a:rPr>
+                <a:t>…</a:t>
+              </a:r>
+            </a:p>
+          </p:txBody>
+        </p:sp>
+        <p:sp>
+          <p:nvSpPr>
+            <p:cNvPr id="25" name="Trapezoid 24"/>
+            <p:cNvSpPr/>
+            <p:nvPr/>
+          </p:nvSpPr>
+          <p:spPr>
+            <a:xfrm rot="5400000">
+              <a:off x="4401364" y="1770836"/>
+              <a:ext cx="499267" cy="157995"/>
+            </a:xfrm>
+            <a:prstGeom prst="trapezoid">
+              <a:avLst>
+                <a:gd name="adj" fmla="val 58611"/>
+              </a:avLst>
+            </a:prstGeom>
+            <a:solidFill>
+              <a:srgbClr val="FFFFCC"/>
+            </a:solidFill>
+            <a:ln w="12700">
+              <a:solidFill>
+                <a:schemeClr val="tx1"/>
+              </a:solidFill>
+            </a:ln>
+          </p:spPr>
+          <p:style>
+            <a:lnRef idx="2">
+              <a:schemeClr val="accent1">
+                <a:shade val="50000"/>
+              </a:schemeClr>
+            </a:lnRef>
+            <a:fillRef idx="1">
+              <a:schemeClr val="accent1"/>
+            </a:fillRef>
+            <a:effectRef idx="0">
+              <a:schemeClr val="accent1"/>
+            </a:effectRef>
+            <a:fontRef idx="minor">
+              <a:schemeClr val="lt1"/>
+            </a:fontRef>
+          </p:style>
+          <p:txBody>
+            <a:bodyPr vert="vert270" rtlCol="0" anchor="ctr"/>
+            <a:lstStyle/>
+            <a:p>
+              <a:pPr algn="ctr"/>
+              <a:r>
+                <a:rPr lang="en-US" sz="800" dirty="0" smtClean="0">
+                  <a:solidFill>
+                    <a:sysClr val="windowText" lastClr="000000"/>
+                  </a:solidFill>
+                  <a:latin typeface="Arial" pitchFamily="34" charset="0"/>
+                  <a:cs typeface="Arial" pitchFamily="34" charset="0"/>
+                </a:rPr>
+                <a:t>      </a:t>
+              </a:r>
+              <a:endParaRPr lang="en-US" sz="800" dirty="0">
+                <a:solidFill>
+                  <a:sysClr val="windowText" lastClr="000000"/>
+                </a:solidFill>
+                <a:latin typeface="Arial" pitchFamily="34" charset="0"/>
+                <a:cs typeface="Arial" pitchFamily="34" charset="0"/>
+              </a:endParaRPr>
+            </a:p>
+          </p:txBody>
+        </p:sp>
+        <p:cxnSp>
+          <p:nvCxnSpPr>
+            <p:cNvPr id="26" name="Straight Arrow Connector 25"/>
+            <p:cNvCxnSpPr/>
+            <p:nvPr/>
+          </p:nvCxnSpPr>
+          <p:spPr>
+            <a:xfrm>
+              <a:off x="4368800" y="1676400"/>
+              <a:ext cx="203200" cy="0"/>
+            </a:xfrm>
+            <a:prstGeom prst="straightConnector1">
+              <a:avLst/>
+            </a:prstGeom>
+            <a:ln w="12700">
+              <a:solidFill>
+                <a:schemeClr val="tx1"/>
+              </a:solidFill>
+              <a:headEnd w="sm" len="sm"/>
+              <a:tailEnd type="triangle" w="med" len="med"/>
+            </a:ln>
+          </p:spPr>
+          <p:style>
+            <a:lnRef idx="1">
+              <a:schemeClr val="accent1"/>
+            </a:lnRef>
+            <a:fillRef idx="0">
+              <a:schemeClr val="accent1"/>
+            </a:fillRef>
+            <a:effectRef idx="0">
+              <a:schemeClr val="accent1"/>
+            </a:effectRef>
+            <a:fontRef idx="minor">
+              <a:schemeClr val="tx1"/>
+            </a:fontRef>
+          </p:style>
+        </p:cxnSp>
+        <p:cxnSp>
+          <p:nvCxnSpPr>
+            <p:cNvPr id="27" name="Straight Arrow Connector 26"/>
+            <p:cNvCxnSpPr/>
+            <p:nvPr/>
+          </p:nvCxnSpPr>
+          <p:spPr>
+            <a:xfrm>
+              <a:off x="4365429" y="1792225"/>
+              <a:ext cx="203200" cy="0"/>
+            </a:xfrm>
+            <a:prstGeom prst="straightConnector1">
+              <a:avLst/>
+            </a:prstGeom>
+            <a:ln w="12700">
+              <a:solidFill>
+                <a:schemeClr val="tx1"/>
+              </a:solidFill>
+              <a:headEnd w="sm" len="sm"/>
+              <a:tailEnd type="triangle" w="med" len="med"/>
+            </a:ln>
+          </p:spPr>
+          <p:style>
+            <a:lnRef idx="1">
+              <a:schemeClr val="accent1"/>
+            </a:lnRef>
+            <a:fillRef idx="0">
+              <a:schemeClr val="accent1"/>
+            </a:fillRef>
+            <a:effectRef idx="0">
+              <a:schemeClr val="accent1"/>
+            </a:effectRef>
+            <a:fontRef idx="minor">
+              <a:schemeClr val="tx1"/>
+            </a:fontRef>
+          </p:style>
+        </p:cxnSp>
+        <p:sp>
+          <p:nvSpPr>
+            <p:cNvPr id="28" name="TextBox 27"/>
+            <p:cNvSpPr txBox="1"/>
+            <p:nvPr/>
+          </p:nvSpPr>
+          <p:spPr>
+            <a:xfrm>
+              <a:off x="3600962" y="1615186"/>
+              <a:ext cx="817906" cy="215444"/>
+            </a:xfrm>
+            <a:prstGeom prst="rect">
+              <a:avLst/>
+            </a:prstGeom>
+            <a:noFill/>
+          </p:spPr>
+          <p:txBody>
+            <a:bodyPr wrap="square" rtlCol="0">
+              <a:spAutoFit/>
+            </a:bodyPr>
+            <a:lstStyle/>
+            <a:p>
+              <a:pPr algn="r"/>
+              <a:r>
+                <a:rPr lang="en-US" sz="800" dirty="0" smtClean="0">
+                  <a:latin typeface="Arial" pitchFamily="34" charset="0"/>
+                  <a:cs typeface="Arial" pitchFamily="34" charset="0"/>
+                </a:rPr>
+                <a:t>FIFO entries</a:t>
+              </a:r>
+            </a:p>
+          </p:txBody>
+        </p:sp>
+        <p:cxnSp>
+          <p:nvCxnSpPr>
+            <p:cNvPr id="29" name="Straight Arrow Connector 28"/>
+            <p:cNvCxnSpPr/>
+            <p:nvPr/>
+          </p:nvCxnSpPr>
+          <p:spPr>
+            <a:xfrm>
+              <a:off x="4363450" y="1907440"/>
+              <a:ext cx="205179" cy="0"/>
+            </a:xfrm>
+            <a:prstGeom prst="straightConnector1">
+              <a:avLst/>
+            </a:prstGeom>
+            <a:ln w="12700">
+              <a:solidFill>
+                <a:schemeClr val="tx1"/>
+              </a:solidFill>
+              <a:headEnd w="sm" len="sm"/>
+              <a:tailEnd type="triangle" w="med" len="med"/>
+            </a:ln>
+          </p:spPr>
+          <p:style>
+            <a:lnRef idx="1">
+              <a:schemeClr val="accent1"/>
+            </a:lnRef>
+            <a:fillRef idx="0">
+              <a:schemeClr val="accent1"/>
+            </a:fillRef>
+            <a:effectRef idx="0">
+              <a:schemeClr val="accent1"/>
+            </a:effectRef>
+            <a:fontRef idx="minor">
+              <a:schemeClr val="tx1"/>
+            </a:fontRef>
+          </p:style>
+        </p:cxnSp>
+        <p:cxnSp>
+          <p:nvCxnSpPr>
+            <p:cNvPr id="30" name="Straight Arrow Connector 29"/>
+            <p:cNvCxnSpPr/>
+            <p:nvPr/>
+          </p:nvCxnSpPr>
+          <p:spPr>
+            <a:xfrm>
+              <a:off x="4368800" y="2022655"/>
+              <a:ext cx="198275" cy="0"/>
+            </a:xfrm>
+            <a:prstGeom prst="straightConnector1">
+              <a:avLst/>
+            </a:prstGeom>
+            <a:ln w="12700">
+              <a:solidFill>
+                <a:schemeClr val="tx1"/>
+              </a:solidFill>
+              <a:headEnd w="sm" len="sm"/>
+              <a:tailEnd type="triangle" w="med" len="med"/>
+            </a:ln>
+          </p:spPr>
+          <p:style>
+            <a:lnRef idx="1">
+              <a:schemeClr val="accent1"/>
+            </a:lnRef>
+            <a:fillRef idx="0">
+              <a:schemeClr val="accent1"/>
+            </a:fillRef>
+            <a:effectRef idx="0">
+              <a:schemeClr val="accent1"/>
+            </a:effectRef>
+            <a:fontRef idx="minor">
+              <a:schemeClr val="tx1"/>
+            </a:fontRef>
+          </p:style>
+        </p:cxnSp>
+        <p:sp>
+          <p:nvSpPr>
+            <p:cNvPr id="31" name="TextBox 30"/>
+            <p:cNvSpPr txBox="1"/>
+            <p:nvPr/>
+          </p:nvSpPr>
+          <p:spPr>
+            <a:xfrm>
+              <a:off x="3600962" y="1792225"/>
+              <a:ext cx="817906" cy="215444"/>
+            </a:xfrm>
+            <a:prstGeom prst="rect">
+              <a:avLst/>
+            </a:prstGeom>
+            <a:noFill/>
+          </p:spPr>
+          <p:txBody>
+            <a:bodyPr wrap="square" rtlCol="0">
+              <a:spAutoFit/>
+            </a:bodyPr>
+            <a:lstStyle/>
+            <a:p>
+              <a:pPr algn="r"/>
+              <a:r>
+                <a:rPr lang="en-US" sz="800" dirty="0" smtClean="0">
+                  <a:latin typeface="Arial" pitchFamily="34" charset="0"/>
+                  <a:cs typeface="Arial" pitchFamily="34" charset="0"/>
+                </a:rPr>
+                <a:t>Previous </a:t>
+              </a:r>
+              <a:r>
+                <a:rPr lang="en-US" sz="800" dirty="0" err="1" smtClean="0">
+                  <a:latin typeface="Arial" pitchFamily="34" charset="0"/>
+                  <a:cs typeface="Arial" pitchFamily="34" charset="0"/>
+                </a:rPr>
+                <a:t>addr</a:t>
+              </a:r>
+              <a:endParaRPr lang="en-US" sz="800" dirty="0" smtClean="0">
+                <a:latin typeface="Arial" pitchFamily="34" charset="0"/>
+                <a:cs typeface="Arial" pitchFamily="34" charset="0"/>
+              </a:endParaRPr>
+            </a:p>
+          </p:txBody>
+        </p:sp>
+        <p:sp>
+          <p:nvSpPr>
+            <p:cNvPr id="32" name="TextBox 31"/>
+            <p:cNvSpPr txBox="1"/>
+            <p:nvPr/>
+          </p:nvSpPr>
+          <p:spPr>
+            <a:xfrm>
+              <a:off x="3702550" y="1914933"/>
+              <a:ext cx="716318" cy="215444"/>
+            </a:xfrm>
+            <a:prstGeom prst="rect">
+              <a:avLst/>
+            </a:prstGeom>
+            <a:noFill/>
+          </p:spPr>
+          <p:txBody>
+            <a:bodyPr wrap="square" rtlCol="0">
+              <a:spAutoFit/>
+            </a:bodyPr>
+            <a:lstStyle/>
+            <a:p>
+              <a:pPr algn="r"/>
+              <a:r>
+                <a:rPr lang="en-US" sz="800" dirty="0" smtClean="0">
+                  <a:latin typeface="Arial" pitchFamily="34" charset="0"/>
+                  <a:cs typeface="Arial" pitchFamily="34" charset="0"/>
+                </a:rPr>
+                <a:t>Constant 2</a:t>
+              </a:r>
+            </a:p>
+          </p:txBody>
+        </p:sp>
+      </p:grpSp>
+      <p:grpSp>
+        <p:nvGrpSpPr>
+          <p:cNvPr id="33" name="Group 32"/>
+          <p:cNvGrpSpPr/>
+          <p:nvPr/>
+        </p:nvGrpSpPr>
+        <p:grpSpPr>
+          <a:xfrm>
+            <a:off x="823119" y="1707624"/>
+            <a:ext cx="1129033" cy="537190"/>
+            <a:chOff x="3600962" y="1593187"/>
+            <a:chExt cx="1129033" cy="537190"/>
+          </a:xfrm>
+        </p:grpSpPr>
+        <p:sp>
+          <p:nvSpPr>
+            <p:cNvPr id="34" name="TextBox 33"/>
+            <p:cNvSpPr txBox="1"/>
+            <p:nvPr/>
+          </p:nvSpPr>
+          <p:spPr>
+            <a:xfrm rot="5400000">
+              <a:off x="4337054" y="1612688"/>
+              <a:ext cx="254445" cy="215444"/>
+            </a:xfrm>
+            <a:prstGeom prst="rect">
+              <a:avLst/>
+            </a:prstGeom>
+            <a:noFill/>
+          </p:spPr>
+          <p:txBody>
+            <a:bodyPr wrap="square" rtlCol="0">
+              <a:spAutoFit/>
+            </a:bodyPr>
+            <a:lstStyle/>
+            <a:p>
+              <a:r>
+                <a:rPr lang="en-US" sz="800" dirty="0" smtClean="0">
+                  <a:latin typeface="Arial" pitchFamily="34" charset="0"/>
+                  <a:cs typeface="Arial" pitchFamily="34" charset="0"/>
+                </a:rPr>
+                <a:t>…</a:t>
+              </a:r>
+            </a:p>
+          </p:txBody>
+        </p:sp>
+        <p:sp>
+          <p:nvSpPr>
+            <p:cNvPr id="35" name="Trapezoid 34"/>
+            <p:cNvSpPr/>
+            <p:nvPr/>
+          </p:nvSpPr>
+          <p:spPr>
+            <a:xfrm rot="5400000">
+              <a:off x="4401364" y="1770836"/>
+              <a:ext cx="499267" cy="157995"/>
+            </a:xfrm>
+            <a:prstGeom prst="trapezoid">
+              <a:avLst>
+                <a:gd name="adj" fmla="val 58611"/>
+              </a:avLst>
+            </a:prstGeom>
+            <a:solidFill>
+              <a:srgbClr val="FFFFCC"/>
+            </a:solidFill>
+            <a:ln w="12700">
+              <a:solidFill>
+                <a:schemeClr val="tx1"/>
+              </a:solidFill>
+            </a:ln>
+          </p:spPr>
+          <p:style>
+            <a:lnRef idx="2">
+              <a:schemeClr val="accent1">
+                <a:shade val="50000"/>
+              </a:schemeClr>
+            </a:lnRef>
+            <a:fillRef idx="1">
+              <a:schemeClr val="accent1"/>
+            </a:fillRef>
+            <a:effectRef idx="0">
+              <a:schemeClr val="accent1"/>
+            </a:effectRef>
+            <a:fontRef idx="minor">
+              <a:schemeClr val="lt1"/>
+            </a:fontRef>
+          </p:style>
+          <p:txBody>
+            <a:bodyPr vert="vert270" rtlCol="0" anchor="ctr"/>
+            <a:lstStyle/>
+            <a:p>
+              <a:pPr algn="ctr"/>
+              <a:r>
+                <a:rPr lang="en-US" sz="800" dirty="0" smtClean="0">
+                  <a:solidFill>
+                    <a:sysClr val="windowText" lastClr="000000"/>
+                  </a:solidFill>
+                  <a:latin typeface="Arial" pitchFamily="34" charset="0"/>
+                  <a:cs typeface="Arial" pitchFamily="34" charset="0"/>
+                </a:rPr>
+                <a:t>      </a:t>
+              </a:r>
+              <a:endParaRPr lang="en-US" sz="800" dirty="0">
+                <a:solidFill>
+                  <a:sysClr val="windowText" lastClr="000000"/>
+                </a:solidFill>
+                <a:latin typeface="Arial" pitchFamily="34" charset="0"/>
+                <a:cs typeface="Arial" pitchFamily="34" charset="0"/>
+              </a:endParaRPr>
+            </a:p>
+          </p:txBody>
+        </p:sp>
+        <p:cxnSp>
+          <p:nvCxnSpPr>
+            <p:cNvPr id="36" name="Straight Arrow Connector 35"/>
+            <p:cNvCxnSpPr/>
+            <p:nvPr/>
+          </p:nvCxnSpPr>
+          <p:spPr>
+            <a:xfrm>
+              <a:off x="4368800" y="1676400"/>
+              <a:ext cx="203200" cy="0"/>
+            </a:xfrm>
+            <a:prstGeom prst="straightConnector1">
+              <a:avLst/>
+            </a:prstGeom>
+            <a:ln w="12700">
+              <a:solidFill>
+                <a:schemeClr val="tx1"/>
+              </a:solidFill>
+              <a:headEnd w="sm" len="sm"/>
+              <a:tailEnd type="triangle" w="med" len="med"/>
+            </a:ln>
+          </p:spPr>
+          <p:style>
+            <a:lnRef idx="1">
+              <a:schemeClr val="accent1"/>
+            </a:lnRef>
+            <a:fillRef idx="0">
+              <a:schemeClr val="accent1"/>
+            </a:fillRef>
+            <a:effectRef idx="0">
+              <a:schemeClr val="accent1"/>
+            </a:effectRef>
+            <a:fontRef idx="minor">
+              <a:schemeClr val="tx1"/>
+            </a:fontRef>
+          </p:style>
+        </p:cxnSp>
+        <p:cxnSp>
+          <p:nvCxnSpPr>
+            <p:cNvPr id="37" name="Straight Arrow Connector 36"/>
+            <p:cNvCxnSpPr/>
+            <p:nvPr/>
+          </p:nvCxnSpPr>
+          <p:spPr>
+            <a:xfrm>
+              <a:off x="4365429" y="1792225"/>
+              <a:ext cx="203200" cy="0"/>
+            </a:xfrm>
+            <a:prstGeom prst="straightConnector1">
+              <a:avLst/>
+            </a:prstGeom>
+            <a:ln w="12700">
+              <a:solidFill>
+                <a:schemeClr val="tx1"/>
+              </a:solidFill>
+              <a:headEnd w="sm" len="sm"/>
+              <a:tailEnd type="triangle" w="med" len="med"/>
+            </a:ln>
+          </p:spPr>
+          <p:style>
+            <a:lnRef idx="1">
+              <a:schemeClr val="accent1"/>
+            </a:lnRef>
+            <a:fillRef idx="0">
+              <a:schemeClr val="accent1"/>
+            </a:fillRef>
+            <a:effectRef idx="0">
+              <a:schemeClr val="accent1"/>
+            </a:effectRef>
+            <a:fontRef idx="minor">
+              <a:schemeClr val="tx1"/>
+            </a:fontRef>
+          </p:style>
+        </p:cxnSp>
+        <p:sp>
+          <p:nvSpPr>
+            <p:cNvPr id="38" name="TextBox 37"/>
+            <p:cNvSpPr txBox="1"/>
+            <p:nvPr/>
+          </p:nvSpPr>
+          <p:spPr>
+            <a:xfrm>
+              <a:off x="3600962" y="1615186"/>
+              <a:ext cx="817906" cy="215444"/>
+            </a:xfrm>
+            <a:prstGeom prst="rect">
+              <a:avLst/>
+            </a:prstGeom>
+            <a:noFill/>
+          </p:spPr>
+          <p:txBody>
+            <a:bodyPr wrap="square" rtlCol="0">
+              <a:spAutoFit/>
+            </a:bodyPr>
+            <a:lstStyle/>
+            <a:p>
+              <a:pPr algn="r"/>
+              <a:r>
+                <a:rPr lang="en-US" sz="800" dirty="0" smtClean="0">
+                  <a:latin typeface="Arial" pitchFamily="34" charset="0"/>
+                  <a:cs typeface="Arial" pitchFamily="34" charset="0"/>
+                </a:rPr>
+                <a:t>FIFO entries</a:t>
+              </a:r>
+            </a:p>
+          </p:txBody>
+        </p:sp>
+        <p:cxnSp>
+          <p:nvCxnSpPr>
+            <p:cNvPr id="39" name="Straight Arrow Connector 38"/>
+            <p:cNvCxnSpPr/>
+            <p:nvPr/>
+          </p:nvCxnSpPr>
+          <p:spPr>
+            <a:xfrm>
+              <a:off x="4363450" y="1907440"/>
+              <a:ext cx="205179" cy="0"/>
+            </a:xfrm>
+            <a:prstGeom prst="straightConnector1">
+              <a:avLst/>
+            </a:prstGeom>
+            <a:ln w="12700">
+              <a:solidFill>
+                <a:schemeClr val="tx1"/>
+              </a:solidFill>
+              <a:headEnd w="sm" len="sm"/>
+              <a:tailEnd type="triangle" w="med" len="med"/>
+            </a:ln>
+          </p:spPr>
+          <p:style>
+            <a:lnRef idx="1">
+              <a:schemeClr val="accent1"/>
+            </a:lnRef>
+            <a:fillRef idx="0">
+              <a:schemeClr val="accent1"/>
+            </a:fillRef>
+            <a:effectRef idx="0">
+              <a:schemeClr val="accent1"/>
+            </a:effectRef>
+            <a:fontRef idx="minor">
+              <a:schemeClr val="tx1"/>
+            </a:fontRef>
+          </p:style>
+        </p:cxnSp>
+        <p:cxnSp>
+          <p:nvCxnSpPr>
+            <p:cNvPr id="40" name="Straight Arrow Connector 39"/>
+            <p:cNvCxnSpPr/>
+            <p:nvPr/>
+          </p:nvCxnSpPr>
+          <p:spPr>
+            <a:xfrm>
+              <a:off x="4368800" y="2022655"/>
+              <a:ext cx="198275" cy="0"/>
+            </a:xfrm>
+            <a:prstGeom prst="straightConnector1">
+              <a:avLst/>
+            </a:prstGeom>
+            <a:ln w="12700">
+              <a:solidFill>
+                <a:schemeClr val="tx1"/>
+              </a:solidFill>
+              <a:headEnd w="sm" len="sm"/>
+              <a:tailEnd type="triangle" w="med" len="med"/>
+            </a:ln>
+          </p:spPr>
+          <p:style>
+            <a:lnRef idx="1">
+              <a:schemeClr val="accent1"/>
+            </a:lnRef>
+            <a:fillRef idx="0">
+              <a:schemeClr val="accent1"/>
+            </a:fillRef>
+            <a:effectRef idx="0">
+              <a:schemeClr val="accent1"/>
+            </a:effectRef>
+            <a:fontRef idx="minor">
+              <a:schemeClr val="tx1"/>
+            </a:fontRef>
+          </p:style>
+        </p:cxnSp>
+        <p:sp>
+          <p:nvSpPr>
+            <p:cNvPr id="41" name="TextBox 40"/>
+            <p:cNvSpPr txBox="1"/>
+            <p:nvPr/>
+          </p:nvSpPr>
+          <p:spPr>
+            <a:xfrm>
+              <a:off x="3600962" y="1792225"/>
+              <a:ext cx="817906" cy="215444"/>
+            </a:xfrm>
+            <a:prstGeom prst="rect">
+              <a:avLst/>
+            </a:prstGeom>
+            <a:noFill/>
+          </p:spPr>
+          <p:txBody>
+            <a:bodyPr wrap="square" rtlCol="0">
+              <a:spAutoFit/>
+            </a:bodyPr>
+            <a:lstStyle/>
+            <a:p>
+              <a:pPr algn="r"/>
+              <a:r>
+                <a:rPr lang="en-US" sz="800" dirty="0" smtClean="0">
+                  <a:latin typeface="Arial" pitchFamily="34" charset="0"/>
+                  <a:cs typeface="Arial" pitchFamily="34" charset="0"/>
+                </a:rPr>
+                <a:t>Previous </a:t>
+              </a:r>
+              <a:r>
+                <a:rPr lang="en-US" sz="800" dirty="0" err="1" smtClean="0">
+                  <a:latin typeface="Arial" pitchFamily="34" charset="0"/>
+                  <a:cs typeface="Arial" pitchFamily="34" charset="0"/>
+                </a:rPr>
+                <a:t>addr</a:t>
+              </a:r>
+              <a:endParaRPr lang="en-US" sz="800" dirty="0" smtClean="0">
+                <a:latin typeface="Arial" pitchFamily="34" charset="0"/>
+                <a:cs typeface="Arial" pitchFamily="34" charset="0"/>
+              </a:endParaRPr>
+            </a:p>
+          </p:txBody>
+        </p:sp>
+        <p:sp>
+          <p:nvSpPr>
+            <p:cNvPr id="42" name="TextBox 41"/>
+            <p:cNvSpPr txBox="1"/>
+            <p:nvPr/>
+          </p:nvSpPr>
+          <p:spPr>
+            <a:xfrm>
+              <a:off x="3600962" y="1914933"/>
+              <a:ext cx="817906" cy="215444"/>
+            </a:xfrm>
+            <a:prstGeom prst="rect">
+              <a:avLst/>
+            </a:prstGeom>
+            <a:noFill/>
+          </p:spPr>
+          <p:txBody>
+            <a:bodyPr wrap="square" rtlCol="0">
+              <a:spAutoFit/>
+            </a:bodyPr>
+            <a:lstStyle/>
+            <a:p>
+              <a:pPr algn="r"/>
+              <a:r>
+                <a:rPr lang="en-US" sz="800" dirty="0" smtClean="0">
+                  <a:latin typeface="Arial" pitchFamily="34" charset="0"/>
+                  <a:cs typeface="Arial" pitchFamily="34" charset="0"/>
+                </a:rPr>
+                <a:t>Constant 3</a:t>
+              </a:r>
+            </a:p>
+          </p:txBody>
+        </p:sp>
+      </p:grpSp>
+      <p:grpSp>
+        <p:nvGrpSpPr>
+          <p:cNvPr id="43" name="Group 42"/>
+          <p:cNvGrpSpPr/>
+          <p:nvPr/>
+        </p:nvGrpSpPr>
+        <p:grpSpPr>
+          <a:xfrm>
+            <a:off x="2068781" y="278333"/>
+            <a:ext cx="495217" cy="585529"/>
+            <a:chOff x="1569499" y="3233317"/>
+            <a:chExt cx="458497" cy="614235"/>
+          </a:xfrm>
+        </p:grpSpPr>
+        <p:sp>
+          <p:nvSpPr>
+            <p:cNvPr id="44" name="Trapezoid 43"/>
+            <p:cNvSpPr/>
+            <p:nvPr/>
+          </p:nvSpPr>
+          <p:spPr>
+            <a:xfrm rot="5400000">
+              <a:off x="1501412" y="3320968"/>
+              <a:ext cx="614235" cy="438933"/>
+            </a:xfrm>
+            <a:prstGeom prst="trapezoid">
+              <a:avLst>
+                <a:gd name="adj" fmla="val 32198"/>
+              </a:avLst>
+            </a:prstGeom>
+            <a:solidFill>
+              <a:srgbClr val="FFFFCC"/>
+            </a:solidFill>
+            <a:ln w="12700">
+              <a:solidFill>
+                <a:schemeClr val="tx1"/>
+              </a:solidFill>
+            </a:ln>
+          </p:spPr>
+          <p:style>
+            <a:lnRef idx="2">
+              <a:schemeClr val="accent1">
+                <a:shade val="50000"/>
+              </a:schemeClr>
+            </a:lnRef>
+            <a:fillRef idx="1">
+              <a:schemeClr val="accent1"/>
+            </a:fillRef>
+            <a:effectRef idx="0">
+              <a:schemeClr val="accent1"/>
+            </a:effectRef>
+            <a:fontRef idx="minor">
+              <a:schemeClr val="lt1"/>
+            </a:fontRef>
+          </p:style>
+          <p:txBody>
+            <a:bodyPr vert="vert270" rtlCol="0" anchor="ctr" anchorCtr="0"/>
+            <a:lstStyle/>
+            <a:p>
+              <a:pPr algn="ctr"/>
+              <a:endParaRPr lang="en-US" sz="800" dirty="0">
+                <a:solidFill>
+                  <a:sysClr val="windowText" lastClr="000000"/>
+                </a:solidFill>
+                <a:latin typeface="Arial" pitchFamily="34" charset="0"/>
+                <a:cs typeface="Arial" pitchFamily="34" charset="0"/>
+              </a:endParaRPr>
+            </a:p>
+          </p:txBody>
+        </p:sp>
+        <p:sp>
+          <p:nvSpPr>
+            <p:cNvPr id="45" name="Isosceles Triangle 44"/>
+            <p:cNvSpPr/>
+            <p:nvPr/>
+          </p:nvSpPr>
+          <p:spPr>
+            <a:xfrm rot="5400000">
+              <a:off x="1568302" y="3465547"/>
+              <a:ext cx="211562" cy="165279"/>
+            </a:xfrm>
+            <a:prstGeom prst="triangle">
+              <a:avLst/>
+            </a:prstGeom>
+            <a:solidFill>
+              <a:schemeClr val="bg1"/>
+            </a:solidFill>
+            <a:ln w="12700">
+              <a:solidFill>
+                <a:schemeClr val="tx1"/>
+              </a:solidFill>
+            </a:ln>
+          </p:spPr>
+          <p:style>
+            <a:lnRef idx="2">
+              <a:schemeClr val="accent1">
+                <a:shade val="50000"/>
+              </a:schemeClr>
+            </a:lnRef>
+            <a:fillRef idx="1">
+              <a:schemeClr val="accent1"/>
+            </a:fillRef>
+            <a:effectRef idx="0">
+              <a:schemeClr val="accent1"/>
+            </a:effectRef>
+            <a:fontRef idx="minor">
+              <a:schemeClr val="lt1"/>
+            </a:fontRef>
+          </p:style>
+          <p:txBody>
+            <a:bodyPr rtlCol="0" anchor="ctr"/>
+            <a:lstStyle/>
+            <a:p>
+              <a:pPr algn="ctr"/>
+              <a:endParaRPr lang="en-US" sz="800">
+                <a:latin typeface="Arial" pitchFamily="34" charset="0"/>
+                <a:cs typeface="Arial" pitchFamily="34" charset="0"/>
+              </a:endParaRPr>
+            </a:p>
+          </p:txBody>
+        </p:sp>
+        <p:sp>
+          <p:nvSpPr>
+            <p:cNvPr id="46" name="Isosceles Triangle 45"/>
+            <p:cNvSpPr/>
+            <p:nvPr/>
+          </p:nvSpPr>
+          <p:spPr>
+            <a:xfrm rot="5400000">
+              <a:off x="1545492" y="3466413"/>
+              <a:ext cx="211561" cy="163548"/>
+            </a:xfrm>
+            <a:prstGeom prst="triangle">
+              <a:avLst/>
+            </a:prstGeom>
+            <a:solidFill>
+              <a:schemeClr val="bg1"/>
+            </a:solidFill>
+            <a:ln w="12700">
+              <a:solidFill>
+                <a:schemeClr val="bg1"/>
+              </a:solidFill>
+            </a:ln>
+          </p:spPr>
+          <p:style>
+            <a:lnRef idx="2">
+              <a:schemeClr val="accent1">
+                <a:shade val="50000"/>
+              </a:schemeClr>
+            </a:lnRef>
+            <a:fillRef idx="1">
+              <a:schemeClr val="accent1"/>
+            </a:fillRef>
+            <a:effectRef idx="0">
+              <a:schemeClr val="accent1"/>
+            </a:effectRef>
+            <a:fontRef idx="minor">
+              <a:schemeClr val="lt1"/>
+            </a:fontRef>
+          </p:style>
+          <p:txBody>
+            <a:bodyPr rtlCol="0" anchor="ctr"/>
+            <a:lstStyle/>
+            <a:p>
+              <a:pPr algn="ctr"/>
+              <a:endParaRPr lang="en-US" sz="800">
+                <a:latin typeface="Arial" pitchFamily="34" charset="0"/>
+                <a:cs typeface="Arial" pitchFamily="34" charset="0"/>
+              </a:endParaRPr>
+            </a:p>
+          </p:txBody>
+        </p:sp>
+      </p:grpSp>
+      <p:sp>
+        <p:nvSpPr>
+          <p:cNvPr id="47" name="TextBox 46"/>
+          <p:cNvSpPr txBox="1"/>
+          <p:nvPr/>
+        </p:nvSpPr>
+        <p:spPr>
+          <a:xfrm>
+            <a:off x="2225809" y="463375"/>
+            <a:ext cx="398901" cy="215444"/>
+          </a:xfrm>
+          <a:prstGeom prst="rect">
+            <a:avLst/>
+          </a:prstGeom>
+          <a:noFill/>
+        </p:spPr>
+        <p:txBody>
+          <a:bodyPr wrap="square" rtlCol="0">
+            <a:spAutoFit/>
+          </a:bodyPr>
+          <a:lstStyle/>
+          <a:p>
+            <a:r>
+              <a:rPr lang="en-US" sz="800" dirty="0" smtClean="0">
+                <a:latin typeface="Arial" pitchFamily="34" charset="0"/>
+                <a:cs typeface="Arial" pitchFamily="34" charset="0"/>
+              </a:rPr>
+              <a:t>ALU</a:t>
+            </a:r>
+          </a:p>
+        </p:txBody>
+      </p:sp>
+      <p:grpSp>
+        <p:nvGrpSpPr>
+          <p:cNvPr id="48" name="Group 47"/>
+          <p:cNvGrpSpPr/>
+          <p:nvPr/>
+        </p:nvGrpSpPr>
+        <p:grpSpPr>
+          <a:xfrm>
+            <a:off x="2068781" y="1383949"/>
+            <a:ext cx="495217" cy="585529"/>
+            <a:chOff x="1569499" y="3233317"/>
+            <a:chExt cx="458497" cy="614235"/>
+          </a:xfrm>
+        </p:grpSpPr>
+        <p:sp>
+          <p:nvSpPr>
+            <p:cNvPr id="49" name="Trapezoid 48"/>
+            <p:cNvSpPr/>
+            <p:nvPr/>
+          </p:nvSpPr>
+          <p:spPr>
+            <a:xfrm rot="5400000">
+              <a:off x="1501412" y="3320968"/>
+              <a:ext cx="614235" cy="438933"/>
+            </a:xfrm>
+            <a:prstGeom prst="trapezoid">
+              <a:avLst>
+                <a:gd name="adj" fmla="val 32198"/>
+              </a:avLst>
+            </a:prstGeom>
+            <a:solidFill>
+              <a:srgbClr val="FFFFCC"/>
+            </a:solidFill>
+            <a:ln w="12700">
+              <a:solidFill>
+                <a:schemeClr val="tx1"/>
+              </a:solidFill>
+            </a:ln>
+          </p:spPr>
+          <p:style>
+            <a:lnRef idx="2">
+              <a:schemeClr val="accent1">
+                <a:shade val="50000"/>
+              </a:schemeClr>
+            </a:lnRef>
+            <a:fillRef idx="1">
+              <a:schemeClr val="accent1"/>
+            </a:fillRef>
+            <a:effectRef idx="0">
+              <a:schemeClr val="accent1"/>
+            </a:effectRef>
+            <a:fontRef idx="minor">
+              <a:schemeClr val="lt1"/>
+            </a:fontRef>
+          </p:style>
+          <p:txBody>
+            <a:bodyPr vert="vert270" rtlCol="0" anchor="ctr" anchorCtr="0"/>
+            <a:lstStyle/>
+            <a:p>
+              <a:pPr algn="ctr"/>
+              <a:endParaRPr lang="en-US" sz="800" dirty="0">
+                <a:solidFill>
+                  <a:sysClr val="windowText" lastClr="000000"/>
+                </a:solidFill>
+                <a:latin typeface="Arial" pitchFamily="34" charset="0"/>
+                <a:cs typeface="Arial" pitchFamily="34" charset="0"/>
+              </a:endParaRPr>
+            </a:p>
+          </p:txBody>
+        </p:sp>
+        <p:sp>
+          <p:nvSpPr>
+            <p:cNvPr id="50" name="Isosceles Triangle 49"/>
+            <p:cNvSpPr/>
+            <p:nvPr/>
+          </p:nvSpPr>
+          <p:spPr>
+            <a:xfrm rot="5400000">
+              <a:off x="1568302" y="3465547"/>
+              <a:ext cx="211562" cy="165279"/>
+            </a:xfrm>
+            <a:prstGeom prst="triangle">
+              <a:avLst/>
+            </a:prstGeom>
+            <a:solidFill>
+              <a:schemeClr val="bg1"/>
+            </a:solidFill>
+            <a:ln w="12700">
+              <a:solidFill>
+                <a:schemeClr val="tx1"/>
+              </a:solidFill>
+            </a:ln>
+          </p:spPr>
+          <p:style>
+            <a:lnRef idx="2">
+              <a:schemeClr val="accent1">
+                <a:shade val="50000"/>
+              </a:schemeClr>
+            </a:lnRef>
+            <a:fillRef idx="1">
+              <a:schemeClr val="accent1"/>
+            </a:fillRef>
+            <a:effectRef idx="0">
+              <a:schemeClr val="accent1"/>
+            </a:effectRef>
+            <a:fontRef idx="minor">
+              <a:schemeClr val="lt1"/>
+            </a:fontRef>
+          </p:style>
+          <p:txBody>
+            <a:bodyPr rtlCol="0" anchor="ctr"/>
+            <a:lstStyle/>
+            <a:p>
+              <a:pPr algn="ctr"/>
+              <a:endParaRPr lang="en-US" sz="800">
+                <a:latin typeface="Arial" pitchFamily="34" charset="0"/>
+                <a:cs typeface="Arial" pitchFamily="34" charset="0"/>
+              </a:endParaRPr>
+            </a:p>
+          </p:txBody>
+        </p:sp>
+        <p:sp>
+          <p:nvSpPr>
+            <p:cNvPr id="51" name="Isosceles Triangle 50"/>
+            <p:cNvSpPr/>
+            <p:nvPr/>
+          </p:nvSpPr>
+          <p:spPr>
+            <a:xfrm rot="5400000">
+              <a:off x="1545492" y="3466413"/>
+              <a:ext cx="211561" cy="163548"/>
+            </a:xfrm>
+            <a:prstGeom prst="triangle">
+              <a:avLst/>
+            </a:prstGeom>
+            <a:solidFill>
+              <a:schemeClr val="bg1"/>
+            </a:solidFill>
+            <a:ln w="12700">
+              <a:solidFill>
+                <a:schemeClr val="bg1"/>
+              </a:solidFill>
+            </a:ln>
+          </p:spPr>
+          <p:style>
+            <a:lnRef idx="2">
+              <a:schemeClr val="accent1">
+                <a:shade val="50000"/>
+              </a:schemeClr>
+            </a:lnRef>
+            <a:fillRef idx="1">
+              <a:schemeClr val="accent1"/>
+            </a:fillRef>
+            <a:effectRef idx="0">
+              <a:schemeClr val="accent1"/>
+            </a:effectRef>
+            <a:fontRef idx="minor">
+              <a:schemeClr val="lt1"/>
+            </a:fontRef>
+          </p:style>
+          <p:txBody>
+            <a:bodyPr rtlCol="0" anchor="ctr"/>
+            <a:lstStyle/>
+            <a:p>
+              <a:pPr algn="ctr"/>
+              <a:endParaRPr lang="en-US" sz="800">
+                <a:latin typeface="Arial" pitchFamily="34" charset="0"/>
+                <a:cs typeface="Arial" pitchFamily="34" charset="0"/>
+              </a:endParaRPr>
+            </a:p>
+          </p:txBody>
+        </p:sp>
+      </p:grpSp>
+      <p:sp>
+        <p:nvSpPr>
+          <p:cNvPr id="52" name="TextBox 51"/>
+          <p:cNvSpPr txBox="1"/>
+          <p:nvPr/>
+        </p:nvSpPr>
+        <p:spPr>
+          <a:xfrm>
+            <a:off x="2225809" y="1568991"/>
+            <a:ext cx="398901" cy="215444"/>
+          </a:xfrm>
+          <a:prstGeom prst="rect">
+            <a:avLst/>
+          </a:prstGeom>
+          <a:noFill/>
+        </p:spPr>
+        <p:txBody>
+          <a:bodyPr wrap="square" rtlCol="0">
+            <a:spAutoFit/>
+          </a:bodyPr>
+          <a:lstStyle/>
+          <a:p>
+            <a:r>
+              <a:rPr lang="en-US" sz="800" dirty="0" smtClean="0">
+                <a:latin typeface="Arial" pitchFamily="34" charset="0"/>
+                <a:cs typeface="Arial" pitchFamily="34" charset="0"/>
+              </a:rPr>
+              <a:t>ALU</a:t>
+            </a:r>
+          </a:p>
+        </p:txBody>
+      </p:sp>
+      <p:cxnSp>
+        <p:nvCxnSpPr>
+          <p:cNvPr id="53" name="Straight Arrow Connector 52"/>
+          <p:cNvCxnSpPr/>
+          <p:nvPr/>
+        </p:nvCxnSpPr>
+        <p:spPr>
+          <a:xfrm>
+            <a:off x="1952152" y="376419"/>
+            <a:ext cx="140331" cy="0"/>
+          </a:xfrm>
+          <a:prstGeom prst="straightConnector1">
+            <a:avLst/>
+          </a:prstGeom>
+          <a:ln w="12700">
+            <a:solidFill>
+              <a:schemeClr val="tx1"/>
+            </a:solidFill>
+            <a:headEnd w="sm" len="sm"/>
+            <a:tailEnd type="triangle" w="med" len="med"/>
+          </a:ln>
+        </p:spPr>
+        <p:style>
+          <a:lnRef idx="1">
+            <a:schemeClr val="accent1"/>
+          </a:lnRef>
+          <a:fillRef idx="0">
+            <a:schemeClr val="accent1"/>
+          </a:fillRef>
+          <a:effectRef idx="0">
+            <a:schemeClr val="accent1"/>
+          </a:effectRef>
+          <a:fontRef idx="minor">
+            <a:schemeClr val="tx1"/>
+          </a:fontRef>
+        </p:style>
+      </p:cxnSp>
+      <p:cxnSp>
+        <p:nvCxnSpPr>
+          <p:cNvPr id="54" name="Straight Arrow Connector 53"/>
+          <p:cNvCxnSpPr/>
+          <p:nvPr/>
+        </p:nvCxnSpPr>
+        <p:spPr>
+          <a:xfrm>
+            <a:off x="1952152" y="785424"/>
+            <a:ext cx="140331" cy="0"/>
+          </a:xfrm>
+          <a:prstGeom prst="straightConnector1">
+            <a:avLst/>
+          </a:prstGeom>
+          <a:ln w="12700">
+            <a:solidFill>
+              <a:schemeClr val="tx1"/>
+            </a:solidFill>
+            <a:headEnd w="sm" len="sm"/>
+            <a:tailEnd type="triangle" w="med" len="med"/>
+          </a:ln>
+        </p:spPr>
+        <p:style>
+          <a:lnRef idx="1">
+            <a:schemeClr val="accent1"/>
+          </a:lnRef>
+          <a:fillRef idx="0">
+            <a:schemeClr val="accent1"/>
+          </a:fillRef>
+          <a:effectRef idx="0">
+            <a:schemeClr val="accent1"/>
+          </a:effectRef>
+          <a:fontRef idx="minor">
+            <a:schemeClr val="tx1"/>
+          </a:fontRef>
+        </p:style>
+      </p:cxnSp>
+      <p:cxnSp>
+        <p:nvCxnSpPr>
+          <p:cNvPr id="55" name="Straight Arrow Connector 54"/>
+          <p:cNvCxnSpPr/>
+          <p:nvPr/>
+        </p:nvCxnSpPr>
+        <p:spPr>
+          <a:xfrm>
+            <a:off x="1952592" y="1481329"/>
+            <a:ext cx="140331" cy="0"/>
+          </a:xfrm>
+          <a:prstGeom prst="straightConnector1">
+            <a:avLst/>
+          </a:prstGeom>
+          <a:ln w="12700">
+            <a:solidFill>
+              <a:schemeClr val="tx1"/>
+            </a:solidFill>
+            <a:headEnd w="sm" len="sm"/>
+            <a:tailEnd type="triangle" w="med" len="med"/>
+          </a:ln>
+        </p:spPr>
+        <p:style>
+          <a:lnRef idx="1">
+            <a:schemeClr val="accent1"/>
+          </a:lnRef>
+          <a:fillRef idx="0">
+            <a:schemeClr val="accent1"/>
+          </a:fillRef>
+          <a:effectRef idx="0">
+            <a:schemeClr val="accent1"/>
+          </a:effectRef>
+          <a:fontRef idx="minor">
+            <a:schemeClr val="tx1"/>
+          </a:fontRef>
+        </p:style>
+      </p:cxnSp>
+      <p:cxnSp>
+        <p:nvCxnSpPr>
+          <p:cNvPr id="56" name="Straight Arrow Connector 55"/>
+          <p:cNvCxnSpPr/>
+          <p:nvPr/>
+        </p:nvCxnSpPr>
+        <p:spPr>
+          <a:xfrm>
+            <a:off x="1948991" y="1899169"/>
+            <a:ext cx="140331" cy="0"/>
+          </a:xfrm>
+          <a:prstGeom prst="straightConnector1">
+            <a:avLst/>
+          </a:prstGeom>
+          <a:ln w="12700">
+            <a:solidFill>
+              <a:schemeClr val="tx1"/>
+            </a:solidFill>
+            <a:headEnd w="sm" len="sm"/>
+            <a:tailEnd type="triangle" w="med" len="med"/>
+          </a:ln>
+        </p:spPr>
+        <p:style>
+          <a:lnRef idx="1">
+            <a:schemeClr val="accent1"/>
+          </a:lnRef>
+          <a:fillRef idx="0">
+            <a:schemeClr val="accent1"/>
+          </a:fillRef>
+          <a:effectRef idx="0">
+            <a:schemeClr val="accent1"/>
+          </a:effectRef>
+          <a:fontRef idx="minor">
+            <a:schemeClr val="tx1"/>
+          </a:fontRef>
+        </p:style>
+      </p:cxnSp>
+      <p:sp>
+        <p:nvSpPr>
+          <p:cNvPr id="57" name="Rectangle 56"/>
+          <p:cNvSpPr/>
+          <p:nvPr/>
+        </p:nvSpPr>
+        <p:spPr>
+          <a:xfrm>
+            <a:off x="2433410" y="946658"/>
+            <a:ext cx="463493" cy="348981"/>
+          </a:xfrm>
+          <a:prstGeom prst="rect">
+            <a:avLst/>
+          </a:prstGeom>
+          <a:solidFill>
+            <a:srgbClr val="FFFFCC"/>
+          </a:solidFill>
+          <a:ln w="12700">
+            <a:solidFill>
+              <a:schemeClr val="tx1"/>
+            </a:solidFill>
+          </a:ln>
+        </p:spPr>
+        <p:style>
+          <a:lnRef idx="2">
+            <a:schemeClr val="accent1">
+              <a:shade val="50000"/>
+            </a:schemeClr>
+          </a:lnRef>
+          <a:fillRef idx="1">
+            <a:schemeClr val="accent1"/>
+          </a:fillRef>
+          <a:effectRef idx="0">
+            <a:schemeClr val="accent1"/>
+          </a:effectRef>
+          <a:fontRef idx="minor">
+            <a:schemeClr val="lt1"/>
+          </a:fontRef>
+        </p:style>
+        <p:txBody>
+          <a:bodyPr rtlCol="0" anchor="ctr"/>
+          <a:lstStyle/>
+          <a:p>
+            <a:pPr algn="ctr"/>
+            <a:r>
+              <a:rPr lang="en-US" sz="800" dirty="0" smtClean="0">
+                <a:solidFill>
+                  <a:sysClr val="windowText" lastClr="000000"/>
+                </a:solidFill>
+                <a:latin typeface="Arial" pitchFamily="34" charset="0"/>
+                <a:cs typeface="Arial" pitchFamily="34" charset="0"/>
+              </a:rPr>
+              <a:t>MISP/</a:t>
+            </a:r>
+          </a:p>
+          <a:p>
+            <a:pPr algn="ctr"/>
+            <a:r>
+              <a:rPr lang="en-US" sz="800" dirty="0" smtClean="0">
+                <a:solidFill>
+                  <a:sysClr val="windowText" lastClr="000000"/>
+                </a:solidFill>
+                <a:latin typeface="Arial" pitchFamily="34" charset="0"/>
+                <a:cs typeface="Arial" pitchFamily="34" charset="0"/>
+              </a:rPr>
+              <a:t>MIT</a:t>
+            </a:r>
+            <a:endParaRPr lang="en-US" sz="800" dirty="0">
+              <a:solidFill>
+                <a:sysClr val="windowText" lastClr="000000"/>
+              </a:solidFill>
+              <a:latin typeface="Arial" pitchFamily="34" charset="0"/>
+              <a:cs typeface="Arial" pitchFamily="34" charset="0"/>
+            </a:endParaRPr>
+          </a:p>
+        </p:txBody>
+      </p:sp>
+      <p:sp>
+        <p:nvSpPr>
+          <p:cNvPr id="58" name="Rectangle 57"/>
+          <p:cNvSpPr/>
+          <p:nvPr/>
+        </p:nvSpPr>
+        <p:spPr>
+          <a:xfrm>
+            <a:off x="3196444" y="801217"/>
+            <a:ext cx="310819" cy="166910"/>
+          </a:xfrm>
+          <a:prstGeom prst="rect">
+            <a:avLst/>
+          </a:prstGeom>
+          <a:solidFill>
+            <a:srgbClr val="FFFFCC"/>
+          </a:solidFill>
+          <a:ln w="12700">
+            <a:solidFill>
+              <a:schemeClr val="tx1"/>
+            </a:solidFill>
+          </a:ln>
+        </p:spPr>
+        <p:style>
+          <a:lnRef idx="2">
+            <a:schemeClr val="accent1">
+              <a:shade val="50000"/>
+            </a:schemeClr>
+          </a:lnRef>
+          <a:fillRef idx="1">
+            <a:schemeClr val="accent1"/>
+          </a:fillRef>
+          <a:effectRef idx="0">
+            <a:schemeClr val="accent1"/>
+          </a:effectRef>
+          <a:fontRef idx="minor">
+            <a:schemeClr val="lt1"/>
+          </a:fontRef>
+        </p:style>
+        <p:txBody>
+          <a:bodyPr rtlCol="0" anchor="ctr"/>
+          <a:lstStyle/>
+          <a:p>
+            <a:pPr algn="ctr"/>
+            <a:r>
+              <a:rPr lang="en-US" sz="800" dirty="0" smtClean="0">
+                <a:solidFill>
+                  <a:sysClr val="windowText" lastClr="000000"/>
+                </a:solidFill>
+                <a:latin typeface="Arial" pitchFamily="34" charset="0"/>
+                <a:cs typeface="Arial" pitchFamily="34" charset="0"/>
+              </a:rPr>
+              <a:t>00</a:t>
+            </a:r>
+            <a:endParaRPr lang="en-US" sz="800" dirty="0">
+              <a:solidFill>
+                <a:sysClr val="windowText" lastClr="000000"/>
+              </a:solidFill>
+              <a:latin typeface="Arial" pitchFamily="34" charset="0"/>
+              <a:cs typeface="Arial" pitchFamily="34" charset="0"/>
+            </a:endParaRPr>
+          </a:p>
+        </p:txBody>
+      </p:sp>
+      <p:sp>
+        <p:nvSpPr>
+          <p:cNvPr id="59" name="Rectangle 58"/>
+          <p:cNvSpPr/>
+          <p:nvPr/>
+        </p:nvSpPr>
+        <p:spPr>
+          <a:xfrm>
+            <a:off x="3196444" y="967529"/>
+            <a:ext cx="310819" cy="166910"/>
+          </a:xfrm>
+          <a:prstGeom prst="rect">
+            <a:avLst/>
+          </a:prstGeom>
+          <a:solidFill>
+            <a:srgbClr val="FFFFCC"/>
+          </a:solidFill>
+          <a:ln w="12700">
+            <a:solidFill>
+              <a:schemeClr val="tx1"/>
+            </a:solidFill>
+          </a:ln>
+        </p:spPr>
+        <p:style>
+          <a:lnRef idx="2">
+            <a:schemeClr val="accent1">
+              <a:shade val="50000"/>
+            </a:schemeClr>
+          </a:lnRef>
+          <a:fillRef idx="1">
+            <a:schemeClr val="accent1"/>
+          </a:fillRef>
+          <a:effectRef idx="0">
+            <a:schemeClr val="accent1"/>
+          </a:effectRef>
+          <a:fontRef idx="minor">
+            <a:schemeClr val="lt1"/>
+          </a:fontRef>
+        </p:style>
+        <p:txBody>
+          <a:bodyPr rtlCol="0" anchor="ctr"/>
+          <a:lstStyle/>
+          <a:p>
+            <a:pPr algn="ctr"/>
+            <a:r>
+              <a:rPr lang="en-US" sz="800" dirty="0" smtClean="0">
+                <a:solidFill>
+                  <a:sysClr val="windowText" lastClr="000000"/>
+                </a:solidFill>
+                <a:latin typeface="Arial" pitchFamily="34" charset="0"/>
+                <a:cs typeface="Arial" pitchFamily="34" charset="0"/>
+              </a:rPr>
+              <a:t>01</a:t>
+            </a:r>
+            <a:endParaRPr lang="en-US" sz="800" dirty="0">
+              <a:solidFill>
+                <a:sysClr val="windowText" lastClr="000000"/>
+              </a:solidFill>
+              <a:latin typeface="Arial" pitchFamily="34" charset="0"/>
+              <a:cs typeface="Arial" pitchFamily="34" charset="0"/>
+            </a:endParaRPr>
+          </a:p>
+        </p:txBody>
+      </p:sp>
+      <p:sp>
+        <p:nvSpPr>
+          <p:cNvPr id="60" name="Rectangle 59"/>
+          <p:cNvSpPr/>
+          <p:nvPr/>
+        </p:nvSpPr>
+        <p:spPr>
+          <a:xfrm>
+            <a:off x="3196444" y="1121149"/>
+            <a:ext cx="310819" cy="166910"/>
+          </a:xfrm>
+          <a:prstGeom prst="rect">
+            <a:avLst/>
+          </a:prstGeom>
+          <a:solidFill>
+            <a:srgbClr val="FFFFCC"/>
+          </a:solidFill>
+          <a:ln w="12700">
+            <a:solidFill>
+              <a:schemeClr val="tx1"/>
+            </a:solidFill>
+          </a:ln>
+        </p:spPr>
+        <p:style>
+          <a:lnRef idx="2">
+            <a:schemeClr val="accent1">
+              <a:shade val="50000"/>
+            </a:schemeClr>
+          </a:lnRef>
+          <a:fillRef idx="1">
+            <a:schemeClr val="accent1"/>
+          </a:fillRef>
+          <a:effectRef idx="0">
+            <a:schemeClr val="accent1"/>
+          </a:effectRef>
+          <a:fontRef idx="minor">
+            <a:schemeClr val="lt1"/>
+          </a:fontRef>
+        </p:style>
+        <p:txBody>
+          <a:bodyPr rtlCol="0" anchor="ctr"/>
+          <a:lstStyle/>
+          <a:p>
+            <a:pPr algn="ctr"/>
+            <a:r>
+              <a:rPr lang="en-US" sz="800" dirty="0">
+                <a:solidFill>
+                  <a:sysClr val="windowText" lastClr="000000"/>
+                </a:solidFill>
+                <a:latin typeface="Arial" pitchFamily="34" charset="0"/>
+                <a:cs typeface="Arial" pitchFamily="34" charset="0"/>
+              </a:rPr>
+              <a:t>1</a:t>
+            </a:r>
+            <a:r>
+              <a:rPr lang="en-US" sz="800" dirty="0" smtClean="0">
+                <a:solidFill>
+                  <a:sysClr val="windowText" lastClr="000000"/>
+                </a:solidFill>
+                <a:latin typeface="Arial" pitchFamily="34" charset="0"/>
+                <a:cs typeface="Arial" pitchFamily="34" charset="0"/>
+              </a:rPr>
+              <a:t>0</a:t>
+            </a:r>
+            <a:endParaRPr lang="en-US" sz="800" dirty="0">
+              <a:solidFill>
+                <a:sysClr val="windowText" lastClr="000000"/>
+              </a:solidFill>
+              <a:latin typeface="Arial" pitchFamily="34" charset="0"/>
+              <a:cs typeface="Arial" pitchFamily="34" charset="0"/>
+            </a:endParaRPr>
+          </a:p>
+        </p:txBody>
+      </p:sp>
+      <p:sp>
+        <p:nvSpPr>
+          <p:cNvPr id="61" name="Rectangle 60"/>
+          <p:cNvSpPr/>
+          <p:nvPr/>
+        </p:nvSpPr>
+        <p:spPr>
+          <a:xfrm>
+            <a:off x="3196444" y="1274769"/>
+            <a:ext cx="310819" cy="166910"/>
+          </a:xfrm>
+          <a:prstGeom prst="rect">
+            <a:avLst/>
+          </a:prstGeom>
+          <a:solidFill>
+            <a:srgbClr val="FFFFCC"/>
+          </a:solidFill>
+          <a:ln w="12700">
+            <a:solidFill>
+              <a:schemeClr val="tx1"/>
+            </a:solidFill>
+          </a:ln>
+        </p:spPr>
+        <p:style>
+          <a:lnRef idx="2">
+            <a:schemeClr val="accent1">
+              <a:shade val="50000"/>
+            </a:schemeClr>
+          </a:lnRef>
+          <a:fillRef idx="1">
+            <a:schemeClr val="accent1"/>
+          </a:fillRef>
+          <a:effectRef idx="0">
+            <a:schemeClr val="accent1"/>
+          </a:effectRef>
+          <a:fontRef idx="minor">
+            <a:schemeClr val="lt1"/>
+          </a:fontRef>
+        </p:style>
+        <p:txBody>
+          <a:bodyPr rtlCol="0" anchor="ctr"/>
+          <a:lstStyle/>
+          <a:p>
+            <a:pPr algn="ctr"/>
+            <a:r>
+              <a:rPr lang="en-US" sz="800" dirty="0" smtClean="0">
+                <a:solidFill>
+                  <a:sysClr val="windowText" lastClr="000000"/>
+                </a:solidFill>
+                <a:latin typeface="Arial" pitchFamily="34" charset="0"/>
+                <a:cs typeface="Arial" pitchFamily="34" charset="0"/>
+              </a:rPr>
+              <a:t>11</a:t>
+            </a:r>
+            <a:endParaRPr lang="en-US" sz="800" dirty="0">
+              <a:solidFill>
+                <a:sysClr val="windowText" lastClr="000000"/>
+              </a:solidFill>
+              <a:latin typeface="Arial" pitchFamily="34" charset="0"/>
+              <a:cs typeface="Arial" pitchFamily="34" charset="0"/>
+            </a:endParaRPr>
+          </a:p>
+        </p:txBody>
+      </p:sp>
+      <p:sp>
+        <p:nvSpPr>
+          <p:cNvPr id="62" name="Rectangle 61"/>
+          <p:cNvSpPr/>
+          <p:nvPr/>
+        </p:nvSpPr>
+        <p:spPr>
+          <a:xfrm>
+            <a:off x="3499369" y="801217"/>
+            <a:ext cx="307240" cy="166910"/>
+          </a:xfrm>
+          <a:prstGeom prst="rect">
+            <a:avLst/>
+          </a:prstGeom>
+          <a:solidFill>
+            <a:srgbClr val="FFFFCC"/>
+          </a:solidFill>
+          <a:ln w="12700">
+            <a:solidFill>
+              <a:schemeClr val="tx1"/>
+            </a:solidFill>
+          </a:ln>
+        </p:spPr>
+        <p:style>
+          <a:lnRef idx="2">
+            <a:schemeClr val="accent1">
+              <a:shade val="50000"/>
+            </a:schemeClr>
+          </a:lnRef>
+          <a:fillRef idx="1">
+            <a:schemeClr val="accent1"/>
+          </a:fillRef>
+          <a:effectRef idx="0">
+            <a:schemeClr val="accent1"/>
+          </a:effectRef>
+          <a:fontRef idx="minor">
+            <a:schemeClr val="lt1"/>
+          </a:fontRef>
+        </p:style>
+        <p:txBody>
+          <a:bodyPr rtlCol="0" anchor="ctr"/>
+          <a:lstStyle/>
+          <a:p>
+            <a:pPr algn="ctr"/>
+            <a:endParaRPr lang="en-US" sz="800" dirty="0">
+              <a:solidFill>
+                <a:sysClr val="windowText" lastClr="000000"/>
+              </a:solidFill>
+              <a:latin typeface="Arial" pitchFamily="34" charset="0"/>
+              <a:cs typeface="Arial" pitchFamily="34" charset="0"/>
+            </a:endParaRPr>
+          </a:p>
+        </p:txBody>
+      </p:sp>
+      <p:sp>
+        <p:nvSpPr>
+          <p:cNvPr id="63" name="Rectangle 62"/>
+          <p:cNvSpPr/>
+          <p:nvPr/>
+        </p:nvSpPr>
+        <p:spPr>
+          <a:xfrm>
+            <a:off x="3499369" y="967529"/>
+            <a:ext cx="307240" cy="166910"/>
+          </a:xfrm>
+          <a:prstGeom prst="rect">
+            <a:avLst/>
+          </a:prstGeom>
+          <a:solidFill>
+            <a:srgbClr val="FFFFCC"/>
+          </a:solidFill>
+          <a:ln w="12700">
+            <a:solidFill>
+              <a:schemeClr val="tx1"/>
+            </a:solidFill>
+          </a:ln>
+        </p:spPr>
+        <p:style>
+          <a:lnRef idx="2">
+            <a:schemeClr val="accent1">
+              <a:shade val="50000"/>
+            </a:schemeClr>
+          </a:lnRef>
+          <a:fillRef idx="1">
+            <a:schemeClr val="accent1"/>
+          </a:fillRef>
+          <a:effectRef idx="0">
+            <a:schemeClr val="accent1"/>
+          </a:effectRef>
+          <a:fontRef idx="minor">
+            <a:schemeClr val="lt1"/>
+          </a:fontRef>
+        </p:style>
+        <p:txBody>
+          <a:bodyPr rtlCol="0" anchor="ctr"/>
+          <a:lstStyle/>
+          <a:p>
+            <a:pPr algn="ctr"/>
+            <a:endParaRPr lang="en-US" sz="800" dirty="0">
+              <a:solidFill>
+                <a:sysClr val="windowText" lastClr="000000"/>
+              </a:solidFill>
+              <a:latin typeface="Arial" pitchFamily="34" charset="0"/>
+              <a:cs typeface="Arial" pitchFamily="34" charset="0"/>
+            </a:endParaRPr>
+          </a:p>
+        </p:txBody>
+      </p:sp>
+      <p:sp>
+        <p:nvSpPr>
+          <p:cNvPr id="64" name="Rectangle 63"/>
+          <p:cNvSpPr/>
+          <p:nvPr/>
+        </p:nvSpPr>
+        <p:spPr>
+          <a:xfrm>
+            <a:off x="3499369" y="1121149"/>
+            <a:ext cx="307240" cy="166910"/>
+          </a:xfrm>
+          <a:prstGeom prst="rect">
+            <a:avLst/>
+          </a:prstGeom>
+          <a:solidFill>
+            <a:srgbClr val="FFFFCC"/>
+          </a:solidFill>
+          <a:ln w="12700">
+            <a:solidFill>
+              <a:schemeClr val="tx1"/>
+            </a:solidFill>
+          </a:ln>
+        </p:spPr>
+        <p:style>
+          <a:lnRef idx="2">
+            <a:schemeClr val="accent1">
+              <a:shade val="50000"/>
+            </a:schemeClr>
+          </a:lnRef>
+          <a:fillRef idx="1">
+            <a:schemeClr val="accent1"/>
+          </a:fillRef>
+          <a:effectRef idx="0">
+            <a:schemeClr val="accent1"/>
+          </a:effectRef>
+          <a:fontRef idx="minor">
+            <a:schemeClr val="lt1"/>
+          </a:fontRef>
+        </p:style>
+        <p:txBody>
+          <a:bodyPr rtlCol="0" anchor="ctr"/>
+          <a:lstStyle/>
+          <a:p>
+            <a:pPr algn="ctr"/>
+            <a:endParaRPr lang="en-US" sz="800" dirty="0">
+              <a:solidFill>
+                <a:sysClr val="windowText" lastClr="000000"/>
+              </a:solidFill>
+              <a:latin typeface="Arial" pitchFamily="34" charset="0"/>
+              <a:cs typeface="Arial" pitchFamily="34" charset="0"/>
+            </a:endParaRPr>
+          </a:p>
+        </p:txBody>
+      </p:sp>
+      <p:sp>
+        <p:nvSpPr>
+          <p:cNvPr id="65" name="Rectangle 64"/>
+          <p:cNvSpPr/>
+          <p:nvPr/>
+        </p:nvSpPr>
+        <p:spPr>
+          <a:xfrm>
+            <a:off x="3499369" y="1274769"/>
+            <a:ext cx="307240" cy="166910"/>
+          </a:xfrm>
+          <a:prstGeom prst="rect">
+            <a:avLst/>
+          </a:prstGeom>
+          <a:solidFill>
+            <a:srgbClr val="FFFFCC"/>
+          </a:solidFill>
+          <a:ln w="12700">
+            <a:solidFill>
+              <a:schemeClr val="tx1"/>
+            </a:solidFill>
+          </a:ln>
+        </p:spPr>
+        <p:style>
+          <a:lnRef idx="2">
+            <a:schemeClr val="accent1">
+              <a:shade val="50000"/>
+            </a:schemeClr>
+          </a:lnRef>
+          <a:fillRef idx="1">
+            <a:schemeClr val="accent1"/>
+          </a:fillRef>
+          <a:effectRef idx="0">
+            <a:schemeClr val="accent1"/>
+          </a:effectRef>
+          <a:fontRef idx="minor">
+            <a:schemeClr val="lt1"/>
+          </a:fontRef>
+        </p:style>
+        <p:txBody>
+          <a:bodyPr rtlCol="0" anchor="ctr"/>
+          <a:lstStyle/>
+          <a:p>
+            <a:pPr algn="ctr"/>
+            <a:endParaRPr lang="en-US" sz="800" dirty="0">
+              <a:solidFill>
+                <a:sysClr val="windowText" lastClr="000000"/>
+              </a:solidFill>
+              <a:latin typeface="Arial" pitchFamily="34" charset="0"/>
+              <a:cs typeface="Arial" pitchFamily="34" charset="0"/>
+            </a:endParaRPr>
+          </a:p>
+        </p:txBody>
+      </p:sp>
+      <p:sp>
+        <p:nvSpPr>
+          <p:cNvPr id="66" name="TextBox 65"/>
+          <p:cNvSpPr txBox="1"/>
+          <p:nvPr/>
+        </p:nvSpPr>
+        <p:spPr>
+          <a:xfrm>
+            <a:off x="3016004" y="608385"/>
+            <a:ext cx="966729" cy="215444"/>
+          </a:xfrm>
+          <a:prstGeom prst="rect">
+            <a:avLst/>
+          </a:prstGeom>
+          <a:noFill/>
+        </p:spPr>
+        <p:txBody>
+          <a:bodyPr wrap="square" rtlCol="0">
+            <a:spAutoFit/>
+          </a:bodyPr>
+          <a:lstStyle/>
+          <a:p>
+            <a:r>
+              <a:rPr lang="en-US" sz="800" dirty="0" smtClean="0">
+                <a:latin typeface="Arial" pitchFamily="34" charset="0"/>
+                <a:cs typeface="Arial" pitchFamily="34" charset="0"/>
+              </a:rPr>
+              <a:t>filter lookup table</a:t>
+            </a:r>
+          </a:p>
+        </p:txBody>
+      </p:sp>
+      <p:cxnSp>
+        <p:nvCxnSpPr>
+          <p:cNvPr id="67" name="Straight Connector 66"/>
+          <p:cNvCxnSpPr/>
+          <p:nvPr/>
+        </p:nvCxnSpPr>
+        <p:spPr>
+          <a:xfrm flipH="1">
+            <a:off x="2564000" y="571097"/>
+            <a:ext cx="101049" cy="0"/>
+          </a:xfrm>
+          <a:prstGeom prst="line">
+            <a:avLst/>
+          </a:prstGeom>
+          <a:ln w="12700">
+            <a:solidFill>
+              <a:schemeClr val="tx1"/>
+            </a:solidFill>
+          </a:ln>
+        </p:spPr>
+        <p:style>
+          <a:lnRef idx="1">
+            <a:schemeClr val="accent1"/>
+          </a:lnRef>
+          <a:fillRef idx="0">
+            <a:schemeClr val="accent1"/>
+          </a:fillRef>
+          <a:effectRef idx="0">
+            <a:schemeClr val="accent1"/>
+          </a:effectRef>
+          <a:fontRef idx="minor">
+            <a:schemeClr val="tx1"/>
+          </a:fontRef>
+        </p:style>
+      </p:cxnSp>
+      <p:cxnSp>
+        <p:nvCxnSpPr>
+          <p:cNvPr id="68" name="Straight Arrow Connector 67"/>
+          <p:cNvCxnSpPr/>
+          <p:nvPr/>
+        </p:nvCxnSpPr>
+        <p:spPr>
+          <a:xfrm>
+            <a:off x="2665103" y="571097"/>
+            <a:ext cx="54" cy="377988"/>
+          </a:xfrm>
+          <a:prstGeom prst="straightConnector1">
+            <a:avLst/>
+          </a:prstGeom>
+          <a:ln w="12700">
+            <a:solidFill>
+              <a:schemeClr val="tx1"/>
+            </a:solidFill>
+            <a:headEnd w="sm" len="sm"/>
+            <a:tailEnd type="triangle" w="med" len="med"/>
+          </a:ln>
+        </p:spPr>
+        <p:style>
+          <a:lnRef idx="1">
+            <a:schemeClr val="accent1"/>
+          </a:lnRef>
+          <a:fillRef idx="0">
+            <a:schemeClr val="accent1"/>
+          </a:fillRef>
+          <a:effectRef idx="0">
+            <a:schemeClr val="accent1"/>
+          </a:effectRef>
+          <a:fontRef idx="minor">
+            <a:schemeClr val="tx1"/>
+          </a:fontRef>
+        </p:style>
+      </p:cxnSp>
+      <p:cxnSp>
+        <p:nvCxnSpPr>
+          <p:cNvPr id="69" name="Straight Connector 68"/>
+          <p:cNvCxnSpPr/>
+          <p:nvPr/>
+        </p:nvCxnSpPr>
+        <p:spPr>
+          <a:xfrm flipH="1">
+            <a:off x="2563999" y="1676713"/>
+            <a:ext cx="100139" cy="0"/>
+          </a:xfrm>
+          <a:prstGeom prst="line">
+            <a:avLst/>
+          </a:prstGeom>
+          <a:ln w="12700">
+            <a:solidFill>
+              <a:schemeClr val="tx1"/>
+            </a:solidFill>
+          </a:ln>
+        </p:spPr>
+        <p:style>
+          <a:lnRef idx="1">
+            <a:schemeClr val="accent1"/>
+          </a:lnRef>
+          <a:fillRef idx="0">
+            <a:schemeClr val="accent1"/>
+          </a:fillRef>
+          <a:effectRef idx="0">
+            <a:schemeClr val="accent1"/>
+          </a:effectRef>
+          <a:fontRef idx="minor">
+            <a:schemeClr val="tx1"/>
+          </a:fontRef>
+        </p:style>
+      </p:cxnSp>
+      <p:cxnSp>
+        <p:nvCxnSpPr>
+          <p:cNvPr id="70" name="Straight Arrow Connector 69"/>
+          <p:cNvCxnSpPr/>
+          <p:nvPr/>
+        </p:nvCxnSpPr>
+        <p:spPr>
+          <a:xfrm flipH="1" flipV="1">
+            <a:off x="2664138" y="1298066"/>
+            <a:ext cx="54" cy="380858"/>
+          </a:xfrm>
+          <a:prstGeom prst="straightConnector1">
+            <a:avLst/>
+          </a:prstGeom>
+          <a:ln w="12700">
+            <a:solidFill>
+              <a:schemeClr val="tx1"/>
+            </a:solidFill>
+            <a:headEnd w="sm" len="sm"/>
+            <a:tailEnd type="triangle" w="med" len="med"/>
+          </a:ln>
+        </p:spPr>
+        <p:style>
+          <a:lnRef idx="1">
+            <a:schemeClr val="accent1"/>
+          </a:lnRef>
+          <a:fillRef idx="0">
+            <a:schemeClr val="accent1"/>
+          </a:fillRef>
+          <a:effectRef idx="0">
+            <a:schemeClr val="accent1"/>
+          </a:effectRef>
+          <a:fontRef idx="minor">
+            <a:schemeClr val="tx1"/>
+          </a:fontRef>
+        </p:style>
+      </p:cxnSp>
+      <p:sp>
+        <p:nvSpPr>
+          <p:cNvPr id="71" name="TextBox 70"/>
+          <p:cNvSpPr txBox="1"/>
+          <p:nvPr/>
+        </p:nvSpPr>
+        <p:spPr>
+          <a:xfrm>
+            <a:off x="2521323" y="1645089"/>
+            <a:ext cx="544621" cy="215444"/>
+          </a:xfrm>
+          <a:prstGeom prst="rect">
+            <a:avLst/>
+          </a:prstGeom>
+          <a:noFill/>
+        </p:spPr>
+        <p:txBody>
+          <a:bodyPr wrap="square" rtlCol="0">
+            <a:spAutoFit/>
+          </a:bodyPr>
+          <a:lstStyle/>
+          <a:p>
+            <a:r>
+              <a:rPr lang="en-US" sz="800" dirty="0" err="1" smtClean="0">
+                <a:latin typeface="Arial" pitchFamily="34" charset="0"/>
+                <a:cs typeface="Arial" pitchFamily="34" charset="0"/>
+              </a:rPr>
+              <a:t>Addr</a:t>
+            </a:r>
+            <a:r>
+              <a:rPr lang="en-US" sz="800" dirty="0" smtClean="0">
+                <a:latin typeface="Arial" pitchFamily="34" charset="0"/>
+                <a:cs typeface="Arial" pitchFamily="34" charset="0"/>
+              </a:rPr>
+              <a:t> 1</a:t>
+            </a:r>
+          </a:p>
+        </p:txBody>
+      </p:sp>
+      <p:sp>
+        <p:nvSpPr>
+          <p:cNvPr id="72" name="TextBox 71"/>
+          <p:cNvSpPr txBox="1"/>
+          <p:nvPr/>
+        </p:nvSpPr>
+        <p:spPr>
+          <a:xfrm>
+            <a:off x="2835467" y="785424"/>
+            <a:ext cx="436380" cy="215444"/>
+          </a:xfrm>
+          <a:prstGeom prst="rect">
+            <a:avLst/>
+          </a:prstGeom>
+          <a:noFill/>
+        </p:spPr>
+        <p:txBody>
+          <a:bodyPr wrap="square" rtlCol="0">
+            <a:spAutoFit/>
+          </a:bodyPr>
+          <a:lstStyle/>
+          <a:p>
+            <a:r>
+              <a:rPr lang="en-US" sz="800" dirty="0" smtClean="0">
+                <a:latin typeface="Arial" pitchFamily="34" charset="0"/>
+                <a:cs typeface="Arial" pitchFamily="34" charset="0"/>
+              </a:rPr>
+              <a:t>flag 0</a:t>
+            </a:r>
+          </a:p>
+        </p:txBody>
+      </p:sp>
+      <p:sp>
+        <p:nvSpPr>
+          <p:cNvPr id="73" name="TextBox 72"/>
+          <p:cNvSpPr txBox="1"/>
+          <p:nvPr/>
+        </p:nvSpPr>
+        <p:spPr>
+          <a:xfrm>
+            <a:off x="2835467" y="1257241"/>
+            <a:ext cx="436380" cy="215444"/>
+          </a:xfrm>
+          <a:prstGeom prst="rect">
+            <a:avLst/>
+          </a:prstGeom>
+          <a:noFill/>
+        </p:spPr>
+        <p:txBody>
+          <a:bodyPr wrap="square" rtlCol="0">
+            <a:spAutoFit/>
+          </a:bodyPr>
+          <a:lstStyle/>
+          <a:p>
+            <a:r>
+              <a:rPr lang="en-US" sz="800" dirty="0" smtClean="0">
+                <a:latin typeface="Arial" pitchFamily="34" charset="0"/>
+                <a:cs typeface="Arial" pitchFamily="34" charset="0"/>
+              </a:rPr>
+              <a:t>flag 1</a:t>
+            </a:r>
+          </a:p>
+        </p:txBody>
+      </p:sp>
+      <p:cxnSp>
+        <p:nvCxnSpPr>
+          <p:cNvPr id="74" name="Straight Arrow Connector 73"/>
+          <p:cNvCxnSpPr/>
+          <p:nvPr/>
+        </p:nvCxnSpPr>
+        <p:spPr>
+          <a:xfrm>
+            <a:off x="2896903" y="1246284"/>
+            <a:ext cx="299541" cy="0"/>
+          </a:xfrm>
+          <a:prstGeom prst="straightConnector1">
+            <a:avLst/>
+          </a:prstGeom>
+          <a:ln w="12700">
+            <a:solidFill>
+              <a:schemeClr val="tx1"/>
+            </a:solidFill>
+            <a:headEnd w="sm" len="sm"/>
+            <a:tailEnd type="triangle" w="med" len="med"/>
+          </a:ln>
+        </p:spPr>
+        <p:style>
+          <a:lnRef idx="1">
+            <a:schemeClr val="accent1"/>
+          </a:lnRef>
+          <a:fillRef idx="0">
+            <a:schemeClr val="accent1"/>
+          </a:fillRef>
+          <a:effectRef idx="0">
+            <a:schemeClr val="accent1"/>
+          </a:effectRef>
+          <a:fontRef idx="minor">
+            <a:schemeClr val="tx1"/>
+          </a:fontRef>
+        </p:style>
+      </p:cxnSp>
+      <p:cxnSp>
+        <p:nvCxnSpPr>
+          <p:cNvPr id="75" name="Straight Arrow Connector 74"/>
+          <p:cNvCxnSpPr/>
+          <p:nvPr/>
+        </p:nvCxnSpPr>
+        <p:spPr>
+          <a:xfrm>
+            <a:off x="2899312" y="1000868"/>
+            <a:ext cx="297132" cy="0"/>
+          </a:xfrm>
+          <a:prstGeom prst="straightConnector1">
+            <a:avLst/>
+          </a:prstGeom>
+          <a:ln w="12700">
+            <a:solidFill>
+              <a:schemeClr val="tx1"/>
+            </a:solidFill>
+            <a:headEnd w="sm" len="sm"/>
+            <a:tailEnd type="triangle" w="med" len="med"/>
+          </a:ln>
+        </p:spPr>
+        <p:style>
+          <a:lnRef idx="1">
+            <a:schemeClr val="accent1"/>
+          </a:lnRef>
+          <a:fillRef idx="0">
+            <a:schemeClr val="accent1"/>
+          </a:fillRef>
+          <a:effectRef idx="0">
+            <a:schemeClr val="accent1"/>
+          </a:effectRef>
+          <a:fontRef idx="minor">
+            <a:schemeClr val="tx1"/>
+          </a:fontRef>
+        </p:style>
+      </p:cxnSp>
+      <p:cxnSp>
+        <p:nvCxnSpPr>
+          <p:cNvPr id="77" name="Straight Arrow Connector 76"/>
+          <p:cNvCxnSpPr/>
+          <p:nvPr/>
+        </p:nvCxnSpPr>
+        <p:spPr>
+          <a:xfrm>
+            <a:off x="3810529" y="1121148"/>
+            <a:ext cx="670190" cy="0"/>
+          </a:xfrm>
+          <a:prstGeom prst="straightConnector1">
+            <a:avLst/>
+          </a:prstGeom>
+          <a:ln w="12700">
+            <a:solidFill>
+              <a:schemeClr val="tx1"/>
+            </a:solidFill>
+            <a:headEnd w="sm" len="sm"/>
+            <a:tailEnd type="triangle" w="med" len="med"/>
+          </a:ln>
+        </p:spPr>
+        <p:style>
+          <a:lnRef idx="1">
+            <a:schemeClr val="accent1"/>
+          </a:lnRef>
+          <a:fillRef idx="0">
+            <a:schemeClr val="accent1"/>
+          </a:fillRef>
+          <a:effectRef idx="0">
+            <a:schemeClr val="accent1"/>
+          </a:effectRef>
+          <a:fontRef idx="minor">
+            <a:schemeClr val="tx1"/>
+          </a:fontRef>
+        </p:style>
+      </p:cxnSp>
+      <p:sp>
+        <p:nvSpPr>
+          <p:cNvPr id="78" name="TextBox 77"/>
+          <p:cNvSpPr txBox="1"/>
+          <p:nvPr/>
+        </p:nvSpPr>
+        <p:spPr>
+          <a:xfrm>
+            <a:off x="3811811" y="809534"/>
+            <a:ext cx="612211" cy="338554"/>
+          </a:xfrm>
+          <a:prstGeom prst="rect">
+            <a:avLst/>
+          </a:prstGeom>
+          <a:noFill/>
+        </p:spPr>
+        <p:txBody>
+          <a:bodyPr wrap="square" rtlCol="0">
+            <a:spAutoFit/>
+          </a:bodyPr>
+          <a:lstStyle/>
+          <a:p>
+            <a:r>
+              <a:rPr lang="en-US" sz="800" dirty="0" smtClean="0">
+                <a:latin typeface="Arial" pitchFamily="34" charset="0"/>
+                <a:cs typeface="Arial" pitchFamily="34" charset="0"/>
+              </a:rPr>
+              <a:t>filter operation</a:t>
+            </a:r>
+          </a:p>
+        </p:txBody>
+      </p:sp>
+    </p:spTree>
+    <p:extLst>
+      <p:ext uri="{BB962C8B-B14F-4D97-AF65-F5344CB8AC3E}">
+        <p14:creationId xmlns:p14="http://schemas.microsoft.com/office/powerpoint/2010/main" val="4158277241"/>
+      </p:ext>
+    </p:extLst>
+  </p:cSld>
+  <p:clrMapOvr>
+    <a:masterClrMapping/>
+  </p:clrMapOvr>
+</p:sld>
+</file>
+
+<file path=ppt/slides/slide6.xml><?xml version="1.0" encoding="utf-8"?>
+<p:sld xmlns:a="http://schemas.openxmlformats.org/drawingml/2006/main" xmlns:r="http://schemas.openxmlformats.org/officeDocument/2006/relationships" xmlns:p="http://schemas.openxmlformats.org/presentationml/2006/main">
+  <p:cSld>
+    <p:spTree>
+      <p:nvGrpSpPr>
+        <p:cNvPr id="1" name=""/>
+        <p:cNvGrpSpPr/>
+        <p:nvPr/>
+      </p:nvGrpSpPr>
+      <p:grpSpPr>
+        <a:xfrm>
+          <a:off x="0" y="0"/>
+          <a:ext cx="0" cy="0"/>
+          <a:chOff x="0" y="0"/>
+          <a:chExt cx="0" cy="0"/>
+        </a:xfrm>
+      </p:grpSpPr>
+      <p:sp>
+        <p:nvSpPr>
+          <p:cNvPr id="2" name="Rectangle 1"/>
+          <p:cNvSpPr/>
+          <p:nvPr/>
+        </p:nvSpPr>
+        <p:spPr>
+          <a:xfrm>
+            <a:off x="1691348" y="630032"/>
+            <a:ext cx="559734" cy="307240"/>
+          </a:xfrm>
+          <a:prstGeom prst="rect">
+            <a:avLst/>
+          </a:prstGeom>
+          <a:solidFill>
+            <a:srgbClr val="FFFFCC"/>
+          </a:solidFill>
+          <a:ln w="12700">
+            <a:solidFill>
+              <a:schemeClr val="tx1"/>
+            </a:solidFill>
+          </a:ln>
+        </p:spPr>
+        <p:style>
+          <a:lnRef idx="2">
+            <a:schemeClr val="accent1">
+              <a:shade val="50000"/>
+            </a:schemeClr>
+          </a:lnRef>
+          <a:fillRef idx="1">
+            <a:schemeClr val="accent1"/>
+          </a:fillRef>
+          <a:effectRef idx="0">
+            <a:schemeClr val="accent1"/>
+          </a:effectRef>
+          <a:fontRef idx="minor">
+            <a:schemeClr val="lt1"/>
+          </a:fontRef>
+        </p:style>
+        <p:txBody>
+          <a:bodyPr rtlCol="0" anchor="ctr"/>
+          <a:lstStyle/>
+          <a:p>
+            <a:pPr algn="ctr"/>
+            <a:r>
+              <a:rPr lang="en-US" sz="800" dirty="0" smtClean="0">
+                <a:solidFill>
+                  <a:sysClr val="windowText" lastClr="000000"/>
+                </a:solidFill>
+                <a:latin typeface="Arial" pitchFamily="34" charset="0"/>
+                <a:cs typeface="Arial" pitchFamily="34" charset="0"/>
+              </a:rPr>
+              <a:t>FIFO</a:t>
+            </a:r>
+            <a:endParaRPr lang="en-US" sz="800" dirty="0">
+              <a:solidFill>
+                <a:sysClr val="windowText" lastClr="000000"/>
+              </a:solidFill>
+              <a:latin typeface="Arial" pitchFamily="34" charset="0"/>
+              <a:cs typeface="Arial" pitchFamily="34" charset="0"/>
+            </a:endParaRPr>
+          </a:p>
+        </p:txBody>
+      </p:sp>
+      <p:sp>
+        <p:nvSpPr>
+          <p:cNvPr id="3" name="Rectangle 2"/>
+          <p:cNvSpPr/>
+          <p:nvPr/>
+        </p:nvSpPr>
+        <p:spPr>
+          <a:xfrm>
+            <a:off x="2546715" y="635634"/>
+            <a:ext cx="547700" cy="307240"/>
+          </a:xfrm>
+          <a:prstGeom prst="rect">
+            <a:avLst/>
+          </a:prstGeom>
+          <a:solidFill>
+            <a:srgbClr val="FFFFCC"/>
+          </a:solidFill>
+          <a:ln w="12700">
+            <a:solidFill>
+              <a:schemeClr val="tx1"/>
+            </a:solidFill>
+          </a:ln>
+        </p:spPr>
+        <p:style>
+          <a:lnRef idx="2">
+            <a:schemeClr val="accent1">
+              <a:shade val="50000"/>
+            </a:schemeClr>
+          </a:lnRef>
+          <a:fillRef idx="1">
+            <a:schemeClr val="accent1"/>
+          </a:fillRef>
+          <a:effectRef idx="0">
+            <a:schemeClr val="accent1"/>
+          </a:effectRef>
+          <a:fontRef idx="minor">
+            <a:schemeClr val="lt1"/>
+          </a:fontRef>
+        </p:style>
+        <p:txBody>
+          <a:bodyPr rtlCol="0" anchor="ctr"/>
+          <a:lstStyle/>
+          <a:p>
+            <a:pPr algn="ctr"/>
+            <a:r>
+              <a:rPr lang="en-US" sz="800" dirty="0" smtClean="0">
+                <a:solidFill>
+                  <a:sysClr val="windowText" lastClr="000000"/>
+                </a:solidFill>
+                <a:latin typeface="Arial" pitchFamily="34" charset="0"/>
+                <a:cs typeface="Arial" pitchFamily="34" charset="0"/>
+              </a:rPr>
+              <a:t>MFM</a:t>
+            </a:r>
+            <a:endParaRPr lang="en-US" sz="800" dirty="0">
+              <a:solidFill>
+                <a:sysClr val="windowText" lastClr="000000"/>
+              </a:solidFill>
+              <a:latin typeface="Arial" pitchFamily="34" charset="0"/>
+              <a:cs typeface="Arial" pitchFamily="34" charset="0"/>
+            </a:endParaRPr>
+          </a:p>
+        </p:txBody>
+      </p:sp>
+      <p:cxnSp>
+        <p:nvCxnSpPr>
+          <p:cNvPr id="4" name="Straight Arrow Connector 3"/>
+          <p:cNvCxnSpPr/>
+          <p:nvPr/>
+        </p:nvCxnSpPr>
+        <p:spPr>
+          <a:xfrm>
+            <a:off x="1100082" y="783652"/>
+            <a:ext cx="591266" cy="0"/>
+          </a:xfrm>
+          <a:prstGeom prst="straightConnector1">
+            <a:avLst/>
+          </a:prstGeom>
+          <a:ln w="12700" cmpd="sng">
+            <a:solidFill>
+              <a:schemeClr val="tx1"/>
+            </a:solidFill>
+            <a:tailEnd type="triangle"/>
+          </a:ln>
+        </p:spPr>
+        <p:style>
+          <a:lnRef idx="1">
+            <a:schemeClr val="accent1"/>
+          </a:lnRef>
+          <a:fillRef idx="0">
+            <a:schemeClr val="accent1"/>
+          </a:fillRef>
+          <a:effectRef idx="0">
+            <a:schemeClr val="accent1"/>
+          </a:effectRef>
+          <a:fontRef idx="minor">
+            <a:schemeClr val="tx1"/>
+          </a:fontRef>
+        </p:style>
+      </p:cxnSp>
+      <p:sp>
+        <p:nvSpPr>
+          <p:cNvPr id="5" name="TextBox 4"/>
+          <p:cNvSpPr txBox="1"/>
+          <p:nvPr/>
+        </p:nvSpPr>
+        <p:spPr>
+          <a:xfrm>
+            <a:off x="1100082" y="586910"/>
+            <a:ext cx="591266" cy="215444"/>
+          </a:xfrm>
+          <a:prstGeom prst="rect">
+            <a:avLst/>
+          </a:prstGeom>
+          <a:noFill/>
+        </p:spPr>
+        <p:txBody>
+          <a:bodyPr wrap="square" rtlCol="0">
+            <a:spAutoFit/>
+          </a:bodyPr>
+          <a:lstStyle/>
+          <a:p>
+            <a:pPr algn="ctr"/>
+            <a:r>
+              <a:rPr lang="en-US" sz="800" dirty="0" smtClean="0">
+                <a:latin typeface="Arial" pitchFamily="34" charset="0"/>
+                <a:cs typeface="Arial" pitchFamily="34" charset="0"/>
+              </a:rPr>
+              <a:t>event</a:t>
+            </a:r>
+          </a:p>
+        </p:txBody>
+      </p:sp>
+      <p:cxnSp>
+        <p:nvCxnSpPr>
+          <p:cNvPr id="6" name="Straight Arrow Connector 5"/>
+          <p:cNvCxnSpPr/>
+          <p:nvPr/>
+        </p:nvCxnSpPr>
+        <p:spPr>
+          <a:xfrm>
+            <a:off x="2251082" y="789254"/>
+            <a:ext cx="295633" cy="0"/>
+          </a:xfrm>
+          <a:prstGeom prst="straightConnector1">
+            <a:avLst/>
+          </a:prstGeom>
+          <a:ln w="12700">
+            <a:solidFill>
+              <a:schemeClr val="tx1"/>
+            </a:solidFill>
+            <a:tailEnd type="triangle"/>
+          </a:ln>
+        </p:spPr>
+        <p:style>
+          <a:lnRef idx="1">
+            <a:schemeClr val="accent1"/>
+          </a:lnRef>
+          <a:fillRef idx="0">
+            <a:schemeClr val="accent1"/>
+          </a:fillRef>
+          <a:effectRef idx="0">
+            <a:schemeClr val="accent1"/>
+          </a:effectRef>
+          <a:fontRef idx="minor">
+            <a:schemeClr val="tx1"/>
+          </a:fontRef>
+        </p:style>
+      </p:cxnSp>
+      <p:sp>
+        <p:nvSpPr>
+          <p:cNvPr id="7" name="Rectangle 6"/>
+          <p:cNvSpPr/>
+          <p:nvPr/>
+        </p:nvSpPr>
+        <p:spPr>
+          <a:xfrm>
+            <a:off x="1691349" y="1052487"/>
+            <a:ext cx="559734" cy="307240"/>
+          </a:xfrm>
+          <a:prstGeom prst="rect">
+            <a:avLst/>
+          </a:prstGeom>
+          <a:solidFill>
+            <a:srgbClr val="FFFFCC"/>
+          </a:solidFill>
+          <a:ln w="12700">
+            <a:solidFill>
+              <a:schemeClr val="tx1"/>
+            </a:solidFill>
+          </a:ln>
+        </p:spPr>
+        <p:style>
+          <a:lnRef idx="2">
+            <a:schemeClr val="accent1">
+              <a:shade val="50000"/>
+            </a:schemeClr>
+          </a:lnRef>
+          <a:fillRef idx="1">
+            <a:schemeClr val="accent1"/>
+          </a:fillRef>
+          <a:effectRef idx="0">
+            <a:schemeClr val="accent1"/>
+          </a:effectRef>
+          <a:fontRef idx="minor">
+            <a:schemeClr val="lt1"/>
+          </a:fontRef>
+        </p:style>
+        <p:txBody>
+          <a:bodyPr rtlCol="0" anchor="ctr"/>
+          <a:lstStyle/>
+          <a:p>
+            <a:pPr algn="ctr"/>
+            <a:r>
+              <a:rPr lang="en-US" sz="800" dirty="0" smtClean="0">
+                <a:solidFill>
+                  <a:sysClr val="windowText" lastClr="000000"/>
+                </a:solidFill>
+                <a:latin typeface="Arial" pitchFamily="34" charset="0"/>
+                <a:cs typeface="Arial" pitchFamily="34" charset="0"/>
+              </a:rPr>
+              <a:t>STM</a:t>
+            </a:r>
+            <a:endParaRPr lang="en-US" sz="800" dirty="0">
+              <a:solidFill>
+                <a:sysClr val="windowText" lastClr="000000"/>
+              </a:solidFill>
+              <a:latin typeface="Arial" pitchFamily="34" charset="0"/>
+              <a:cs typeface="Arial" pitchFamily="34" charset="0"/>
+            </a:endParaRPr>
+          </a:p>
+        </p:txBody>
+      </p:sp>
+      <p:cxnSp>
+        <p:nvCxnSpPr>
+          <p:cNvPr id="8" name="Straight Arrow Connector 7"/>
+          <p:cNvCxnSpPr/>
+          <p:nvPr/>
+        </p:nvCxnSpPr>
+        <p:spPr>
+          <a:xfrm>
+            <a:off x="1104459" y="1204297"/>
+            <a:ext cx="591266" cy="0"/>
+          </a:xfrm>
+          <a:prstGeom prst="straightConnector1">
+            <a:avLst/>
+          </a:prstGeom>
+          <a:ln w="12700">
+            <a:solidFill>
+              <a:schemeClr val="tx1"/>
+            </a:solidFill>
+            <a:tailEnd type="triangle"/>
+          </a:ln>
+        </p:spPr>
+        <p:style>
+          <a:lnRef idx="1">
+            <a:schemeClr val="accent1"/>
+          </a:lnRef>
+          <a:fillRef idx="0">
+            <a:schemeClr val="accent1"/>
+          </a:fillRef>
+          <a:effectRef idx="0">
+            <a:schemeClr val="accent1"/>
+          </a:effectRef>
+          <a:fontRef idx="minor">
+            <a:schemeClr val="tx1"/>
+          </a:fontRef>
+        </p:style>
+      </p:cxnSp>
+      <p:sp>
+        <p:nvSpPr>
+          <p:cNvPr id="9" name="Rectangle 8"/>
+          <p:cNvSpPr/>
+          <p:nvPr/>
+        </p:nvSpPr>
+        <p:spPr>
+          <a:xfrm>
+            <a:off x="3390048" y="635634"/>
+            <a:ext cx="547700" cy="307240"/>
+          </a:xfrm>
+          <a:prstGeom prst="rect">
+            <a:avLst/>
+          </a:prstGeom>
+          <a:solidFill>
+            <a:srgbClr val="FFFFCC"/>
+          </a:solidFill>
+          <a:ln w="12700">
+            <a:solidFill>
+              <a:schemeClr val="tx1"/>
+            </a:solidFill>
+          </a:ln>
+        </p:spPr>
+        <p:style>
+          <a:lnRef idx="2">
+            <a:schemeClr val="accent1">
+              <a:shade val="50000"/>
+            </a:schemeClr>
+          </a:lnRef>
+          <a:fillRef idx="1">
+            <a:schemeClr val="accent1"/>
+          </a:fillRef>
+          <a:effectRef idx="0">
+            <a:schemeClr val="accent1"/>
+          </a:effectRef>
+          <a:fontRef idx="minor">
+            <a:schemeClr val="lt1"/>
+          </a:fontRef>
+        </p:style>
+        <p:txBody>
+          <a:bodyPr rtlCol="0" anchor="ctr"/>
+          <a:lstStyle/>
+          <a:p>
+            <a:pPr algn="ctr"/>
+            <a:r>
+              <a:rPr lang="en-US" sz="800" dirty="0" smtClean="0">
+                <a:solidFill>
+                  <a:sysClr val="windowText" lastClr="000000"/>
+                </a:solidFill>
+                <a:latin typeface="Arial" pitchFamily="34" charset="0"/>
+                <a:cs typeface="Arial" pitchFamily="34" charset="0"/>
+              </a:rPr>
+              <a:t>MIM</a:t>
+            </a:r>
+            <a:endParaRPr lang="en-US" sz="800" dirty="0">
+              <a:solidFill>
+                <a:sysClr val="windowText" lastClr="000000"/>
+              </a:solidFill>
+              <a:latin typeface="Arial" pitchFamily="34" charset="0"/>
+              <a:cs typeface="Arial" pitchFamily="34" charset="0"/>
+            </a:endParaRPr>
+          </a:p>
+        </p:txBody>
+      </p:sp>
+      <p:cxnSp>
+        <p:nvCxnSpPr>
+          <p:cNvPr id="10" name="Straight Arrow Connector 9"/>
+          <p:cNvCxnSpPr/>
+          <p:nvPr/>
+        </p:nvCxnSpPr>
+        <p:spPr>
+          <a:xfrm>
+            <a:off x="3094415" y="789254"/>
+            <a:ext cx="295633" cy="0"/>
+          </a:xfrm>
+          <a:prstGeom prst="straightConnector1">
+            <a:avLst/>
+          </a:prstGeom>
+          <a:ln w="12700">
+            <a:solidFill>
+              <a:schemeClr val="tx1"/>
+            </a:solidFill>
+            <a:tailEnd type="triangle"/>
+          </a:ln>
+        </p:spPr>
+        <p:style>
+          <a:lnRef idx="1">
+            <a:schemeClr val="accent1"/>
+          </a:lnRef>
+          <a:fillRef idx="0">
+            <a:schemeClr val="accent1"/>
+          </a:fillRef>
+          <a:effectRef idx="0">
+            <a:schemeClr val="accent1"/>
+          </a:effectRef>
+          <a:fontRef idx="minor">
+            <a:schemeClr val="tx1"/>
+          </a:fontRef>
+        </p:style>
+      </p:cxnSp>
+      <p:sp>
+        <p:nvSpPr>
+          <p:cNvPr id="11" name="Rectangle 10"/>
+          <p:cNvSpPr/>
+          <p:nvPr/>
+        </p:nvSpPr>
+        <p:spPr>
+          <a:xfrm>
+            <a:off x="4233381" y="76916"/>
+            <a:ext cx="886563" cy="1282809"/>
+          </a:xfrm>
+          <a:prstGeom prst="rect">
+            <a:avLst/>
+          </a:prstGeom>
+          <a:solidFill>
+            <a:srgbClr val="66CCFF"/>
+          </a:solidFill>
+          <a:ln w="12700">
+            <a:solidFill>
+              <a:schemeClr val="tx1"/>
+            </a:solidFill>
+          </a:ln>
+        </p:spPr>
+        <p:style>
+          <a:lnRef idx="2">
+            <a:schemeClr val="accent1">
+              <a:shade val="50000"/>
+            </a:schemeClr>
+          </a:lnRef>
+          <a:fillRef idx="1">
+            <a:schemeClr val="accent1"/>
+          </a:fillRef>
+          <a:effectRef idx="0">
+            <a:schemeClr val="accent1"/>
+          </a:effectRef>
+          <a:fontRef idx="minor">
+            <a:schemeClr val="lt1"/>
+          </a:fontRef>
+        </p:style>
+        <p:txBody>
+          <a:bodyPr rtlCol="0" anchor="ctr"/>
+          <a:lstStyle/>
+          <a:p>
+            <a:pPr algn="ctr"/>
+            <a:r>
+              <a:rPr lang="en-US" sz="800" dirty="0" smtClean="0">
+                <a:solidFill>
+                  <a:sysClr val="windowText" lastClr="000000"/>
+                </a:solidFill>
+                <a:latin typeface="Arial" pitchFamily="34" charset="0"/>
+                <a:cs typeface="Arial" pitchFamily="34" charset="0"/>
+              </a:rPr>
+              <a:t>Monitoring Core</a:t>
+            </a:r>
+            <a:endParaRPr lang="en-US" sz="800" dirty="0">
+              <a:solidFill>
+                <a:sysClr val="windowText" lastClr="000000"/>
+              </a:solidFill>
+              <a:latin typeface="Arial" pitchFamily="34" charset="0"/>
+              <a:cs typeface="Arial" pitchFamily="34" charset="0"/>
+            </a:endParaRPr>
+          </a:p>
+        </p:txBody>
+      </p:sp>
+      <p:sp>
+        <p:nvSpPr>
+          <p:cNvPr id="12" name="Rectangle 11"/>
+          <p:cNvSpPr/>
+          <p:nvPr/>
+        </p:nvSpPr>
+        <p:spPr>
+          <a:xfrm>
+            <a:off x="213519" y="76917"/>
+            <a:ext cx="886563" cy="1282810"/>
+          </a:xfrm>
+          <a:prstGeom prst="rect">
+            <a:avLst/>
+          </a:prstGeom>
+          <a:solidFill>
+            <a:srgbClr val="66CCFF"/>
+          </a:solidFill>
+          <a:ln w="12700">
+            <a:solidFill>
+              <a:schemeClr val="tx1"/>
+            </a:solidFill>
+          </a:ln>
+        </p:spPr>
+        <p:style>
+          <a:lnRef idx="2">
+            <a:schemeClr val="accent1">
+              <a:shade val="50000"/>
+            </a:schemeClr>
+          </a:lnRef>
+          <a:fillRef idx="1">
+            <a:schemeClr val="accent1"/>
+          </a:fillRef>
+          <a:effectRef idx="0">
+            <a:schemeClr val="accent1"/>
+          </a:effectRef>
+          <a:fontRef idx="minor">
+            <a:schemeClr val="lt1"/>
+          </a:fontRef>
+        </p:style>
+        <p:txBody>
+          <a:bodyPr rtlCol="0" anchor="ctr"/>
+          <a:lstStyle/>
+          <a:p>
+            <a:pPr algn="ctr"/>
+            <a:r>
+              <a:rPr lang="en-US" sz="800" dirty="0" smtClean="0">
+                <a:solidFill>
+                  <a:sysClr val="windowText" lastClr="000000"/>
+                </a:solidFill>
+                <a:latin typeface="Arial" pitchFamily="34" charset="0"/>
+                <a:cs typeface="Arial" pitchFamily="34" charset="0"/>
+              </a:rPr>
+              <a:t>Main</a:t>
+            </a:r>
+          </a:p>
+          <a:p>
+            <a:pPr algn="ctr"/>
+            <a:r>
+              <a:rPr lang="en-US" sz="800" dirty="0" smtClean="0">
+                <a:solidFill>
+                  <a:sysClr val="windowText" lastClr="000000"/>
+                </a:solidFill>
+                <a:latin typeface="Arial" pitchFamily="34" charset="0"/>
+                <a:cs typeface="Arial" pitchFamily="34" charset="0"/>
+              </a:rPr>
+              <a:t>Core</a:t>
+            </a:r>
+            <a:endParaRPr lang="en-US" sz="800" dirty="0">
+              <a:solidFill>
+                <a:sysClr val="windowText" lastClr="000000"/>
+              </a:solidFill>
+              <a:latin typeface="Arial" pitchFamily="34" charset="0"/>
+              <a:cs typeface="Arial" pitchFamily="34" charset="0"/>
+            </a:endParaRPr>
+          </a:p>
+        </p:txBody>
+      </p:sp>
+      <p:cxnSp>
+        <p:nvCxnSpPr>
+          <p:cNvPr id="13" name="Straight Arrow Connector 12"/>
+          <p:cNvCxnSpPr/>
+          <p:nvPr/>
+        </p:nvCxnSpPr>
+        <p:spPr>
+          <a:xfrm>
+            <a:off x="3937748" y="776783"/>
+            <a:ext cx="295633" cy="0"/>
+          </a:xfrm>
+          <a:prstGeom prst="straightConnector1">
+            <a:avLst/>
+          </a:prstGeom>
+          <a:ln w="12700">
+            <a:solidFill>
+              <a:schemeClr val="tx1"/>
+            </a:solidFill>
+            <a:tailEnd type="triangle"/>
+          </a:ln>
+        </p:spPr>
+        <p:style>
+          <a:lnRef idx="1">
+            <a:schemeClr val="accent1"/>
+          </a:lnRef>
+          <a:fillRef idx="0">
+            <a:schemeClr val="accent1"/>
+          </a:fillRef>
+          <a:effectRef idx="0">
+            <a:schemeClr val="accent1"/>
+          </a:effectRef>
+          <a:fontRef idx="minor">
+            <a:schemeClr val="tx1"/>
+          </a:fontRef>
+        </p:style>
+      </p:cxnSp>
+      <p:sp>
+        <p:nvSpPr>
+          <p:cNvPr id="14" name="Rectangle 13"/>
+          <p:cNvSpPr/>
+          <p:nvPr/>
+        </p:nvSpPr>
+        <p:spPr>
+          <a:xfrm>
+            <a:off x="2880519" y="76916"/>
+            <a:ext cx="645682" cy="422455"/>
+          </a:xfrm>
+          <a:prstGeom prst="rect">
+            <a:avLst/>
+          </a:prstGeom>
+          <a:solidFill>
+            <a:srgbClr val="FFFFCC"/>
+          </a:solidFill>
+          <a:ln w="12700">
+            <a:solidFill>
+              <a:schemeClr val="tx1"/>
+            </a:solidFill>
+          </a:ln>
+        </p:spPr>
+        <p:style>
+          <a:lnRef idx="2">
+            <a:schemeClr val="accent1">
+              <a:shade val="50000"/>
+            </a:schemeClr>
+          </a:lnRef>
+          <a:fillRef idx="1">
+            <a:schemeClr val="accent1"/>
+          </a:fillRef>
+          <a:effectRef idx="0">
+            <a:schemeClr val="accent1"/>
+          </a:effectRef>
+          <a:fontRef idx="minor">
+            <a:schemeClr val="lt1"/>
+          </a:fontRef>
+        </p:style>
+        <p:txBody>
+          <a:bodyPr rtlCol="0" anchor="ctr"/>
+          <a:lstStyle/>
+          <a:p>
+            <a:pPr algn="ctr"/>
+            <a:r>
+              <a:rPr lang="en-US" sz="800" dirty="0" smtClean="0">
+                <a:solidFill>
+                  <a:sysClr val="windowText" lastClr="000000"/>
+                </a:solidFill>
+                <a:latin typeface="Arial" pitchFamily="34" charset="0"/>
+                <a:cs typeface="Arial" pitchFamily="34" charset="0"/>
+              </a:rPr>
+              <a:t>MIT/MISP</a:t>
+            </a:r>
+            <a:endParaRPr lang="en-US" sz="800" dirty="0">
+              <a:solidFill>
+                <a:sysClr val="windowText" lastClr="000000"/>
+              </a:solidFill>
+              <a:latin typeface="Arial" pitchFamily="34" charset="0"/>
+              <a:cs typeface="Arial" pitchFamily="34" charset="0"/>
+            </a:endParaRPr>
+          </a:p>
+        </p:txBody>
+      </p:sp>
+      <p:cxnSp>
+        <p:nvCxnSpPr>
+          <p:cNvPr id="15" name="Straight Arrow Connector 14"/>
+          <p:cNvCxnSpPr/>
+          <p:nvPr/>
+        </p:nvCxnSpPr>
+        <p:spPr>
+          <a:xfrm flipH="1">
+            <a:off x="3528094" y="288143"/>
+            <a:ext cx="271608" cy="0"/>
+          </a:xfrm>
+          <a:prstGeom prst="straightConnector1">
+            <a:avLst/>
+          </a:prstGeom>
+          <a:ln w="12700">
+            <a:solidFill>
+              <a:schemeClr val="tx1"/>
+            </a:solidFill>
+            <a:tailEnd type="triangle"/>
+          </a:ln>
+        </p:spPr>
+        <p:style>
+          <a:lnRef idx="1">
+            <a:schemeClr val="accent1"/>
+          </a:lnRef>
+          <a:fillRef idx="0">
+            <a:schemeClr val="accent1"/>
+          </a:fillRef>
+          <a:effectRef idx="0">
+            <a:schemeClr val="accent1"/>
+          </a:effectRef>
+          <a:fontRef idx="minor">
+            <a:schemeClr val="tx1"/>
+          </a:fontRef>
+        </p:style>
+      </p:cxnSp>
+      <p:cxnSp>
+        <p:nvCxnSpPr>
+          <p:cNvPr id="16" name="Straight Connector 15"/>
+          <p:cNvCxnSpPr/>
+          <p:nvPr/>
+        </p:nvCxnSpPr>
+        <p:spPr>
+          <a:xfrm flipH="1">
+            <a:off x="2251084" y="1206107"/>
+            <a:ext cx="1412814" cy="0"/>
+          </a:xfrm>
+          <a:prstGeom prst="line">
+            <a:avLst/>
+          </a:prstGeom>
+          <a:ln w="12700">
+            <a:solidFill>
+              <a:schemeClr val="tx1"/>
+            </a:solidFill>
+          </a:ln>
+        </p:spPr>
+        <p:style>
+          <a:lnRef idx="1">
+            <a:schemeClr val="accent1"/>
+          </a:lnRef>
+          <a:fillRef idx="0">
+            <a:schemeClr val="accent1"/>
+          </a:fillRef>
+          <a:effectRef idx="0">
+            <a:schemeClr val="accent1"/>
+          </a:effectRef>
+          <a:fontRef idx="minor">
+            <a:schemeClr val="tx1"/>
+          </a:fontRef>
+        </p:style>
+      </p:cxnSp>
+      <p:cxnSp>
+        <p:nvCxnSpPr>
+          <p:cNvPr id="17" name="Straight Arrow Connector 16"/>
+          <p:cNvCxnSpPr/>
+          <p:nvPr/>
+        </p:nvCxnSpPr>
+        <p:spPr>
+          <a:xfrm flipV="1">
+            <a:off x="3663898" y="948675"/>
+            <a:ext cx="0" cy="257432"/>
+          </a:xfrm>
+          <a:prstGeom prst="straightConnector1">
+            <a:avLst/>
+          </a:prstGeom>
+          <a:ln w="12700">
+            <a:solidFill>
+              <a:schemeClr val="tx1"/>
+            </a:solidFill>
+            <a:tailEnd type="triangle"/>
+          </a:ln>
+        </p:spPr>
+        <p:style>
+          <a:lnRef idx="1">
+            <a:schemeClr val="accent1"/>
+          </a:lnRef>
+          <a:fillRef idx="0">
+            <a:schemeClr val="accent1"/>
+          </a:fillRef>
+          <a:effectRef idx="0">
+            <a:schemeClr val="accent1"/>
+          </a:effectRef>
+          <a:fontRef idx="minor">
+            <a:schemeClr val="tx1"/>
+          </a:fontRef>
+        </p:style>
+      </p:cxnSp>
+      <p:sp>
+        <p:nvSpPr>
+          <p:cNvPr id="18" name="TextBox 17"/>
+          <p:cNvSpPr txBox="1"/>
+          <p:nvPr/>
+        </p:nvSpPr>
+        <p:spPr>
+          <a:xfrm>
+            <a:off x="2202738" y="997683"/>
+            <a:ext cx="466968" cy="215444"/>
+          </a:xfrm>
+          <a:prstGeom prst="rect">
+            <a:avLst/>
+          </a:prstGeom>
+          <a:noFill/>
+        </p:spPr>
+        <p:txBody>
+          <a:bodyPr wrap="square" rtlCol="0">
+            <a:spAutoFit/>
+          </a:bodyPr>
+          <a:lstStyle/>
+          <a:p>
+            <a:pPr algn="ctr"/>
+            <a:r>
+              <a:rPr lang="en-US" sz="800" dirty="0" smtClean="0">
+                <a:latin typeface="Arial" pitchFamily="34" charset="0"/>
+                <a:cs typeface="Arial" pitchFamily="34" charset="0"/>
+              </a:rPr>
+              <a:t>drop</a:t>
+            </a:r>
+          </a:p>
+        </p:txBody>
+      </p:sp>
+      <p:sp>
+        <p:nvSpPr>
+          <p:cNvPr id="19" name="TextBox 18"/>
+          <p:cNvSpPr txBox="1"/>
+          <p:nvPr/>
+        </p:nvSpPr>
+        <p:spPr>
+          <a:xfrm>
+            <a:off x="3426360" y="96565"/>
+            <a:ext cx="838748" cy="215444"/>
+          </a:xfrm>
+          <a:prstGeom prst="rect">
+            <a:avLst/>
+          </a:prstGeom>
+          <a:noFill/>
+        </p:spPr>
+        <p:txBody>
+          <a:bodyPr wrap="square" rtlCol="0">
+            <a:spAutoFit/>
+          </a:bodyPr>
+          <a:lstStyle/>
+          <a:p>
+            <a:pPr algn="ctr"/>
+            <a:r>
+              <a:rPr lang="en-US" sz="800" dirty="0" smtClean="0">
+                <a:latin typeface="Arial" pitchFamily="34" charset="0"/>
+                <a:cs typeface="Arial" pitchFamily="34" charset="0"/>
+              </a:rPr>
+              <a:t>invalidate</a:t>
+            </a:r>
+          </a:p>
+        </p:txBody>
+      </p:sp>
+      <p:cxnSp>
+        <p:nvCxnSpPr>
+          <p:cNvPr id="20" name="Straight Connector 19"/>
+          <p:cNvCxnSpPr/>
+          <p:nvPr/>
+        </p:nvCxnSpPr>
+        <p:spPr>
+          <a:xfrm>
+            <a:off x="3797203" y="288143"/>
+            <a:ext cx="1" cy="341889"/>
+          </a:xfrm>
+          <a:prstGeom prst="line">
+            <a:avLst/>
+          </a:prstGeom>
+          <a:ln w="12700">
+            <a:solidFill>
+              <a:schemeClr val="tx1"/>
+            </a:solidFill>
+          </a:ln>
+        </p:spPr>
+        <p:style>
+          <a:lnRef idx="1">
+            <a:schemeClr val="accent1"/>
+          </a:lnRef>
+          <a:fillRef idx="0">
+            <a:schemeClr val="accent1"/>
+          </a:fillRef>
+          <a:effectRef idx="0">
+            <a:schemeClr val="accent1"/>
+          </a:effectRef>
+          <a:fontRef idx="minor">
+            <a:schemeClr val="tx1"/>
+          </a:fontRef>
+        </p:style>
+      </p:cxnSp>
+      <p:cxnSp>
+        <p:nvCxnSpPr>
+          <p:cNvPr id="21" name="Straight Arrow Connector 20"/>
+          <p:cNvCxnSpPr/>
+          <p:nvPr/>
+        </p:nvCxnSpPr>
+        <p:spPr>
+          <a:xfrm>
+            <a:off x="2718051" y="292109"/>
+            <a:ext cx="0" cy="343525"/>
+          </a:xfrm>
+          <a:prstGeom prst="straightConnector1">
+            <a:avLst/>
+          </a:prstGeom>
+          <a:ln w="12700">
+            <a:solidFill>
+              <a:schemeClr val="tx1"/>
+            </a:solidFill>
+            <a:tailEnd type="triangle"/>
+          </a:ln>
+        </p:spPr>
+        <p:style>
+          <a:lnRef idx="1">
+            <a:schemeClr val="accent1"/>
+          </a:lnRef>
+          <a:fillRef idx="0">
+            <a:schemeClr val="accent1"/>
+          </a:fillRef>
+          <a:effectRef idx="0">
+            <a:schemeClr val="accent1"/>
+          </a:effectRef>
+          <a:fontRef idx="minor">
+            <a:schemeClr val="tx1"/>
+          </a:fontRef>
+        </p:style>
+      </p:cxnSp>
+      <p:cxnSp>
+        <p:nvCxnSpPr>
+          <p:cNvPr id="22" name="Straight Connector 21"/>
+          <p:cNvCxnSpPr/>
+          <p:nvPr/>
+        </p:nvCxnSpPr>
+        <p:spPr>
+          <a:xfrm flipH="1">
+            <a:off x="2711228" y="288143"/>
+            <a:ext cx="173917" cy="0"/>
+          </a:xfrm>
+          <a:prstGeom prst="line">
+            <a:avLst/>
+          </a:prstGeom>
+          <a:ln w="12700">
+            <a:solidFill>
+              <a:schemeClr val="tx1"/>
+            </a:solidFill>
+          </a:ln>
+        </p:spPr>
+        <p:style>
+          <a:lnRef idx="1">
+            <a:schemeClr val="accent1"/>
+          </a:lnRef>
+          <a:fillRef idx="0">
+            <a:schemeClr val="accent1"/>
+          </a:fillRef>
+          <a:effectRef idx="0">
+            <a:schemeClr val="accent1"/>
+          </a:effectRef>
+          <a:fontRef idx="minor">
+            <a:schemeClr val="tx1"/>
+          </a:fontRef>
+        </p:style>
+      </p:cxnSp>
+    </p:spTree>
+    <p:extLst>
+      <p:ext uri="{BB962C8B-B14F-4D97-AF65-F5344CB8AC3E}">
+        <p14:creationId xmlns:p14="http://schemas.microsoft.com/office/powerpoint/2010/main" val="3058873117"/>
       </p:ext>
     </p:extLst>
   </p:cSld>

--- a/monitoring_hard_drop/figs_src/diagrams-wide.pptx
+++ b/monitoring_hard_drop/figs_src/diagrams-wide.pptx
@@ -293,7 +293,7 @@
           <a:p>
             <a:fld id="{D9DE92D4-3454-4E80-9822-1258D18FA6E8}" type="datetimeFigureOut">
               <a:rPr lang="en-US" smtClean="0"/>
-              <a:t>2/21/2015</a:t>
+              <a:t>2/28/2015</a:t>
             </a:fld>
             <a:endParaRPr lang="en-US"/>
           </a:p>
@@ -463,7 +463,7 @@
           <a:p>
             <a:fld id="{D9DE92D4-3454-4E80-9822-1258D18FA6E8}" type="datetimeFigureOut">
               <a:rPr lang="en-US" smtClean="0"/>
-              <a:t>2/21/2015</a:t>
+              <a:t>2/28/2015</a:t>
             </a:fld>
             <a:endParaRPr lang="en-US"/>
           </a:p>
@@ -643,7 +643,7 @@
           <a:p>
             <a:fld id="{D9DE92D4-3454-4E80-9822-1258D18FA6E8}" type="datetimeFigureOut">
               <a:rPr lang="en-US" smtClean="0"/>
-              <a:t>2/21/2015</a:t>
+              <a:t>2/28/2015</a:t>
             </a:fld>
             <a:endParaRPr lang="en-US"/>
           </a:p>
@@ -813,7 +813,7 @@
           <a:p>
             <a:fld id="{D9DE92D4-3454-4E80-9822-1258D18FA6E8}" type="datetimeFigureOut">
               <a:rPr lang="en-US" smtClean="0"/>
-              <a:t>2/21/2015</a:t>
+              <a:t>2/28/2015</a:t>
             </a:fld>
             <a:endParaRPr lang="en-US"/>
           </a:p>
@@ -1059,7 +1059,7 @@
           <a:p>
             <a:fld id="{D9DE92D4-3454-4E80-9822-1258D18FA6E8}" type="datetimeFigureOut">
               <a:rPr lang="en-US" smtClean="0"/>
-              <a:t>2/21/2015</a:t>
+              <a:t>2/28/2015</a:t>
             </a:fld>
             <a:endParaRPr lang="en-US"/>
           </a:p>
@@ -1347,7 +1347,7 @@
           <a:p>
             <a:fld id="{D9DE92D4-3454-4E80-9822-1258D18FA6E8}" type="datetimeFigureOut">
               <a:rPr lang="en-US" smtClean="0"/>
-              <a:t>2/21/2015</a:t>
+              <a:t>2/28/2015</a:t>
             </a:fld>
             <a:endParaRPr lang="en-US"/>
           </a:p>
@@ -1774,7 +1774,7 @@
           <a:p>
             <a:fld id="{D9DE92D4-3454-4E80-9822-1258D18FA6E8}" type="datetimeFigureOut">
               <a:rPr lang="en-US" smtClean="0"/>
-              <a:t>2/21/2015</a:t>
+              <a:t>2/28/2015</a:t>
             </a:fld>
             <a:endParaRPr lang="en-US"/>
           </a:p>
@@ -1892,7 +1892,7 @@
           <a:p>
             <a:fld id="{D9DE92D4-3454-4E80-9822-1258D18FA6E8}" type="datetimeFigureOut">
               <a:rPr lang="en-US" smtClean="0"/>
-              <a:t>2/21/2015</a:t>
+              <a:t>2/28/2015</a:t>
             </a:fld>
             <a:endParaRPr lang="en-US"/>
           </a:p>
@@ -1987,7 +1987,7 @@
           <a:p>
             <a:fld id="{D9DE92D4-3454-4E80-9822-1258D18FA6E8}" type="datetimeFigureOut">
               <a:rPr lang="en-US" smtClean="0"/>
-              <a:t>2/21/2015</a:t>
+              <a:t>2/28/2015</a:t>
             </a:fld>
             <a:endParaRPr lang="en-US"/>
           </a:p>
@@ -2264,7 +2264,7 @@
           <a:p>
             <a:fld id="{D9DE92D4-3454-4E80-9822-1258D18FA6E8}" type="datetimeFigureOut">
               <a:rPr lang="en-US" smtClean="0"/>
-              <a:t>2/21/2015</a:t>
+              <a:t>2/28/2015</a:t>
             </a:fld>
             <a:endParaRPr lang="en-US"/>
           </a:p>
@@ -2517,7 +2517,7 @@
           <a:p>
             <a:fld id="{D9DE92D4-3454-4E80-9822-1258D18FA6E8}" type="datetimeFigureOut">
               <a:rPr lang="en-US" smtClean="0"/>
-              <a:t>2/21/2015</a:t>
+              <a:t>2/28/2015</a:t>
             </a:fld>
             <a:endParaRPr lang="en-US"/>
           </a:p>
@@ -2730,7 +2730,7 @@
           <a:p>
             <a:fld id="{D9DE92D4-3454-4E80-9822-1258D18FA6E8}" type="datetimeFigureOut">
               <a:rPr lang="en-US" smtClean="0"/>
-              <a:t>2/21/2015</a:t>
+              <a:t>2/28/2015</a:t>
             </a:fld>
             <a:endParaRPr lang="en-US"/>
           </a:p>
@@ -3318,7 +3318,7 @@
         <p:spPr>
           <a:xfrm>
             <a:off x="1289470" y="195842"/>
-            <a:ext cx="0" cy="883447"/>
+            <a:ext cx="0" cy="874790"/>
           </a:xfrm>
           <a:prstGeom prst="straightConnector1">
             <a:avLst/>
@@ -3909,7 +3909,7 @@
             <a:avLst/>
           </a:prstGeom>
           <a:solidFill>
-            <a:srgbClr val="66CCFF"/>
+            <a:srgbClr val="A6CEE3"/>
           </a:solidFill>
           <a:ln w="12700">
             <a:solidFill>
@@ -4126,7 +4126,7 @@
             <a:avLst/>
           </a:prstGeom>
           <a:solidFill>
-            <a:srgbClr val="66CCFF"/>
+            <a:srgbClr val="A6CEE3"/>
           </a:solidFill>
           <a:ln w="12700">
             <a:solidFill>
@@ -4213,7 +4213,7 @@
             <a:avLst/>
           </a:prstGeom>
           <a:solidFill>
-            <a:srgbClr val="66CCFF"/>
+            <a:srgbClr val="A6CEE3"/>
           </a:solidFill>
           <a:ln w="12700">
             <a:solidFill>
@@ -4263,9 +4263,14 @@
           <a:prstGeom prst="rightArrow">
             <a:avLst/>
           </a:prstGeom>
-          <a:solidFill>
-            <a:srgbClr val="C00000"/>
-          </a:solidFill>
+          <a:pattFill prst="ltUpDiag">
+            <a:fgClr>
+              <a:schemeClr val="tx1"/>
+            </a:fgClr>
+            <a:bgClr>
+              <a:srgbClr val="FB9A99"/>
+            </a:bgClr>
+          </a:pattFill>
           <a:ln w="12700">
             <a:solidFill>
               <a:schemeClr val="tx1"/>
@@ -5507,7 +5512,7 @@
             <a:avLst/>
           </a:prstGeom>
           <a:solidFill>
-            <a:srgbClr val="66CCFF"/>
+            <a:srgbClr val="A6CEE3"/>
           </a:solidFill>
           <a:ln w="12700">
             <a:solidFill>
@@ -5571,7 +5576,7 @@
             <a:avLst/>
           </a:prstGeom>
           <a:solidFill>
-            <a:srgbClr val="66CCFF"/>
+            <a:srgbClr val="A6CEE3"/>
           </a:solidFill>
           <a:ln w="12700">
             <a:solidFill>
@@ -10748,7 +10753,7 @@
             <a:avLst/>
           </a:prstGeom>
           <a:solidFill>
-            <a:srgbClr val="66CCFF"/>
+            <a:srgbClr val="A6CEE3"/>
           </a:solidFill>
           <a:ln w="12700">
             <a:solidFill>
@@ -10812,7 +10817,7 @@
             <a:avLst/>
           </a:prstGeom>
           <a:solidFill>
-            <a:srgbClr val="66CCFF"/>
+            <a:srgbClr val="A6CEE3"/>
           </a:solidFill>
           <a:ln w="12700">
             <a:solidFill>

--- a/monitoring_hard_drop/figs_src/diagrams-wide.pptx
+++ b/monitoring_hard_drop/figs_src/diagrams-wide.pptx
@@ -4718,7 +4718,7 @@
                 <a:latin typeface="Arial" pitchFamily="34" charset="0"/>
                 <a:cs typeface="Arial" pitchFamily="34" charset="0"/>
               </a:rPr>
-              <a:t>Watchdog Timer</a:t>
+              <a:t>Countdown Timer</a:t>
             </a:r>
             <a:endParaRPr lang="en-US" sz="800" dirty="0">
               <a:solidFill>

--- a/monitoring_hard_drop/figs_src/diagrams-wide.pptx
+++ b/monitoring_hard_drop/figs_src/diagrams-wide.pptx
@@ -293,7 +293,7 @@
           <a:p>
             <a:fld id="{D9DE92D4-3454-4E80-9822-1258D18FA6E8}" type="datetimeFigureOut">
               <a:rPr lang="en-US" smtClean="0"/>
-              <a:t>2/28/2015</a:t>
+              <a:t>3/6/2015</a:t>
             </a:fld>
             <a:endParaRPr lang="en-US"/>
           </a:p>
@@ -463,7 +463,7 @@
           <a:p>
             <a:fld id="{D9DE92D4-3454-4E80-9822-1258D18FA6E8}" type="datetimeFigureOut">
               <a:rPr lang="en-US" smtClean="0"/>
-              <a:t>2/28/2015</a:t>
+              <a:t>3/6/2015</a:t>
             </a:fld>
             <a:endParaRPr lang="en-US"/>
           </a:p>
@@ -643,7 +643,7 @@
           <a:p>
             <a:fld id="{D9DE92D4-3454-4E80-9822-1258D18FA6E8}" type="datetimeFigureOut">
               <a:rPr lang="en-US" smtClean="0"/>
-              <a:t>2/28/2015</a:t>
+              <a:t>3/6/2015</a:t>
             </a:fld>
             <a:endParaRPr lang="en-US"/>
           </a:p>
@@ -813,7 +813,7 @@
           <a:p>
             <a:fld id="{D9DE92D4-3454-4E80-9822-1258D18FA6E8}" type="datetimeFigureOut">
               <a:rPr lang="en-US" smtClean="0"/>
-              <a:t>2/28/2015</a:t>
+              <a:t>3/6/2015</a:t>
             </a:fld>
             <a:endParaRPr lang="en-US"/>
           </a:p>
@@ -1059,7 +1059,7 @@
           <a:p>
             <a:fld id="{D9DE92D4-3454-4E80-9822-1258D18FA6E8}" type="datetimeFigureOut">
               <a:rPr lang="en-US" smtClean="0"/>
-              <a:t>2/28/2015</a:t>
+              <a:t>3/6/2015</a:t>
             </a:fld>
             <a:endParaRPr lang="en-US"/>
           </a:p>
@@ -1347,7 +1347,7 @@
           <a:p>
             <a:fld id="{D9DE92D4-3454-4E80-9822-1258D18FA6E8}" type="datetimeFigureOut">
               <a:rPr lang="en-US" smtClean="0"/>
-              <a:t>2/28/2015</a:t>
+              <a:t>3/6/2015</a:t>
             </a:fld>
             <a:endParaRPr lang="en-US"/>
           </a:p>
@@ -1774,7 +1774,7 @@
           <a:p>
             <a:fld id="{D9DE92D4-3454-4E80-9822-1258D18FA6E8}" type="datetimeFigureOut">
               <a:rPr lang="en-US" smtClean="0"/>
-              <a:t>2/28/2015</a:t>
+              <a:t>3/6/2015</a:t>
             </a:fld>
             <a:endParaRPr lang="en-US"/>
           </a:p>
@@ -1892,7 +1892,7 @@
           <a:p>
             <a:fld id="{D9DE92D4-3454-4E80-9822-1258D18FA6E8}" type="datetimeFigureOut">
               <a:rPr lang="en-US" smtClean="0"/>
-              <a:t>2/28/2015</a:t>
+              <a:t>3/6/2015</a:t>
             </a:fld>
             <a:endParaRPr lang="en-US"/>
           </a:p>
@@ -1987,7 +1987,7 @@
           <a:p>
             <a:fld id="{D9DE92D4-3454-4E80-9822-1258D18FA6E8}" type="datetimeFigureOut">
               <a:rPr lang="en-US" smtClean="0"/>
-              <a:t>2/28/2015</a:t>
+              <a:t>3/6/2015</a:t>
             </a:fld>
             <a:endParaRPr lang="en-US"/>
           </a:p>
@@ -2264,7 +2264,7 @@
           <a:p>
             <a:fld id="{D9DE92D4-3454-4E80-9822-1258D18FA6E8}" type="datetimeFigureOut">
               <a:rPr lang="en-US" smtClean="0"/>
-              <a:t>2/28/2015</a:t>
+              <a:t>3/6/2015</a:t>
             </a:fld>
             <a:endParaRPr lang="en-US"/>
           </a:p>
@@ -2517,7 +2517,7 @@
           <a:p>
             <a:fld id="{D9DE92D4-3454-4E80-9822-1258D18FA6E8}" type="datetimeFigureOut">
               <a:rPr lang="en-US" smtClean="0"/>
-              <a:t>2/28/2015</a:t>
+              <a:t>3/6/2015</a:t>
             </a:fld>
             <a:endParaRPr lang="en-US"/>
           </a:p>
@@ -2730,7 +2730,7 @@
           <a:p>
             <a:fld id="{D9DE92D4-3454-4E80-9822-1258D18FA6E8}" type="datetimeFigureOut">
               <a:rPr lang="en-US" smtClean="0"/>
-              <a:t>2/28/2015</a:t>
+              <a:t>3/6/2015</a:t>
             </a:fld>
             <a:endParaRPr lang="en-US"/>
           </a:p>
@@ -4629,14 +4629,14 @@
       </p:grpSpPr>
       <p:sp>
         <p:nvSpPr>
-          <p:cNvPr id="2" name="TextBox 1"/>
+          <p:cNvPr id="68" name="TextBox 67"/>
           <p:cNvSpPr txBox="1"/>
           <p:nvPr/>
         </p:nvSpPr>
         <p:spPr>
           <a:xfrm>
-            <a:off x="4312526" y="170126"/>
-            <a:ext cx="706959" cy="338554"/>
+            <a:off x="2188804" y="224456"/>
+            <a:ext cx="796815" cy="338554"/>
           </a:xfrm>
           <a:prstGeom prst="rect">
             <a:avLst/>
@@ -4657,7 +4657,7 @@
                 <a:latin typeface="Arial" pitchFamily="34" charset="0"/>
                 <a:cs typeface="Arial" pitchFamily="34" charset="0"/>
               </a:rPr>
-              <a:t>drop decision</a:t>
+              <a:t>remaining time</a:t>
             </a:r>
             <a:endParaRPr lang="en-US" sz="800" dirty="0">
               <a:latin typeface="Arial" pitchFamily="34" charset="0"/>
@@ -4668,14 +4668,50 @@
       </p:sp>
       <p:sp>
         <p:nvSpPr>
-          <p:cNvPr id="3" name="Rectangle 2"/>
+          <p:cNvPr id="36" name="TextBox 35"/>
+          <p:cNvSpPr txBox="1"/>
+          <p:nvPr/>
+        </p:nvSpPr>
+        <p:spPr>
+          <a:xfrm>
+            <a:off x="670719" y="228715"/>
+            <a:ext cx="1078971" cy="215444"/>
+          </a:xfrm>
+          <a:prstGeom prst="rect">
+            <a:avLst/>
+          </a:prstGeom>
+          <a:noFill/>
+        </p:spPr>
+        <p:txBody>
+          <a:bodyPr wrap="square" rtlCol="0">
+            <a:spAutoFit/>
+          </a:bodyPr>
+          <a:lstStyle/>
+          <a:p>
+            <a:r>
+              <a:rPr lang="en-US" sz="800" dirty="0" smtClean="0">
+                <a:latin typeface="Arial" pitchFamily="34" charset="0"/>
+                <a:cs typeface="Arial" pitchFamily="34" charset="0"/>
+              </a:rPr>
+              <a:t>sub-task WCET</a:t>
+            </a:r>
+            <a:endParaRPr lang="en-US" sz="800" dirty="0" smtClean="0">
+              <a:latin typeface="Arial" pitchFamily="34" charset="0"/>
+              <a:cs typeface="Arial" pitchFamily="34" charset="0"/>
+            </a:endParaRPr>
+          </a:p>
+        </p:txBody>
+      </p:sp>
+      <p:sp>
+        <p:nvSpPr>
+          <p:cNvPr id="33" name="Rectangle 32"/>
           <p:cNvSpPr/>
           <p:nvPr/>
         </p:nvSpPr>
         <p:spPr>
           <a:xfrm>
-            <a:off x="1098019" y="247861"/>
-            <a:ext cx="850899" cy="514620"/>
+            <a:off x="2786914" y="1349909"/>
+            <a:ext cx="703174" cy="375728"/>
           </a:xfrm>
           <a:prstGeom prst="rect">
             <a:avLst/>
@@ -4718,7 +4754,7 @@
                 <a:latin typeface="Arial" pitchFamily="34" charset="0"/>
                 <a:cs typeface="Arial" pitchFamily="34" charset="0"/>
               </a:rPr>
-              <a:t>Countdown Timer</a:t>
+              <a:t>FIFO</a:t>
             </a:r>
             <a:endParaRPr lang="en-US" sz="800" dirty="0">
               <a:solidFill>
@@ -4730,94 +4766,52 @@
           </a:p>
         </p:txBody>
       </p:sp>
-      <p:sp>
-        <p:nvSpPr>
-          <p:cNvPr id="5" name="TextBox 4"/>
-          <p:cNvSpPr txBox="1"/>
-          <p:nvPr/>
-        </p:nvSpPr>
-        <p:spPr>
-          <a:xfrm>
-            <a:off x="399519" y="338554"/>
-            <a:ext cx="689275" cy="338554"/>
-          </a:xfrm>
-          <a:prstGeom prst="rect">
-            <a:avLst/>
-          </a:prstGeom>
-          <a:noFill/>
-          <a:ln w="12700">
-            <a:noFill/>
+      <p:cxnSp>
+        <p:nvCxnSpPr>
+          <p:cNvPr id="35" name="Straight Arrow Connector 34"/>
+          <p:cNvCxnSpPr/>
+          <p:nvPr/>
+        </p:nvCxnSpPr>
+        <p:spPr>
+          <a:xfrm>
+            <a:off x="724834" y="424001"/>
+            <a:ext cx="802111" cy="0"/>
+          </a:xfrm>
+          <a:prstGeom prst="straightConnector1">
+            <a:avLst/>
+          </a:prstGeom>
+          <a:ln w="12700" cmpd="sng">
+            <a:solidFill>
+              <a:schemeClr val="tx1"/>
+            </a:solidFill>
+            <a:tailEnd type="triangle"/>
           </a:ln>
         </p:spPr>
-        <p:txBody>
-          <a:bodyPr wrap="square" rtlCol="0">
-            <a:spAutoFit/>
-          </a:bodyPr>
-          <a:lstStyle/>
-          <a:p>
-            <a:r>
-              <a:rPr lang="en-US" sz="800" dirty="0" smtClean="0">
-                <a:latin typeface="Arial" pitchFamily="34" charset="0"/>
-                <a:cs typeface="Arial" pitchFamily="34" charset="0"/>
-              </a:rPr>
-              <a:t>start sub-task</a:t>
-            </a:r>
-            <a:endParaRPr lang="en-US" sz="800" dirty="0">
-              <a:latin typeface="Arial" pitchFamily="34" charset="0"/>
-              <a:cs typeface="Arial" pitchFamily="34" charset="0"/>
-            </a:endParaRPr>
-          </a:p>
-        </p:txBody>
-      </p:sp>
-      <p:sp>
-        <p:nvSpPr>
-          <p:cNvPr id="7" name="TextBox 6"/>
-          <p:cNvSpPr txBox="1"/>
-          <p:nvPr/>
-        </p:nvSpPr>
-        <p:spPr>
-          <a:xfrm>
-            <a:off x="399519" y="0"/>
-            <a:ext cx="689274" cy="338554"/>
-          </a:xfrm>
-          <a:prstGeom prst="rect">
-            <a:avLst/>
-          </a:prstGeom>
-          <a:noFill/>
-          <a:ln w="12700">
-            <a:noFill/>
-          </a:ln>
-        </p:spPr>
-        <p:txBody>
-          <a:bodyPr wrap="square" rtlCol="0">
-            <a:spAutoFit/>
-          </a:bodyPr>
-          <a:lstStyle/>
-          <a:p>
-            <a:r>
-              <a:rPr lang="en-US" sz="800" dirty="0" smtClean="0">
-                <a:latin typeface="Arial" pitchFamily="34" charset="0"/>
-                <a:cs typeface="Arial" pitchFamily="34" charset="0"/>
-              </a:rPr>
-              <a:t>sub-task WCET</a:t>
-            </a:r>
-            <a:endParaRPr lang="en-US" sz="800" dirty="0">
-              <a:latin typeface="Arial" pitchFamily="34" charset="0"/>
-              <a:cs typeface="Arial" pitchFamily="34" charset="0"/>
-            </a:endParaRPr>
-          </a:p>
-        </p:txBody>
-      </p:sp>
-      <p:sp>
-        <p:nvSpPr>
-          <p:cNvPr id="8" name="Rectangle 7"/>
+        <p:style>
+          <a:lnRef idx="1">
+            <a:schemeClr val="accent1"/>
+          </a:lnRef>
+          <a:fillRef idx="0">
+            <a:schemeClr val="accent1"/>
+          </a:fillRef>
+          <a:effectRef idx="0">
+            <a:schemeClr val="accent1"/>
+          </a:effectRef>
+          <a:fontRef idx="minor">
+            <a:schemeClr val="tx1"/>
+          </a:fontRef>
+        </p:style>
+      </p:cxnSp>
+      <p:sp>
+        <p:nvSpPr>
+          <p:cNvPr id="38" name="Rectangle 37"/>
           <p:cNvSpPr/>
           <p:nvPr/>
         </p:nvSpPr>
         <p:spPr>
           <a:xfrm>
-            <a:off x="2745733" y="247860"/>
-            <a:ext cx="990600" cy="514622"/>
+            <a:off x="1526945" y="336437"/>
+            <a:ext cx="703174" cy="375728"/>
           </a:xfrm>
           <a:prstGeom prst="rect">
             <a:avLst/>
@@ -4860,9 +4854,98 @@
                 <a:latin typeface="Arial" pitchFamily="34" charset="0"/>
                 <a:cs typeface="Arial" pitchFamily="34" charset="0"/>
               </a:rPr>
-              <a:t>Dynamic</a:t>
-            </a:r>
-          </a:p>
+              <a:t>Countdown Timer</a:t>
+            </a:r>
+            <a:endParaRPr lang="en-US" sz="800" dirty="0">
+              <a:solidFill>
+                <a:sysClr val="windowText" lastClr="000000"/>
+              </a:solidFill>
+              <a:latin typeface="Arial" pitchFamily="34" charset="0"/>
+              <a:cs typeface="Arial" pitchFamily="34" charset="0"/>
+            </a:endParaRPr>
+          </a:p>
+        </p:txBody>
+      </p:sp>
+      <p:cxnSp>
+        <p:nvCxnSpPr>
+          <p:cNvPr id="39" name="Straight Arrow Connector 38"/>
+          <p:cNvCxnSpPr>
+            <a:endCxn id="33" idx="1"/>
+          </p:cNvCxnSpPr>
+          <p:nvPr/>
+        </p:nvCxnSpPr>
+        <p:spPr>
+          <a:xfrm>
+            <a:off x="728036" y="1537773"/>
+            <a:ext cx="2058878" cy="0"/>
+          </a:xfrm>
+          <a:prstGeom prst="straightConnector1">
+            <a:avLst/>
+          </a:prstGeom>
+          <a:ln w="12700">
+            <a:solidFill>
+              <a:schemeClr val="tx1"/>
+            </a:solidFill>
+            <a:tailEnd type="triangle"/>
+          </a:ln>
+        </p:spPr>
+        <p:style>
+          <a:lnRef idx="1">
+            <a:schemeClr val="accent1"/>
+          </a:lnRef>
+          <a:fillRef idx="0">
+            <a:schemeClr val="accent1"/>
+          </a:fillRef>
+          <a:effectRef idx="0">
+            <a:schemeClr val="accent1"/>
+          </a:effectRef>
+          <a:fontRef idx="minor">
+            <a:schemeClr val="tx1"/>
+          </a:fontRef>
+        </p:style>
+      </p:cxnSp>
+      <p:sp>
+        <p:nvSpPr>
+          <p:cNvPr id="42" name="Rectangle 41"/>
+          <p:cNvSpPr/>
+          <p:nvPr/>
+        </p:nvSpPr>
+        <p:spPr>
+          <a:xfrm>
+            <a:off x="4556919" y="254964"/>
+            <a:ext cx="676176" cy="1573836"/>
+          </a:xfrm>
+          <a:prstGeom prst="rect">
+            <a:avLst/>
+          </a:prstGeom>
+          <a:solidFill>
+            <a:srgbClr val="A6CEE3"/>
+          </a:solidFill>
+          <a:ln w="12700">
+            <a:solidFill>
+              <a:schemeClr val="tx1"/>
+            </a:solidFill>
+          </a:ln>
+        </p:spPr>
+        <p:style>
+          <a:lnRef idx="2">
+            <a:schemeClr val="accent1">
+              <a:shade val="50000"/>
+            </a:schemeClr>
+          </a:lnRef>
+          <a:fillRef idx="1">
+            <a:schemeClr val="accent1"/>
+          </a:fillRef>
+          <a:effectRef idx="0">
+            <a:schemeClr val="accent1"/>
+          </a:effectRef>
+          <a:fontRef idx="minor">
+            <a:schemeClr val="lt1"/>
+          </a:fontRef>
+        </p:style>
+        <p:txBody>
+          <a:bodyPr rtlCol="0" anchor="ctr"/>
+          <a:lstStyle/>
           <a:p>
             <a:pPr algn="ctr"/>
             <a:r>
@@ -4873,7 +4956,7 @@
                 <a:latin typeface="Arial" pitchFamily="34" charset="0"/>
                 <a:cs typeface="Arial" pitchFamily="34" charset="0"/>
               </a:rPr>
-              <a:t>Slack</a:t>
+              <a:t>Monitoring Core</a:t>
             </a:r>
             <a:endParaRPr lang="en-US" sz="800" dirty="0">
               <a:solidFill>
@@ -4887,14 +4970,16 @@
       </p:sp>
       <p:cxnSp>
         <p:nvCxnSpPr>
-          <p:cNvPr id="9" name="Straight Arrow Connector 8"/>
-          <p:cNvCxnSpPr/>
+          <p:cNvPr id="44" name="Straight Arrow Connector 43"/>
+          <p:cNvCxnSpPr>
+            <a:stCxn id="33" idx="3"/>
+          </p:cNvCxnSpPr>
           <p:nvPr/>
         </p:nvCxnSpPr>
         <p:spPr>
-          <a:xfrm flipV="1">
-            <a:off x="1948918" y="507830"/>
-            <a:ext cx="796815" cy="1"/>
+          <a:xfrm>
+            <a:off x="3490088" y="1537773"/>
+            <a:ext cx="1066831" cy="0"/>
           </a:xfrm>
           <a:prstGeom prst="straightConnector1">
             <a:avLst/>
@@ -4903,7 +4988,7 @@
             <a:solidFill>
               <a:schemeClr val="tx1"/>
             </a:solidFill>
-            <a:tailEnd type="triangle" w="med" len="med"/>
+            <a:tailEnd type="triangle"/>
           </a:ln>
         </p:spPr>
         <p:style>
@@ -4923,22 +5008,19 @@
       </p:cxnSp>
       <p:sp>
         <p:nvSpPr>
-          <p:cNvPr id="10" name="TextBox 9"/>
+          <p:cNvPr id="59" name="TextBox 58"/>
           <p:cNvSpPr txBox="1"/>
           <p:nvPr/>
         </p:nvSpPr>
         <p:spPr>
           <a:xfrm>
-            <a:off x="1948917" y="169277"/>
-            <a:ext cx="796815" cy="338554"/>
+            <a:off x="670719" y="444159"/>
+            <a:ext cx="875297" cy="215444"/>
           </a:xfrm>
           <a:prstGeom prst="rect">
             <a:avLst/>
           </a:prstGeom>
           <a:noFill/>
-          <a:ln w="12700">
-            <a:noFill/>
-          </a:ln>
         </p:spPr>
         <p:txBody>
           <a:bodyPr wrap="square" rtlCol="0">
@@ -4951,34 +5033,97 @@
                 <a:latin typeface="Arial" pitchFamily="34" charset="0"/>
                 <a:cs typeface="Arial" pitchFamily="34" charset="0"/>
               </a:rPr>
-              <a:t>remaining time</a:t>
-            </a:r>
-            <a:endParaRPr lang="en-US" sz="800" dirty="0">
+              <a:t>start sub-task</a:t>
+            </a:r>
+            <a:endParaRPr lang="en-US" sz="800" dirty="0" smtClean="0">
               <a:latin typeface="Arial" pitchFamily="34" charset="0"/>
               <a:cs typeface="Arial" pitchFamily="34" charset="0"/>
             </a:endParaRPr>
           </a:p>
         </p:txBody>
       </p:sp>
-      <p:cxnSp>
-        <p:nvCxnSpPr>
-          <p:cNvPr id="11" name="Straight Arrow Connector 10"/>
-          <p:cNvCxnSpPr/>
-          <p:nvPr/>
-        </p:nvCxnSpPr>
-        <p:spPr>
-          <a:xfrm>
-            <a:off x="2440932" y="677108"/>
-            <a:ext cx="304800" cy="0"/>
-          </a:xfrm>
-          <a:prstGeom prst="straightConnector1">
-            <a:avLst/>
-          </a:prstGeom>
+      <p:sp>
+        <p:nvSpPr>
+          <p:cNvPr id="61" name="Rectangle 60"/>
+          <p:cNvSpPr/>
+          <p:nvPr/>
+        </p:nvSpPr>
+        <p:spPr>
+          <a:xfrm>
+            <a:off x="2786913" y="336437"/>
+            <a:ext cx="703174" cy="375728"/>
+          </a:xfrm>
+          <a:prstGeom prst="rect">
+            <a:avLst/>
+          </a:prstGeom>
+          <a:solidFill>
+            <a:srgbClr val="FFFFCC"/>
+          </a:solidFill>
           <a:ln w="12700">
             <a:solidFill>
               <a:schemeClr val="tx1"/>
             </a:solidFill>
-            <a:tailEnd type="triangle"/>
+          </a:ln>
+        </p:spPr>
+        <p:style>
+          <a:lnRef idx="2">
+            <a:schemeClr val="accent1">
+              <a:shade val="50000"/>
+            </a:schemeClr>
+          </a:lnRef>
+          <a:fillRef idx="1">
+            <a:schemeClr val="accent1"/>
+          </a:fillRef>
+          <a:effectRef idx="0">
+            <a:schemeClr val="accent1"/>
+          </a:effectRef>
+          <a:fontRef idx="minor">
+            <a:schemeClr val="lt1"/>
+          </a:fontRef>
+        </p:style>
+        <p:txBody>
+          <a:bodyPr rtlCol="0" anchor="ctr"/>
+          <a:lstStyle/>
+          <a:p>
+            <a:pPr algn="ctr"/>
+            <a:r>
+              <a:rPr lang="en-US" sz="800" dirty="0" smtClean="0">
+                <a:solidFill>
+                  <a:sysClr val="windowText" lastClr="000000"/>
+                </a:solidFill>
+                <a:latin typeface="Arial" pitchFamily="34" charset="0"/>
+                <a:cs typeface="Arial" pitchFamily="34" charset="0"/>
+              </a:rPr>
+              <a:t>Dynamic Slack</a:t>
+            </a:r>
+            <a:endParaRPr lang="en-US" sz="800" dirty="0">
+              <a:solidFill>
+                <a:sysClr val="windowText" lastClr="000000"/>
+              </a:solidFill>
+              <a:latin typeface="Arial" pitchFamily="34" charset="0"/>
+              <a:cs typeface="Arial" pitchFamily="34" charset="0"/>
+            </a:endParaRPr>
+          </a:p>
+        </p:txBody>
+      </p:sp>
+      <p:cxnSp>
+        <p:nvCxnSpPr>
+          <p:cNvPr id="62" name="Straight Connector 61"/>
+          <p:cNvCxnSpPr/>
+          <p:nvPr/>
+        </p:nvCxnSpPr>
+        <p:spPr>
+          <a:xfrm flipH="1">
+            <a:off x="724834" y="961838"/>
+            <a:ext cx="1834240" cy="0"/>
+          </a:xfrm>
+          <a:prstGeom prst="line">
+            <a:avLst/>
+          </a:prstGeom>
+          <a:ln w="12700">
+            <a:solidFill>
+              <a:schemeClr val="tx1"/>
+            </a:solidFill>
           </a:ln>
         </p:spPr>
         <p:style>
@@ -4998,22 +5143,98 @@
       </p:cxnSp>
       <p:cxnSp>
         <p:nvCxnSpPr>
-          <p:cNvPr id="12" name="Straight Connector 11"/>
-          <p:cNvCxnSpPr/>
+          <p:cNvPr id="64" name="Straight Arrow Connector 63"/>
+          <p:cNvCxnSpPr>
+            <a:stCxn id="38" idx="3"/>
+            <a:endCxn id="61" idx="1"/>
+          </p:cNvCxnSpPr>
           <p:nvPr/>
         </p:nvCxnSpPr>
         <p:spPr>
           <a:xfrm>
-            <a:off x="2440933" y="677108"/>
-            <a:ext cx="0" cy="313356"/>
-          </a:xfrm>
-          <a:prstGeom prst="line">
+            <a:off x="2230119" y="524301"/>
+            <a:ext cx="556794" cy="0"/>
+          </a:xfrm>
+          <a:prstGeom prst="straightConnector1">
             <a:avLst/>
           </a:prstGeom>
           <a:ln w="12700">
             <a:solidFill>
               <a:schemeClr val="tx1"/>
             </a:solidFill>
+            <a:tailEnd type="triangle" w="med" len="med"/>
+          </a:ln>
+        </p:spPr>
+        <p:style>
+          <a:lnRef idx="1">
+            <a:schemeClr val="accent1"/>
+          </a:lnRef>
+          <a:fillRef idx="0">
+            <a:schemeClr val="accent1"/>
+          </a:fillRef>
+          <a:effectRef idx="0">
+            <a:schemeClr val="accent1"/>
+          </a:effectRef>
+          <a:fontRef idx="minor">
+            <a:schemeClr val="tx1"/>
+          </a:fontRef>
+        </p:style>
+      </p:cxnSp>
+      <p:sp>
+        <p:nvSpPr>
+          <p:cNvPr id="70" name="TextBox 69"/>
+          <p:cNvSpPr txBox="1"/>
+          <p:nvPr/>
+        </p:nvSpPr>
+        <p:spPr>
+          <a:xfrm>
+            <a:off x="670719" y="758802"/>
+            <a:ext cx="821659" cy="215444"/>
+          </a:xfrm>
+          <a:prstGeom prst="rect">
+            <a:avLst/>
+          </a:prstGeom>
+          <a:noFill/>
+        </p:spPr>
+        <p:txBody>
+          <a:bodyPr wrap="square" rtlCol="0">
+            <a:spAutoFit/>
+          </a:bodyPr>
+          <a:lstStyle/>
+          <a:p>
+            <a:r>
+              <a:rPr lang="en-US" sz="800" dirty="0" smtClean="0">
+                <a:latin typeface="Arial" pitchFamily="34" charset="0"/>
+                <a:cs typeface="Arial" pitchFamily="34" charset="0"/>
+              </a:rPr>
+              <a:t>end sub-task</a:t>
+            </a:r>
+            <a:endParaRPr lang="en-US" sz="800" dirty="0" smtClean="0">
+              <a:latin typeface="Arial" pitchFamily="34" charset="0"/>
+              <a:cs typeface="Arial" pitchFamily="34" charset="0"/>
+            </a:endParaRPr>
+          </a:p>
+        </p:txBody>
+      </p:sp>
+      <p:cxnSp>
+        <p:nvCxnSpPr>
+          <p:cNvPr id="78" name="Straight Arrow Connector 77"/>
+          <p:cNvCxnSpPr/>
+          <p:nvPr/>
+        </p:nvCxnSpPr>
+        <p:spPr>
+          <a:xfrm>
+            <a:off x="724833" y="640724"/>
+            <a:ext cx="802111" cy="0"/>
+          </a:xfrm>
+          <a:prstGeom prst="straightConnector1">
+            <a:avLst/>
+          </a:prstGeom>
+          <a:ln w="12700" cmpd="sng">
+            <a:solidFill>
+              <a:schemeClr val="tx1"/>
+            </a:solidFill>
+            <a:tailEnd type="triangle"/>
           </a:ln>
         </p:spPr>
         <p:style>
@@ -5033,22 +5254,23 @@
       </p:cxnSp>
       <p:cxnSp>
         <p:nvCxnSpPr>
-          <p:cNvPr id="13" name="Straight Connector 12"/>
+          <p:cNvPr id="81" name="Straight Arrow Connector 80"/>
           <p:cNvCxnSpPr/>
           <p:nvPr/>
         </p:nvCxnSpPr>
         <p:spPr>
-          <a:xfrm flipH="1">
-            <a:off x="394065" y="990464"/>
-            <a:ext cx="2046869" cy="0"/>
-          </a:xfrm>
-          <a:prstGeom prst="line">
+          <a:xfrm>
+            <a:off x="2559074" y="640724"/>
+            <a:ext cx="227839" cy="0"/>
+          </a:xfrm>
+          <a:prstGeom prst="straightConnector1">
             <a:avLst/>
           </a:prstGeom>
           <a:ln w="12700">
             <a:solidFill>
               <a:schemeClr val="tx1"/>
             </a:solidFill>
+            <a:tailEnd type="triangle"/>
           </a:ln>
         </p:spPr>
         <p:style>
@@ -5066,67 +5288,24 @@
           </a:fontRef>
         </p:style>
       </p:cxnSp>
-      <p:sp>
-        <p:nvSpPr>
-          <p:cNvPr id="14" name="TextBox 13"/>
-          <p:cNvSpPr txBox="1"/>
-          <p:nvPr/>
-        </p:nvSpPr>
-        <p:spPr>
-          <a:xfrm>
-            <a:off x="399519" y="775020"/>
-            <a:ext cx="1000342" cy="215444"/>
-          </a:xfrm>
-          <a:prstGeom prst="rect">
-            <a:avLst/>
-          </a:prstGeom>
-          <a:noFill/>
-          <a:ln w="12700">
-            <a:noFill/>
-          </a:ln>
-        </p:spPr>
-        <p:txBody>
-          <a:bodyPr wrap="square" rtlCol="0">
-            <a:spAutoFit/>
-          </a:bodyPr>
-          <a:lstStyle/>
-          <a:p>
-            <a:r>
-              <a:rPr lang="en-US" sz="800" dirty="0" smtClean="0">
-                <a:latin typeface="Arial" pitchFamily="34" charset="0"/>
-                <a:cs typeface="Arial" pitchFamily="34" charset="0"/>
-              </a:rPr>
-              <a:t>end sub-task</a:t>
-            </a:r>
-            <a:endParaRPr lang="en-US" sz="800" dirty="0">
-              <a:latin typeface="Arial" pitchFamily="34" charset="0"/>
-              <a:cs typeface="Arial" pitchFamily="34" charset="0"/>
-            </a:endParaRPr>
-          </a:p>
-        </p:txBody>
-      </p:sp>
       <p:cxnSp>
         <p:nvCxnSpPr>
-          <p:cNvPr id="15" name="Straight Arrow Connector 14"/>
-          <p:cNvCxnSpPr>
-            <a:stCxn id="8" idx="3"/>
-            <a:endCxn id="17" idx="2"/>
-          </p:cNvCxnSpPr>
+          <p:cNvPr id="83" name="Straight Connector 82"/>
+          <p:cNvCxnSpPr/>
           <p:nvPr/>
         </p:nvCxnSpPr>
         <p:spPr>
           <a:xfrm>
-            <a:off x="3736333" y="505171"/>
-            <a:ext cx="226431" cy="3509"/>
-          </a:xfrm>
-          <a:prstGeom prst="straightConnector1">
+            <a:off x="2559074" y="640724"/>
+            <a:ext cx="0" cy="313356"/>
+          </a:xfrm>
+          <a:prstGeom prst="line">
             <a:avLst/>
           </a:prstGeom>
           <a:ln w="12700">
             <a:solidFill>
               <a:schemeClr val="tx1"/>
             </a:solidFill>
-            <a:tailEnd type="triangle"/>
           </a:ln>
         </p:spPr>
         <p:style>
@@ -5146,16 +5325,16 @@
       </p:cxnSp>
       <p:sp>
         <p:nvSpPr>
-          <p:cNvPr id="16" name="Rectangle 15"/>
+          <p:cNvPr id="85" name="Oval 84"/>
           <p:cNvSpPr/>
           <p:nvPr/>
         </p:nvSpPr>
         <p:spPr>
           <a:xfrm>
-            <a:off x="2745733" y="858492"/>
-            <a:ext cx="988431" cy="257115"/>
-          </a:xfrm>
-          <a:prstGeom prst="rect">
+            <a:off x="3770191" y="427673"/>
+            <a:ext cx="192573" cy="193255"/>
+          </a:xfrm>
+          <a:prstGeom prst="ellipse">
             <a:avLst/>
           </a:prstGeom>
           <a:solidFill>
@@ -5189,6 +5368,419 @@
           <a:p>
             <a:pPr algn="ctr"/>
             <a:r>
+              <a:rPr lang="en-US" sz="800" b="1" dirty="0" smtClean="0">
+                <a:solidFill>
+                  <a:schemeClr val="tx1"/>
+                </a:solidFill>
+                <a:latin typeface="Arial" pitchFamily="34" charset="0"/>
+                <a:cs typeface="Arial" pitchFamily="34" charset="0"/>
+              </a:rPr>
+              <a:t>&gt;</a:t>
+            </a:r>
+            <a:endParaRPr lang="en-US" sz="800" b="1" dirty="0">
+              <a:solidFill>
+                <a:schemeClr val="tx1"/>
+              </a:solidFill>
+              <a:latin typeface="Arial" pitchFamily="34" charset="0"/>
+              <a:cs typeface="Arial" pitchFamily="34" charset="0"/>
+            </a:endParaRPr>
+          </a:p>
+        </p:txBody>
+      </p:sp>
+      <p:cxnSp>
+        <p:nvCxnSpPr>
+          <p:cNvPr id="105" name="Straight Arrow Connector 104"/>
+          <p:cNvCxnSpPr/>
+          <p:nvPr/>
+        </p:nvCxnSpPr>
+        <p:spPr>
+          <a:xfrm>
+            <a:off x="3493090" y="533002"/>
+            <a:ext cx="277101" cy="0"/>
+          </a:xfrm>
+          <a:prstGeom prst="straightConnector1">
+            <a:avLst/>
+          </a:prstGeom>
+          <a:ln w="12700">
+            <a:solidFill>
+              <a:schemeClr val="tx1"/>
+            </a:solidFill>
+            <a:tailEnd type="triangle"/>
+          </a:ln>
+        </p:spPr>
+        <p:style>
+          <a:lnRef idx="1">
+            <a:schemeClr val="accent1"/>
+          </a:lnRef>
+          <a:fillRef idx="0">
+            <a:schemeClr val="accent1"/>
+          </a:fillRef>
+          <a:effectRef idx="0">
+            <a:schemeClr val="accent1"/>
+          </a:effectRef>
+          <a:fontRef idx="minor">
+            <a:schemeClr val="tx1"/>
+          </a:fontRef>
+        </p:style>
+      </p:cxnSp>
+      <p:sp>
+        <p:nvSpPr>
+          <p:cNvPr id="106" name="Rectangle 105"/>
+          <p:cNvSpPr/>
+          <p:nvPr/>
+        </p:nvSpPr>
+        <p:spPr>
+          <a:xfrm>
+            <a:off x="51859" y="254962"/>
+            <a:ext cx="676177" cy="1573837"/>
+          </a:xfrm>
+          <a:prstGeom prst="rect">
+            <a:avLst/>
+          </a:prstGeom>
+          <a:solidFill>
+            <a:srgbClr val="A6CEE3"/>
+          </a:solidFill>
+          <a:ln w="12700">
+            <a:solidFill>
+              <a:schemeClr val="tx1"/>
+            </a:solidFill>
+          </a:ln>
+        </p:spPr>
+        <p:style>
+          <a:lnRef idx="2">
+            <a:schemeClr val="accent1">
+              <a:shade val="50000"/>
+            </a:schemeClr>
+          </a:lnRef>
+          <a:fillRef idx="1">
+            <a:schemeClr val="accent1"/>
+          </a:fillRef>
+          <a:effectRef idx="0">
+            <a:schemeClr val="accent1"/>
+          </a:effectRef>
+          <a:fontRef idx="minor">
+            <a:schemeClr val="lt1"/>
+          </a:fontRef>
+        </p:style>
+        <p:txBody>
+          <a:bodyPr rtlCol="0" anchor="ctr"/>
+          <a:lstStyle/>
+          <a:p>
+            <a:pPr algn="ctr"/>
+            <a:r>
+              <a:rPr lang="en-US" sz="800" dirty="0" smtClean="0">
+                <a:solidFill>
+                  <a:sysClr val="windowText" lastClr="000000"/>
+                </a:solidFill>
+                <a:latin typeface="Arial" pitchFamily="34" charset="0"/>
+                <a:cs typeface="Arial" pitchFamily="34" charset="0"/>
+              </a:rPr>
+              <a:t>Main</a:t>
+            </a:r>
+          </a:p>
+          <a:p>
+            <a:pPr algn="ctr"/>
+            <a:r>
+              <a:rPr lang="en-US" sz="800" dirty="0" smtClean="0">
+                <a:solidFill>
+                  <a:sysClr val="windowText" lastClr="000000"/>
+                </a:solidFill>
+                <a:latin typeface="Arial" pitchFamily="34" charset="0"/>
+                <a:cs typeface="Arial" pitchFamily="34" charset="0"/>
+              </a:rPr>
+              <a:t>Core</a:t>
+            </a:r>
+            <a:endParaRPr lang="en-US" sz="800" dirty="0">
+              <a:solidFill>
+                <a:sysClr val="windowText" lastClr="000000"/>
+              </a:solidFill>
+              <a:latin typeface="Arial" pitchFamily="34" charset="0"/>
+              <a:cs typeface="Arial" pitchFamily="34" charset="0"/>
+            </a:endParaRPr>
+          </a:p>
+        </p:txBody>
+      </p:sp>
+      <p:cxnSp>
+        <p:nvCxnSpPr>
+          <p:cNvPr id="107" name="Straight Arrow Connector 106"/>
+          <p:cNvCxnSpPr/>
+          <p:nvPr/>
+        </p:nvCxnSpPr>
+        <p:spPr>
+          <a:xfrm>
+            <a:off x="3964559" y="533002"/>
+            <a:ext cx="592360" cy="0"/>
+          </a:xfrm>
+          <a:prstGeom prst="straightConnector1">
+            <a:avLst/>
+          </a:prstGeom>
+          <a:ln w="12700">
+            <a:solidFill>
+              <a:schemeClr val="tx1"/>
+            </a:solidFill>
+            <a:tailEnd type="triangle"/>
+          </a:ln>
+        </p:spPr>
+        <p:style>
+          <a:lnRef idx="1">
+            <a:schemeClr val="accent1"/>
+          </a:lnRef>
+          <a:fillRef idx="0">
+            <a:schemeClr val="accent1"/>
+          </a:fillRef>
+          <a:effectRef idx="0">
+            <a:schemeClr val="accent1"/>
+          </a:effectRef>
+          <a:fontRef idx="minor">
+            <a:schemeClr val="tx1"/>
+          </a:fontRef>
+        </p:style>
+      </p:cxnSp>
+      <p:sp>
+        <p:nvSpPr>
+          <p:cNvPr id="109" name="TextBox 108"/>
+          <p:cNvSpPr txBox="1"/>
+          <p:nvPr/>
+        </p:nvSpPr>
+        <p:spPr>
+          <a:xfrm>
+            <a:off x="3922062" y="224456"/>
+            <a:ext cx="706959" cy="338554"/>
+          </a:xfrm>
+          <a:prstGeom prst="rect">
+            <a:avLst/>
+          </a:prstGeom>
+          <a:noFill/>
+          <a:ln w="12700">
+            <a:noFill/>
+          </a:ln>
+        </p:spPr>
+        <p:txBody>
+          <a:bodyPr wrap="square" rtlCol="0">
+            <a:spAutoFit/>
+          </a:bodyPr>
+          <a:lstStyle/>
+          <a:p>
+            <a:r>
+              <a:rPr lang="en-US" sz="800" dirty="0" smtClean="0">
+                <a:latin typeface="Arial" pitchFamily="34" charset="0"/>
+                <a:cs typeface="Arial" pitchFamily="34" charset="0"/>
+              </a:rPr>
+              <a:t>drop decision</a:t>
+            </a:r>
+            <a:endParaRPr lang="en-US" sz="800" dirty="0">
+              <a:latin typeface="Arial" pitchFamily="34" charset="0"/>
+              <a:cs typeface="Arial" pitchFamily="34" charset="0"/>
+            </a:endParaRPr>
+          </a:p>
+        </p:txBody>
+      </p:sp>
+      <p:cxnSp>
+        <p:nvCxnSpPr>
+          <p:cNvPr id="120" name="Straight Arrow Connector 119"/>
+          <p:cNvCxnSpPr>
+            <a:stCxn id="33" idx="0"/>
+            <a:endCxn id="61" idx="2"/>
+          </p:cNvCxnSpPr>
+          <p:nvPr/>
+        </p:nvCxnSpPr>
+        <p:spPr>
+          <a:xfrm flipH="1" flipV="1">
+            <a:off x="3138500" y="712165"/>
+            <a:ext cx="1" cy="637744"/>
+          </a:xfrm>
+          <a:prstGeom prst="straightConnector1">
+            <a:avLst/>
+          </a:prstGeom>
+          <a:ln w="12700">
+            <a:solidFill>
+              <a:schemeClr val="tx1"/>
+            </a:solidFill>
+            <a:tailEnd type="triangle"/>
+          </a:ln>
+        </p:spPr>
+        <p:style>
+          <a:lnRef idx="1">
+            <a:schemeClr val="accent1"/>
+          </a:lnRef>
+          <a:fillRef idx="0">
+            <a:schemeClr val="accent1"/>
+          </a:fillRef>
+          <a:effectRef idx="0">
+            <a:schemeClr val="accent1"/>
+          </a:effectRef>
+          <a:fontRef idx="minor">
+            <a:schemeClr val="tx1"/>
+          </a:fontRef>
+        </p:style>
+      </p:cxnSp>
+      <p:sp>
+        <p:nvSpPr>
+          <p:cNvPr id="124" name="TextBox 123"/>
+          <p:cNvSpPr txBox="1"/>
+          <p:nvPr/>
+        </p:nvSpPr>
+        <p:spPr>
+          <a:xfrm>
+            <a:off x="2818857" y="923315"/>
+            <a:ext cx="459319" cy="215444"/>
+          </a:xfrm>
+          <a:prstGeom prst="rect">
+            <a:avLst/>
+          </a:prstGeom>
+          <a:noFill/>
+          <a:ln w="12700">
+            <a:noFill/>
+          </a:ln>
+        </p:spPr>
+        <p:txBody>
+          <a:bodyPr wrap="square" rtlCol="0">
+            <a:spAutoFit/>
+          </a:bodyPr>
+          <a:lstStyle/>
+          <a:p>
+            <a:r>
+              <a:rPr lang="en-US" sz="800" dirty="0" smtClean="0">
+                <a:latin typeface="Arial" pitchFamily="34" charset="0"/>
+                <a:cs typeface="Arial" pitchFamily="34" charset="0"/>
+              </a:rPr>
+              <a:t>stall</a:t>
+            </a:r>
+            <a:endParaRPr lang="en-US" sz="800" dirty="0">
+              <a:latin typeface="Arial" pitchFamily="34" charset="0"/>
+              <a:cs typeface="Arial" pitchFamily="34" charset="0"/>
+            </a:endParaRPr>
+          </a:p>
+        </p:txBody>
+      </p:sp>
+      <p:cxnSp>
+        <p:nvCxnSpPr>
+          <p:cNvPr id="125" name="Straight Arrow Connector 124"/>
+          <p:cNvCxnSpPr/>
+          <p:nvPr/>
+        </p:nvCxnSpPr>
+        <p:spPr>
+          <a:xfrm>
+            <a:off x="3138500" y="185659"/>
+            <a:ext cx="0" cy="150778"/>
+          </a:xfrm>
+          <a:prstGeom prst="straightConnector1">
+            <a:avLst/>
+          </a:prstGeom>
+          <a:ln w="12700">
+            <a:solidFill>
+              <a:schemeClr val="tx1"/>
+            </a:solidFill>
+            <a:tailEnd type="triangle"/>
+          </a:ln>
+        </p:spPr>
+        <p:style>
+          <a:lnRef idx="1">
+            <a:schemeClr val="accent1"/>
+          </a:lnRef>
+          <a:fillRef idx="0">
+            <a:schemeClr val="accent1"/>
+          </a:fillRef>
+          <a:effectRef idx="0">
+            <a:schemeClr val="accent1"/>
+          </a:effectRef>
+          <a:fontRef idx="minor">
+            <a:schemeClr val="tx1"/>
+          </a:fontRef>
+        </p:style>
+      </p:cxnSp>
+      <p:sp>
+        <p:nvSpPr>
+          <p:cNvPr id="128" name="TextBox 127"/>
+          <p:cNvSpPr txBox="1"/>
+          <p:nvPr/>
+        </p:nvSpPr>
+        <p:spPr>
+          <a:xfrm>
+            <a:off x="2694309" y="0"/>
+            <a:ext cx="888382" cy="215444"/>
+          </a:xfrm>
+          <a:prstGeom prst="rect">
+            <a:avLst/>
+          </a:prstGeom>
+          <a:noFill/>
+          <a:ln w="12700">
+            <a:noFill/>
+          </a:ln>
+        </p:spPr>
+        <p:txBody>
+          <a:bodyPr wrap="square" rtlCol="0">
+            <a:spAutoFit/>
+          </a:bodyPr>
+          <a:lstStyle/>
+          <a:p>
+            <a:pPr algn="ctr"/>
+            <a:r>
+              <a:rPr lang="en-US" sz="800" dirty="0" err="1" smtClean="0">
+                <a:latin typeface="Arial" pitchFamily="34" charset="0"/>
+                <a:cs typeface="Arial" pitchFamily="34" charset="0"/>
+              </a:rPr>
+              <a:t>headstart</a:t>
+            </a:r>
+            <a:r>
+              <a:rPr lang="en-US" sz="800" dirty="0" smtClean="0">
+                <a:latin typeface="Arial" pitchFamily="34" charset="0"/>
+                <a:cs typeface="Arial" pitchFamily="34" charset="0"/>
+              </a:rPr>
+              <a:t> slack</a:t>
+            </a:r>
+            <a:endParaRPr lang="en-US" sz="800" dirty="0">
+              <a:latin typeface="Arial" pitchFamily="34" charset="0"/>
+              <a:cs typeface="Arial" pitchFamily="34" charset="0"/>
+            </a:endParaRPr>
+          </a:p>
+        </p:txBody>
+      </p:sp>
+      <p:sp>
+        <p:nvSpPr>
+          <p:cNvPr id="129" name="Rectangle 128"/>
+          <p:cNvSpPr/>
+          <p:nvPr/>
+        </p:nvSpPr>
+        <p:spPr>
+          <a:xfrm>
+            <a:off x="3514890" y="854016"/>
+            <a:ext cx="703174" cy="375728"/>
+          </a:xfrm>
+          <a:prstGeom prst="rect">
+            <a:avLst/>
+          </a:prstGeom>
+          <a:solidFill>
+            <a:srgbClr val="FFFFCC"/>
+          </a:solidFill>
+          <a:ln w="12700">
+            <a:solidFill>
+              <a:schemeClr val="tx1"/>
+            </a:solidFill>
+          </a:ln>
+        </p:spPr>
+        <p:style>
+          <a:lnRef idx="2">
+            <a:schemeClr val="accent1">
+              <a:shade val="50000"/>
+            </a:schemeClr>
+          </a:lnRef>
+          <a:fillRef idx="1">
+            <a:schemeClr val="accent1"/>
+          </a:fillRef>
+          <a:effectRef idx="0">
+            <a:schemeClr val="accent1"/>
+          </a:effectRef>
+          <a:fontRef idx="minor">
+            <a:schemeClr val="lt1"/>
+          </a:fontRef>
+        </p:style>
+        <p:txBody>
+          <a:bodyPr rtlCol="0" anchor="ctr"/>
+          <a:lstStyle/>
+          <a:p>
+            <a:pPr algn="ctr"/>
+            <a:r>
               <a:rPr lang="en-US" sz="800" dirty="0" smtClean="0">
                 <a:solidFill>
                   <a:sysClr val="windowText" lastClr="000000"/>
@@ -5208,88 +5800,28 @@
           </a:p>
         </p:txBody>
       </p:sp>
-      <p:sp>
-        <p:nvSpPr>
-          <p:cNvPr id="17" name="Oval 16"/>
-          <p:cNvSpPr/>
-          <p:nvPr/>
-        </p:nvSpPr>
-        <p:spPr>
-          <a:xfrm>
-            <a:off x="3962764" y="328603"/>
-            <a:ext cx="358881" cy="360153"/>
-          </a:xfrm>
-          <a:prstGeom prst="ellipse">
-            <a:avLst/>
-          </a:prstGeom>
-          <a:solidFill>
-            <a:srgbClr val="FFFFCC"/>
-          </a:solidFill>
+      <p:cxnSp>
+        <p:nvCxnSpPr>
+          <p:cNvPr id="131" name="Straight Arrow Connector 130"/>
+          <p:cNvCxnSpPr>
+            <a:stCxn id="42" idx="1"/>
+            <a:endCxn id="129" idx="3"/>
+          </p:cNvCxnSpPr>
+          <p:nvPr/>
+        </p:nvCxnSpPr>
+        <p:spPr>
+          <a:xfrm flipH="1" flipV="1">
+            <a:off x="4218064" y="1041880"/>
+            <a:ext cx="338855" cy="2"/>
+          </a:xfrm>
+          <a:prstGeom prst="straightConnector1">
+            <a:avLst/>
+          </a:prstGeom>
           <a:ln w="12700">
             <a:solidFill>
               <a:schemeClr val="tx1"/>
             </a:solidFill>
-          </a:ln>
-        </p:spPr>
-        <p:style>
-          <a:lnRef idx="2">
-            <a:schemeClr val="accent1">
-              <a:shade val="50000"/>
-            </a:schemeClr>
-          </a:lnRef>
-          <a:fillRef idx="1">
-            <a:schemeClr val="accent1"/>
-          </a:fillRef>
-          <a:effectRef idx="0">
-            <a:schemeClr val="accent1"/>
-          </a:effectRef>
-          <a:fontRef idx="minor">
-            <a:schemeClr val="lt1"/>
-          </a:fontRef>
-        </p:style>
-        <p:txBody>
-          <a:bodyPr rtlCol="0" anchor="ctr"/>
-          <a:lstStyle/>
-          <a:p>
-            <a:pPr algn="ctr"/>
-            <a:r>
-              <a:rPr lang="en-US" sz="800" b="1" dirty="0" smtClean="0">
-                <a:solidFill>
-                  <a:schemeClr val="tx1"/>
-                </a:solidFill>
-                <a:latin typeface="Arial" pitchFamily="34" charset="0"/>
-                <a:cs typeface="Arial" pitchFamily="34" charset="0"/>
-              </a:rPr>
-              <a:t>&gt;</a:t>
-            </a:r>
-            <a:endParaRPr lang="en-US" sz="800" b="1" dirty="0">
-              <a:solidFill>
-                <a:schemeClr val="tx1"/>
-              </a:solidFill>
-              <a:latin typeface="Arial" pitchFamily="34" charset="0"/>
-              <a:cs typeface="Arial" pitchFamily="34" charset="0"/>
-            </a:endParaRPr>
-          </a:p>
-        </p:txBody>
-      </p:sp>
-      <p:cxnSp>
-        <p:nvCxnSpPr>
-          <p:cNvPr id="18" name="Straight Connector 17"/>
-          <p:cNvCxnSpPr/>
-          <p:nvPr/>
-        </p:nvCxnSpPr>
-        <p:spPr>
-          <a:xfrm flipH="1" flipV="1">
-            <a:off x="3737946" y="948428"/>
-            <a:ext cx="404258" cy="196"/>
-          </a:xfrm>
-          <a:prstGeom prst="line">
-            <a:avLst/>
-          </a:prstGeom>
-          <a:ln w="12700">
-            <a:solidFill>
-              <a:schemeClr val="tx1"/>
-            </a:solidFill>
+            <a:tailEnd type="triangle"/>
           </a:ln>
         </p:spPr>
         <p:style>
@@ -5309,368 +5841,17 @@
       </p:cxnSp>
       <p:cxnSp>
         <p:nvCxnSpPr>
-          <p:cNvPr id="19" name="Straight Arrow Connector 18"/>
+          <p:cNvPr id="135" name="Straight Arrow Connector 134"/>
           <p:cNvCxnSpPr>
-            <a:endCxn id="17" idx="4"/>
+            <a:stCxn id="129" idx="0"/>
+            <a:endCxn id="85" idx="4"/>
           </p:cNvCxnSpPr>
           <p:nvPr/>
         </p:nvCxnSpPr>
         <p:spPr>
           <a:xfrm flipV="1">
-            <a:off x="4142205" y="688756"/>
-            <a:ext cx="0" cy="259868"/>
-          </a:xfrm>
-          <a:prstGeom prst="straightConnector1">
-            <a:avLst/>
-          </a:prstGeom>
-          <a:ln w="12700">
-            <a:solidFill>
-              <a:schemeClr val="tx1"/>
-            </a:solidFill>
-            <a:tailEnd type="triangle"/>
-          </a:ln>
-        </p:spPr>
-        <p:style>
-          <a:lnRef idx="1">
-            <a:schemeClr val="accent1"/>
-          </a:lnRef>
-          <a:fillRef idx="0">
-            <a:schemeClr val="accent1"/>
-          </a:fillRef>
-          <a:effectRef idx="0">
-            <a:schemeClr val="accent1"/>
-          </a:effectRef>
-          <a:fontRef idx="minor">
-            <a:schemeClr val="tx1"/>
-          </a:fontRef>
-        </p:style>
-      </p:cxnSp>
-      <p:cxnSp>
-        <p:nvCxnSpPr>
-          <p:cNvPr id="20" name="Straight Arrow Connector 19"/>
-          <p:cNvCxnSpPr>
-            <a:stCxn id="17" idx="6"/>
-          </p:cNvCxnSpPr>
-          <p:nvPr/>
-        </p:nvCxnSpPr>
-        <p:spPr>
-          <a:xfrm>
-            <a:off x="4321645" y="508680"/>
-            <a:ext cx="569244" cy="0"/>
-          </a:xfrm>
-          <a:prstGeom prst="straightConnector1">
-            <a:avLst/>
-          </a:prstGeom>
-          <a:ln w="12700">
-            <a:solidFill>
-              <a:schemeClr val="tx1"/>
-            </a:solidFill>
-            <a:tailEnd type="triangle"/>
-          </a:ln>
-        </p:spPr>
-        <p:style>
-          <a:lnRef idx="1">
-            <a:schemeClr val="accent1"/>
-          </a:lnRef>
-          <a:fillRef idx="0">
-            <a:schemeClr val="accent1"/>
-          </a:fillRef>
-          <a:effectRef idx="0">
-            <a:schemeClr val="accent1"/>
-          </a:effectRef>
-          <a:fontRef idx="minor">
-            <a:schemeClr val="tx1"/>
-          </a:fontRef>
-        </p:style>
-      </p:cxnSp>
-      <p:cxnSp>
-        <p:nvCxnSpPr>
-          <p:cNvPr id="21" name="Straight Arrow Connector 20"/>
-          <p:cNvCxnSpPr/>
-          <p:nvPr/>
-        </p:nvCxnSpPr>
-        <p:spPr>
-          <a:xfrm flipH="1">
-            <a:off x="3734164" y="1024628"/>
-            <a:ext cx="1156725" cy="0"/>
-          </a:xfrm>
-          <a:prstGeom prst="straightConnector1">
-            <a:avLst/>
-          </a:prstGeom>
-          <a:ln w="12700">
-            <a:solidFill>
-              <a:schemeClr val="tx1"/>
-            </a:solidFill>
-            <a:tailEnd type="triangle"/>
-          </a:ln>
-        </p:spPr>
-        <p:style>
-          <a:lnRef idx="1">
-            <a:schemeClr val="accent1"/>
-          </a:lnRef>
-          <a:fillRef idx="0">
-            <a:schemeClr val="accent1"/>
-          </a:fillRef>
-          <a:effectRef idx="0">
-            <a:schemeClr val="accent1"/>
-          </a:effectRef>
-          <a:fontRef idx="minor">
-            <a:schemeClr val="tx1"/>
-          </a:fontRef>
-        </p:style>
-      </p:cxnSp>
-      <p:cxnSp>
-        <p:nvCxnSpPr>
-          <p:cNvPr id="22" name="Straight Arrow Connector 21"/>
-          <p:cNvCxnSpPr>
-            <a:endCxn id="8" idx="0"/>
-          </p:cNvCxnSpPr>
-          <p:nvPr/>
-        </p:nvCxnSpPr>
-        <p:spPr>
-          <a:xfrm>
-            <a:off x="3241033" y="47636"/>
-            <a:ext cx="0" cy="200224"/>
-          </a:xfrm>
-          <a:prstGeom prst="straightConnector1">
-            <a:avLst/>
-          </a:prstGeom>
-          <a:ln w="12700">
-            <a:solidFill>
-              <a:schemeClr val="tx1"/>
-            </a:solidFill>
-            <a:tailEnd type="triangle"/>
-          </a:ln>
-        </p:spPr>
-        <p:style>
-          <a:lnRef idx="1">
-            <a:schemeClr val="accent1"/>
-          </a:lnRef>
-          <a:fillRef idx="0">
-            <a:schemeClr val="accent1"/>
-          </a:fillRef>
-          <a:effectRef idx="0">
-            <a:schemeClr val="accent1"/>
-          </a:effectRef>
-          <a:fontRef idx="minor">
-            <a:schemeClr val="tx1"/>
-          </a:fontRef>
-        </p:style>
-      </p:cxnSp>
-      <p:sp>
-        <p:nvSpPr>
-          <p:cNvPr id="23" name="TextBox 22"/>
-          <p:cNvSpPr txBox="1"/>
-          <p:nvPr/>
-        </p:nvSpPr>
-        <p:spPr>
-          <a:xfrm>
-            <a:off x="2766442" y="32416"/>
-            <a:ext cx="474591" cy="215444"/>
-          </a:xfrm>
-          <a:prstGeom prst="rect">
-            <a:avLst/>
-          </a:prstGeom>
-          <a:noFill/>
-          <a:ln w="12700">
-            <a:noFill/>
-          </a:ln>
-        </p:spPr>
-        <p:txBody>
-          <a:bodyPr wrap="square" rtlCol="0">
-            <a:spAutoFit/>
-          </a:bodyPr>
-          <a:lstStyle/>
-          <a:p>
-            <a:pPr algn="r"/>
-            <a:r>
-              <a:rPr lang="en-US" sz="800" dirty="0" smtClean="0">
-                <a:latin typeface="Arial" pitchFamily="34" charset="0"/>
-                <a:cs typeface="Arial" pitchFamily="34" charset="0"/>
-              </a:rPr>
-              <a:t>stall</a:t>
-            </a:r>
-            <a:endParaRPr lang="en-US" sz="800" dirty="0">
-              <a:latin typeface="Arial" pitchFamily="34" charset="0"/>
-              <a:cs typeface="Arial" pitchFamily="34" charset="0"/>
-            </a:endParaRPr>
-          </a:p>
-        </p:txBody>
-      </p:sp>
-      <p:sp>
-        <p:nvSpPr>
-          <p:cNvPr id="24" name="Rectangle 23"/>
-          <p:cNvSpPr/>
-          <p:nvPr/>
-        </p:nvSpPr>
-        <p:spPr>
-          <a:xfrm>
-            <a:off x="51859" y="59949"/>
-            <a:ext cx="342206" cy="1083051"/>
-          </a:xfrm>
-          <a:prstGeom prst="rect">
-            <a:avLst/>
-          </a:prstGeom>
-          <a:solidFill>
-            <a:srgbClr val="A6CEE3"/>
-          </a:solidFill>
-          <a:ln w="12700">
-            <a:solidFill>
-              <a:schemeClr val="tx1"/>
-            </a:solidFill>
-          </a:ln>
-        </p:spPr>
-        <p:style>
-          <a:lnRef idx="2">
-            <a:schemeClr val="accent1">
-              <a:shade val="50000"/>
-            </a:schemeClr>
-          </a:lnRef>
-          <a:fillRef idx="1">
-            <a:schemeClr val="accent1"/>
-          </a:fillRef>
-          <a:effectRef idx="0">
-            <a:schemeClr val="accent1"/>
-          </a:effectRef>
-          <a:fontRef idx="minor">
-            <a:schemeClr val="lt1"/>
-          </a:fontRef>
-        </p:style>
-        <p:txBody>
-          <a:bodyPr vert="vert270" rtlCol="0" anchor="ctr"/>
-          <a:lstStyle/>
-          <a:p>
-            <a:pPr algn="ctr"/>
-            <a:r>
-              <a:rPr lang="en-US" sz="800" dirty="0" smtClean="0">
-                <a:solidFill>
-                  <a:sysClr val="windowText" lastClr="000000"/>
-                </a:solidFill>
-                <a:latin typeface="Arial" pitchFamily="34" charset="0"/>
-                <a:cs typeface="Arial" pitchFamily="34" charset="0"/>
-              </a:rPr>
-              <a:t>Main Core</a:t>
-            </a:r>
-            <a:endParaRPr lang="en-US" sz="800" dirty="0">
-              <a:solidFill>
-                <a:sysClr val="windowText" lastClr="000000"/>
-              </a:solidFill>
-              <a:latin typeface="Arial" pitchFamily="34" charset="0"/>
-              <a:cs typeface="Arial" pitchFamily="34" charset="0"/>
-            </a:endParaRPr>
-          </a:p>
-        </p:txBody>
-      </p:sp>
-      <p:sp>
-        <p:nvSpPr>
-          <p:cNvPr id="25" name="Rectangle 24"/>
-          <p:cNvSpPr/>
-          <p:nvPr/>
-        </p:nvSpPr>
-        <p:spPr>
-          <a:xfrm>
-            <a:off x="4890889" y="58287"/>
-            <a:ext cx="342206" cy="1084714"/>
-          </a:xfrm>
-          <a:prstGeom prst="rect">
-            <a:avLst/>
-          </a:prstGeom>
-          <a:solidFill>
-            <a:srgbClr val="A6CEE3"/>
-          </a:solidFill>
-          <a:ln w="12700">
-            <a:solidFill>
-              <a:schemeClr val="tx1"/>
-            </a:solidFill>
-          </a:ln>
-        </p:spPr>
-        <p:style>
-          <a:lnRef idx="2">
-            <a:schemeClr val="accent1">
-              <a:shade val="50000"/>
-            </a:schemeClr>
-          </a:lnRef>
-          <a:fillRef idx="1">
-            <a:schemeClr val="accent1"/>
-          </a:fillRef>
-          <a:effectRef idx="0">
-            <a:schemeClr val="accent1"/>
-          </a:effectRef>
-          <a:fontRef idx="minor">
-            <a:schemeClr val="lt1"/>
-          </a:fontRef>
-        </p:style>
-        <p:txBody>
-          <a:bodyPr vert="vert270" rtlCol="0" anchor="ctr"/>
-          <a:lstStyle/>
-          <a:p>
-            <a:pPr algn="ctr"/>
-            <a:r>
-              <a:rPr lang="en-US" sz="800" dirty="0" smtClean="0">
-                <a:solidFill>
-                  <a:sysClr val="windowText" lastClr="000000"/>
-                </a:solidFill>
-                <a:latin typeface="Arial" pitchFamily="34" charset="0"/>
-                <a:cs typeface="Arial" pitchFamily="34" charset="0"/>
-              </a:rPr>
-              <a:t>Monitoring Core</a:t>
-            </a:r>
-            <a:endParaRPr lang="en-US" sz="800" dirty="0">
-              <a:solidFill>
-                <a:sysClr val="windowText" lastClr="000000"/>
-              </a:solidFill>
-              <a:latin typeface="Arial" pitchFamily="34" charset="0"/>
-              <a:cs typeface="Arial" pitchFamily="34" charset="0"/>
-            </a:endParaRPr>
-          </a:p>
-        </p:txBody>
-      </p:sp>
-      <p:cxnSp>
-        <p:nvCxnSpPr>
-          <p:cNvPr id="27" name="Straight Arrow Connector 26"/>
-          <p:cNvCxnSpPr/>
-          <p:nvPr/>
-        </p:nvCxnSpPr>
-        <p:spPr>
-          <a:xfrm>
-            <a:off x="399519" y="677108"/>
-            <a:ext cx="698500" cy="0"/>
-          </a:xfrm>
-          <a:prstGeom prst="straightConnector1">
-            <a:avLst/>
-          </a:prstGeom>
-          <a:ln w="12700">
-            <a:solidFill>
-              <a:schemeClr val="tx1"/>
-            </a:solidFill>
-            <a:tailEnd type="triangle"/>
-          </a:ln>
-        </p:spPr>
-        <p:style>
-          <a:lnRef idx="1">
-            <a:schemeClr val="accent1"/>
-          </a:lnRef>
-          <a:fillRef idx="0">
-            <a:schemeClr val="accent1"/>
-          </a:fillRef>
-          <a:effectRef idx="0">
-            <a:schemeClr val="accent1"/>
-          </a:effectRef>
-          <a:fontRef idx="minor">
-            <a:schemeClr val="tx1"/>
-          </a:fontRef>
-        </p:style>
-      </p:cxnSp>
-      <p:cxnSp>
-        <p:nvCxnSpPr>
-          <p:cNvPr id="29" name="Straight Arrow Connector 28"/>
-          <p:cNvCxnSpPr/>
-          <p:nvPr/>
-        </p:nvCxnSpPr>
-        <p:spPr>
-          <a:xfrm>
-            <a:off x="399519" y="338554"/>
-            <a:ext cx="698500" cy="0"/>
+            <a:off x="3866477" y="620928"/>
+            <a:ext cx="1" cy="233088"/>
           </a:xfrm>
           <a:prstGeom prst="straightConnector1">
             <a:avLst/>
@@ -10738,147 +10919,6 @@
           </a:fontRef>
         </p:style>
       </p:cxnSp>
-      <p:sp>
-        <p:nvSpPr>
-          <p:cNvPr id="11" name="Rectangle 10"/>
-          <p:cNvSpPr/>
-          <p:nvPr/>
-        </p:nvSpPr>
-        <p:spPr>
-          <a:xfrm>
-            <a:off x="4233381" y="76916"/>
-            <a:ext cx="886563" cy="1282809"/>
-          </a:xfrm>
-          <a:prstGeom prst="rect">
-            <a:avLst/>
-          </a:prstGeom>
-          <a:solidFill>
-            <a:srgbClr val="A6CEE3"/>
-          </a:solidFill>
-          <a:ln w="12700">
-            <a:solidFill>
-              <a:schemeClr val="tx1"/>
-            </a:solidFill>
-          </a:ln>
-        </p:spPr>
-        <p:style>
-          <a:lnRef idx="2">
-            <a:schemeClr val="accent1">
-              <a:shade val="50000"/>
-            </a:schemeClr>
-          </a:lnRef>
-          <a:fillRef idx="1">
-            <a:schemeClr val="accent1"/>
-          </a:fillRef>
-          <a:effectRef idx="0">
-            <a:schemeClr val="accent1"/>
-          </a:effectRef>
-          <a:fontRef idx="minor">
-            <a:schemeClr val="lt1"/>
-          </a:fontRef>
-        </p:style>
-        <p:txBody>
-          <a:bodyPr rtlCol="0" anchor="ctr"/>
-          <a:lstStyle/>
-          <a:p>
-            <a:pPr algn="ctr"/>
-            <a:r>
-              <a:rPr lang="en-US" sz="800" dirty="0" smtClean="0">
-                <a:solidFill>
-                  <a:sysClr val="windowText" lastClr="000000"/>
-                </a:solidFill>
-                <a:latin typeface="Arial" pitchFamily="34" charset="0"/>
-                <a:cs typeface="Arial" pitchFamily="34" charset="0"/>
-              </a:rPr>
-              <a:t>Monitoring Core</a:t>
-            </a:r>
-            <a:endParaRPr lang="en-US" sz="800" dirty="0">
-              <a:solidFill>
-                <a:sysClr val="windowText" lastClr="000000"/>
-              </a:solidFill>
-              <a:latin typeface="Arial" pitchFamily="34" charset="0"/>
-              <a:cs typeface="Arial" pitchFamily="34" charset="0"/>
-            </a:endParaRPr>
-          </a:p>
-        </p:txBody>
-      </p:sp>
-      <p:sp>
-        <p:nvSpPr>
-          <p:cNvPr id="12" name="Rectangle 11"/>
-          <p:cNvSpPr/>
-          <p:nvPr/>
-        </p:nvSpPr>
-        <p:spPr>
-          <a:xfrm>
-            <a:off x="213519" y="76917"/>
-            <a:ext cx="886563" cy="1282810"/>
-          </a:xfrm>
-          <a:prstGeom prst="rect">
-            <a:avLst/>
-          </a:prstGeom>
-          <a:solidFill>
-            <a:srgbClr val="A6CEE3"/>
-          </a:solidFill>
-          <a:ln w="12700">
-            <a:solidFill>
-              <a:schemeClr val="tx1"/>
-            </a:solidFill>
-          </a:ln>
-        </p:spPr>
-        <p:style>
-          <a:lnRef idx="2">
-            <a:schemeClr val="accent1">
-              <a:shade val="50000"/>
-            </a:schemeClr>
-          </a:lnRef>
-          <a:fillRef idx="1">
-            <a:schemeClr val="accent1"/>
-          </a:fillRef>
-          <a:effectRef idx="0">
-            <a:schemeClr val="accent1"/>
-          </a:effectRef>
-          <a:fontRef idx="minor">
-            <a:schemeClr val="lt1"/>
-          </a:fontRef>
-        </p:style>
-        <p:txBody>
-          <a:bodyPr rtlCol="0" anchor="ctr"/>
-          <a:lstStyle/>
-          <a:p>
-            <a:pPr algn="ctr"/>
-            <a:r>
-              <a:rPr lang="en-US" sz="800" dirty="0" smtClean="0">
-                <a:solidFill>
-                  <a:sysClr val="windowText" lastClr="000000"/>
-                </a:solidFill>
-                <a:latin typeface="Arial" pitchFamily="34" charset="0"/>
-                <a:cs typeface="Arial" pitchFamily="34" charset="0"/>
-              </a:rPr>
-              <a:t>Main</a:t>
-            </a:r>
-          </a:p>
-          <a:p>
-            <a:pPr algn="ctr"/>
-            <a:r>
-              <a:rPr lang="en-US" sz="800" dirty="0" smtClean="0">
-                <a:solidFill>
-                  <a:sysClr val="windowText" lastClr="000000"/>
-                </a:solidFill>
-                <a:latin typeface="Arial" pitchFamily="34" charset="0"/>
-                <a:cs typeface="Arial" pitchFamily="34" charset="0"/>
-              </a:rPr>
-              <a:t>Core</a:t>
-            </a:r>
-            <a:endParaRPr lang="en-US" sz="800" dirty="0">
-              <a:solidFill>
-                <a:sysClr val="windowText" lastClr="000000"/>
-              </a:solidFill>
-              <a:latin typeface="Arial" pitchFamily="34" charset="0"/>
-              <a:cs typeface="Arial" pitchFamily="34" charset="0"/>
-            </a:endParaRPr>
-          </a:p>
-        </p:txBody>
-      </p:sp>
       <p:cxnSp>
         <p:nvCxnSpPr>
           <p:cNvPr id="13" name="Straight Arrow Connector 12"/>
@@ -11231,8 +11271,8 @@
         </p:nvCxnSpPr>
         <p:spPr>
           <a:xfrm flipH="1">
-            <a:off x="2711228" y="288143"/>
-            <a:ext cx="173917" cy="0"/>
+            <a:off x="2718051" y="288143"/>
+            <a:ext cx="167095" cy="0"/>
           </a:xfrm>
           <a:prstGeom prst="line">
             <a:avLst/>
@@ -11258,6 +11298,147 @@
           </a:fontRef>
         </p:style>
       </p:cxnSp>
+      <p:sp>
+        <p:nvSpPr>
+          <p:cNvPr id="23" name="Rectangle 22"/>
+          <p:cNvSpPr/>
+          <p:nvPr/>
+        </p:nvSpPr>
+        <p:spPr>
+          <a:xfrm>
+            <a:off x="428282" y="76916"/>
+            <a:ext cx="676177" cy="1282811"/>
+          </a:xfrm>
+          <a:prstGeom prst="rect">
+            <a:avLst/>
+          </a:prstGeom>
+          <a:solidFill>
+            <a:srgbClr val="A6CEE3"/>
+          </a:solidFill>
+          <a:ln w="12700">
+            <a:solidFill>
+              <a:schemeClr val="tx1"/>
+            </a:solidFill>
+          </a:ln>
+        </p:spPr>
+        <p:style>
+          <a:lnRef idx="2">
+            <a:schemeClr val="accent1">
+              <a:shade val="50000"/>
+            </a:schemeClr>
+          </a:lnRef>
+          <a:fillRef idx="1">
+            <a:schemeClr val="accent1"/>
+          </a:fillRef>
+          <a:effectRef idx="0">
+            <a:schemeClr val="accent1"/>
+          </a:effectRef>
+          <a:fontRef idx="minor">
+            <a:schemeClr val="lt1"/>
+          </a:fontRef>
+        </p:style>
+        <p:txBody>
+          <a:bodyPr rtlCol="0" anchor="ctr"/>
+          <a:lstStyle/>
+          <a:p>
+            <a:pPr algn="ctr"/>
+            <a:r>
+              <a:rPr lang="en-US" sz="800" dirty="0" smtClean="0">
+                <a:solidFill>
+                  <a:sysClr val="windowText" lastClr="000000"/>
+                </a:solidFill>
+                <a:latin typeface="Arial" pitchFamily="34" charset="0"/>
+                <a:cs typeface="Arial" pitchFamily="34" charset="0"/>
+              </a:rPr>
+              <a:t>Main</a:t>
+            </a:r>
+          </a:p>
+          <a:p>
+            <a:pPr algn="ctr"/>
+            <a:r>
+              <a:rPr lang="en-US" sz="800" dirty="0" smtClean="0">
+                <a:solidFill>
+                  <a:sysClr val="windowText" lastClr="000000"/>
+                </a:solidFill>
+                <a:latin typeface="Arial" pitchFamily="34" charset="0"/>
+                <a:cs typeface="Arial" pitchFamily="34" charset="0"/>
+              </a:rPr>
+              <a:t>Core</a:t>
+            </a:r>
+            <a:endParaRPr lang="en-US" sz="800" dirty="0">
+              <a:solidFill>
+                <a:sysClr val="windowText" lastClr="000000"/>
+              </a:solidFill>
+              <a:latin typeface="Arial" pitchFamily="34" charset="0"/>
+              <a:cs typeface="Arial" pitchFamily="34" charset="0"/>
+            </a:endParaRPr>
+          </a:p>
+        </p:txBody>
+      </p:sp>
+      <p:sp>
+        <p:nvSpPr>
+          <p:cNvPr id="24" name="Rectangle 23"/>
+          <p:cNvSpPr/>
+          <p:nvPr/>
+        </p:nvSpPr>
+        <p:spPr>
+          <a:xfrm>
+            <a:off x="4237751" y="76916"/>
+            <a:ext cx="676177" cy="1282811"/>
+          </a:xfrm>
+          <a:prstGeom prst="rect">
+            <a:avLst/>
+          </a:prstGeom>
+          <a:solidFill>
+            <a:srgbClr val="A6CEE3"/>
+          </a:solidFill>
+          <a:ln w="12700">
+            <a:solidFill>
+              <a:schemeClr val="tx1"/>
+            </a:solidFill>
+          </a:ln>
+        </p:spPr>
+        <p:style>
+          <a:lnRef idx="2">
+            <a:schemeClr val="accent1">
+              <a:shade val="50000"/>
+            </a:schemeClr>
+          </a:lnRef>
+          <a:fillRef idx="1">
+            <a:schemeClr val="accent1"/>
+          </a:fillRef>
+          <a:effectRef idx="0">
+            <a:schemeClr val="accent1"/>
+          </a:effectRef>
+          <a:fontRef idx="minor">
+            <a:schemeClr val="lt1"/>
+          </a:fontRef>
+        </p:style>
+        <p:txBody>
+          <a:bodyPr rtlCol="0" anchor="ctr"/>
+          <a:lstStyle/>
+          <a:p>
+            <a:pPr algn="ctr"/>
+            <a:r>
+              <a:rPr lang="en-US" sz="800" dirty="0" smtClean="0">
+                <a:solidFill>
+                  <a:sysClr val="windowText" lastClr="000000"/>
+                </a:solidFill>
+                <a:latin typeface="Arial" pitchFamily="34" charset="0"/>
+                <a:cs typeface="Arial" pitchFamily="34" charset="0"/>
+              </a:rPr>
+              <a:t>Monitoring Core</a:t>
+            </a:r>
+            <a:endParaRPr lang="en-US" sz="800" dirty="0">
+              <a:solidFill>
+                <a:sysClr val="windowText" lastClr="000000"/>
+              </a:solidFill>
+              <a:latin typeface="Arial" pitchFamily="34" charset="0"/>
+              <a:cs typeface="Arial" pitchFamily="34" charset="0"/>
+            </a:endParaRPr>
+          </a:p>
+        </p:txBody>
+      </p:sp>
     </p:spTree>
     <p:extLst>
       <p:ext uri="{BB962C8B-B14F-4D97-AF65-F5344CB8AC3E}">
